--- a/Breast cancer prediction.pptx
+++ b/Breast cancer prediction.pptx
@@ -5,18 +5,28 @@
     <p:sldMasterId id="2147483648" r:id="rId5"/>
   </p:sldMasterIdLst>
   <p:notesMasterIdLst>
-    <p:notesMasterId r:id="rId12"/>
+    <p:notesMasterId r:id="rId22"/>
   </p:notesMasterIdLst>
   <p:handoutMasterIdLst>
-    <p:handoutMasterId r:id="rId13"/>
+    <p:handoutMasterId r:id="rId23"/>
   </p:handoutMasterIdLst>
   <p:sldIdLst>
     <p:sldId id="257" r:id="rId6"/>
-    <p:sldId id="258" r:id="rId7"/>
-    <p:sldId id="275" r:id="rId8"/>
-    <p:sldId id="277" r:id="rId9"/>
-    <p:sldId id="278" r:id="rId10"/>
-    <p:sldId id="274" r:id="rId11"/>
+    <p:sldId id="275" r:id="rId7"/>
+    <p:sldId id="277" r:id="rId8"/>
+    <p:sldId id="280" r:id="rId9"/>
+    <p:sldId id="281" r:id="rId10"/>
+    <p:sldId id="282" r:id="rId11"/>
+    <p:sldId id="283" r:id="rId12"/>
+    <p:sldId id="278" r:id="rId13"/>
+    <p:sldId id="284" r:id="rId14"/>
+    <p:sldId id="285" r:id="rId15"/>
+    <p:sldId id="286" r:id="rId16"/>
+    <p:sldId id="287" r:id="rId17"/>
+    <p:sldId id="288" r:id="rId18"/>
+    <p:sldId id="289" r:id="rId19"/>
+    <p:sldId id="290" r:id="rId20"/>
+    <p:sldId id="274" r:id="rId21"/>
   </p:sldIdLst>
   <p:sldSz cx="12192000" cy="6858000"/>
   <p:notesSz cx="6858000" cy="9144000"/>
@@ -205,7 +215,7 @@
           <a:p>
             <a:fld id="{B0A6BAA4-2C3B-46F0-B509-EB9C4B21CD99}" type="datetimeFigureOut">
               <a:rPr lang="en-US" smtClean="0"/>
-              <a:t>11/6/2020</a:t>
+              <a:t>11/21/20</a:t>
             </a:fld>
             <a:endParaRPr lang="en-US"/>
           </a:p>
@@ -370,7 +380,7 @@
           <a:p>
             <a:fld id="{B565716D-39C9-48C4-A3EB-B88E4515427D}" type="datetimeFigureOut">
               <a:rPr lang="en-US" smtClean="0"/>
-              <a:t>11/6/2020</a:t>
+              <a:t>11/21/20</a:t>
             </a:fld>
             <a:endParaRPr lang="en-US" dirty="0"/>
           </a:p>
@@ -760,6 +770,860 @@
 </p:notes>
 </file>
 
+<file path=ppt/notesSlides/notesSlide10.xml><?xml version="1.0" encoding="utf-8"?>
+<p:notes xmlns:a="http://schemas.openxmlformats.org/drawingml/2006/main" xmlns:r="http://schemas.openxmlformats.org/officeDocument/2006/relationships" xmlns:p="http://schemas.openxmlformats.org/presentationml/2006/main">
+  <p:cSld>
+    <p:spTree>
+      <p:nvGrpSpPr>
+        <p:cNvPr id="1" name=""/>
+        <p:cNvGrpSpPr/>
+        <p:nvPr/>
+      </p:nvGrpSpPr>
+      <p:grpSpPr>
+        <a:xfrm>
+          <a:off x="0" y="0"/>
+          <a:ext cx="0" cy="0"/>
+          <a:chOff x="0" y="0"/>
+          <a:chExt cx="0" cy="0"/>
+        </a:xfrm>
+      </p:grpSpPr>
+      <p:sp>
+        <p:nvSpPr>
+          <p:cNvPr id="2" name="Slide Image Placeholder 1"/>
+          <p:cNvSpPr>
+            <a:spLocks noGrp="1" noRot="1" noChangeAspect="1"/>
+          </p:cNvSpPr>
+          <p:nvPr>
+            <p:ph type="sldImg"/>
+          </p:nvPr>
+        </p:nvSpPr>
+        <p:spPr/>
+      </p:sp>
+      <p:sp>
+        <p:nvSpPr>
+          <p:cNvPr id="3" name="Notes Placeholder 2"/>
+          <p:cNvSpPr>
+            <a:spLocks noGrp="1"/>
+          </p:cNvSpPr>
+          <p:nvPr>
+            <p:ph type="body" idx="1"/>
+          </p:nvPr>
+        </p:nvSpPr>
+        <p:spPr/>
+        <p:txBody>
+          <a:bodyPr/>
+          <a:lstStyle/>
+          <a:p>
+            <a:endParaRPr lang="en-US"/>
+          </a:p>
+        </p:txBody>
+      </p:sp>
+      <p:sp>
+        <p:nvSpPr>
+          <p:cNvPr id="4" name="Header Placeholder 3"/>
+          <p:cNvSpPr>
+            <a:spLocks noGrp="1"/>
+          </p:cNvSpPr>
+          <p:nvPr>
+            <p:ph type="hdr" sz="quarter" idx="10"/>
+          </p:nvPr>
+        </p:nvSpPr>
+        <p:spPr/>
+        <p:txBody>
+          <a:bodyPr/>
+          <a:lstStyle/>
+          <a:p>
+            <a:endParaRPr lang="en-US" dirty="0"/>
+          </a:p>
+        </p:txBody>
+      </p:sp>
+      <p:sp>
+        <p:nvSpPr>
+          <p:cNvPr id="5" name="Footer Placeholder 4"/>
+          <p:cNvSpPr>
+            <a:spLocks noGrp="1"/>
+          </p:cNvSpPr>
+          <p:nvPr>
+            <p:ph type="ftr" sz="quarter" idx="11"/>
+          </p:nvPr>
+        </p:nvSpPr>
+        <p:spPr/>
+        <p:txBody>
+          <a:bodyPr/>
+          <a:lstStyle/>
+          <a:p>
+            <a:endParaRPr lang="en-US" dirty="0"/>
+          </a:p>
+        </p:txBody>
+      </p:sp>
+      <p:sp>
+        <p:nvSpPr>
+          <p:cNvPr id="6" name="Slide Number Placeholder 5"/>
+          <p:cNvSpPr>
+            <a:spLocks noGrp="1"/>
+          </p:cNvSpPr>
+          <p:nvPr>
+            <p:ph type="sldNum" sz="quarter" idx="12"/>
+          </p:nvPr>
+        </p:nvSpPr>
+        <p:spPr/>
+        <p:txBody>
+          <a:bodyPr/>
+          <a:lstStyle/>
+          <a:p>
+            <a:fld id="{060C6D3C-9EB0-4F2C-9026-3887D1CDB44E}" type="slidenum">
+              <a:rPr lang="en-US" smtClean="0"/>
+              <a:t>10</a:t>
+            </a:fld>
+            <a:endParaRPr lang="en-US" dirty="0"/>
+          </a:p>
+        </p:txBody>
+      </p:sp>
+    </p:spTree>
+    <p:extLst>
+      <p:ext uri="{BB962C8B-B14F-4D97-AF65-F5344CB8AC3E}">
+        <p14:creationId xmlns:p14="http://schemas.microsoft.com/office/powerpoint/2010/main" val="35068543"/>
+      </p:ext>
+    </p:extLst>
+  </p:cSld>
+  <p:clrMapOvr>
+    <a:masterClrMapping/>
+  </p:clrMapOvr>
+</p:notes>
+</file>
+
+<file path=ppt/notesSlides/notesSlide11.xml><?xml version="1.0" encoding="utf-8"?>
+<p:notes xmlns:a="http://schemas.openxmlformats.org/drawingml/2006/main" xmlns:r="http://schemas.openxmlformats.org/officeDocument/2006/relationships" xmlns:p="http://schemas.openxmlformats.org/presentationml/2006/main">
+  <p:cSld>
+    <p:spTree>
+      <p:nvGrpSpPr>
+        <p:cNvPr id="1" name=""/>
+        <p:cNvGrpSpPr/>
+        <p:nvPr/>
+      </p:nvGrpSpPr>
+      <p:grpSpPr>
+        <a:xfrm>
+          <a:off x="0" y="0"/>
+          <a:ext cx="0" cy="0"/>
+          <a:chOff x="0" y="0"/>
+          <a:chExt cx="0" cy="0"/>
+        </a:xfrm>
+      </p:grpSpPr>
+      <p:sp>
+        <p:nvSpPr>
+          <p:cNvPr id="2" name="Slide Image Placeholder 1"/>
+          <p:cNvSpPr>
+            <a:spLocks noGrp="1" noRot="1" noChangeAspect="1"/>
+          </p:cNvSpPr>
+          <p:nvPr>
+            <p:ph type="sldImg"/>
+          </p:nvPr>
+        </p:nvSpPr>
+        <p:spPr/>
+      </p:sp>
+      <p:sp>
+        <p:nvSpPr>
+          <p:cNvPr id="3" name="Notes Placeholder 2"/>
+          <p:cNvSpPr>
+            <a:spLocks noGrp="1"/>
+          </p:cNvSpPr>
+          <p:nvPr>
+            <p:ph type="body" idx="1"/>
+          </p:nvPr>
+        </p:nvSpPr>
+        <p:spPr/>
+        <p:txBody>
+          <a:bodyPr/>
+          <a:lstStyle/>
+          <a:p>
+            <a:endParaRPr lang="en-US"/>
+          </a:p>
+        </p:txBody>
+      </p:sp>
+      <p:sp>
+        <p:nvSpPr>
+          <p:cNvPr id="4" name="Header Placeholder 3"/>
+          <p:cNvSpPr>
+            <a:spLocks noGrp="1"/>
+          </p:cNvSpPr>
+          <p:nvPr>
+            <p:ph type="hdr" sz="quarter" idx="10"/>
+          </p:nvPr>
+        </p:nvSpPr>
+        <p:spPr/>
+        <p:txBody>
+          <a:bodyPr/>
+          <a:lstStyle/>
+          <a:p>
+            <a:endParaRPr lang="en-US" dirty="0"/>
+          </a:p>
+        </p:txBody>
+      </p:sp>
+      <p:sp>
+        <p:nvSpPr>
+          <p:cNvPr id="5" name="Footer Placeholder 4"/>
+          <p:cNvSpPr>
+            <a:spLocks noGrp="1"/>
+          </p:cNvSpPr>
+          <p:nvPr>
+            <p:ph type="ftr" sz="quarter" idx="11"/>
+          </p:nvPr>
+        </p:nvSpPr>
+        <p:spPr/>
+        <p:txBody>
+          <a:bodyPr/>
+          <a:lstStyle/>
+          <a:p>
+            <a:endParaRPr lang="en-US" dirty="0"/>
+          </a:p>
+        </p:txBody>
+      </p:sp>
+      <p:sp>
+        <p:nvSpPr>
+          <p:cNvPr id="6" name="Slide Number Placeholder 5"/>
+          <p:cNvSpPr>
+            <a:spLocks noGrp="1"/>
+          </p:cNvSpPr>
+          <p:nvPr>
+            <p:ph type="sldNum" sz="quarter" idx="12"/>
+          </p:nvPr>
+        </p:nvSpPr>
+        <p:spPr/>
+        <p:txBody>
+          <a:bodyPr/>
+          <a:lstStyle/>
+          <a:p>
+            <a:fld id="{060C6D3C-9EB0-4F2C-9026-3887D1CDB44E}" type="slidenum">
+              <a:rPr lang="en-US" smtClean="0"/>
+              <a:t>11</a:t>
+            </a:fld>
+            <a:endParaRPr lang="en-US" dirty="0"/>
+          </a:p>
+        </p:txBody>
+      </p:sp>
+    </p:spTree>
+    <p:extLst>
+      <p:ext uri="{BB962C8B-B14F-4D97-AF65-F5344CB8AC3E}">
+        <p14:creationId xmlns:p14="http://schemas.microsoft.com/office/powerpoint/2010/main" val="1832570380"/>
+      </p:ext>
+    </p:extLst>
+  </p:cSld>
+  <p:clrMapOvr>
+    <a:masterClrMapping/>
+  </p:clrMapOvr>
+</p:notes>
+</file>
+
+<file path=ppt/notesSlides/notesSlide12.xml><?xml version="1.0" encoding="utf-8"?>
+<p:notes xmlns:a="http://schemas.openxmlformats.org/drawingml/2006/main" xmlns:r="http://schemas.openxmlformats.org/officeDocument/2006/relationships" xmlns:p="http://schemas.openxmlformats.org/presentationml/2006/main">
+  <p:cSld>
+    <p:spTree>
+      <p:nvGrpSpPr>
+        <p:cNvPr id="1" name=""/>
+        <p:cNvGrpSpPr/>
+        <p:nvPr/>
+      </p:nvGrpSpPr>
+      <p:grpSpPr>
+        <a:xfrm>
+          <a:off x="0" y="0"/>
+          <a:ext cx="0" cy="0"/>
+          <a:chOff x="0" y="0"/>
+          <a:chExt cx="0" cy="0"/>
+        </a:xfrm>
+      </p:grpSpPr>
+      <p:sp>
+        <p:nvSpPr>
+          <p:cNvPr id="2" name="Slide Image Placeholder 1"/>
+          <p:cNvSpPr>
+            <a:spLocks noGrp="1" noRot="1" noChangeAspect="1"/>
+          </p:cNvSpPr>
+          <p:nvPr>
+            <p:ph type="sldImg"/>
+          </p:nvPr>
+        </p:nvSpPr>
+        <p:spPr/>
+      </p:sp>
+      <p:sp>
+        <p:nvSpPr>
+          <p:cNvPr id="3" name="Notes Placeholder 2"/>
+          <p:cNvSpPr>
+            <a:spLocks noGrp="1"/>
+          </p:cNvSpPr>
+          <p:nvPr>
+            <p:ph type="body" idx="1"/>
+          </p:nvPr>
+        </p:nvSpPr>
+        <p:spPr/>
+        <p:txBody>
+          <a:bodyPr/>
+          <a:lstStyle/>
+          <a:p>
+            <a:endParaRPr lang="en-US"/>
+          </a:p>
+        </p:txBody>
+      </p:sp>
+      <p:sp>
+        <p:nvSpPr>
+          <p:cNvPr id="4" name="Header Placeholder 3"/>
+          <p:cNvSpPr>
+            <a:spLocks noGrp="1"/>
+          </p:cNvSpPr>
+          <p:nvPr>
+            <p:ph type="hdr" sz="quarter" idx="10"/>
+          </p:nvPr>
+        </p:nvSpPr>
+        <p:spPr/>
+        <p:txBody>
+          <a:bodyPr/>
+          <a:lstStyle/>
+          <a:p>
+            <a:endParaRPr lang="en-US" dirty="0"/>
+          </a:p>
+        </p:txBody>
+      </p:sp>
+      <p:sp>
+        <p:nvSpPr>
+          <p:cNvPr id="5" name="Footer Placeholder 4"/>
+          <p:cNvSpPr>
+            <a:spLocks noGrp="1"/>
+          </p:cNvSpPr>
+          <p:nvPr>
+            <p:ph type="ftr" sz="quarter" idx="11"/>
+          </p:nvPr>
+        </p:nvSpPr>
+        <p:spPr/>
+        <p:txBody>
+          <a:bodyPr/>
+          <a:lstStyle/>
+          <a:p>
+            <a:endParaRPr lang="en-US" dirty="0"/>
+          </a:p>
+        </p:txBody>
+      </p:sp>
+      <p:sp>
+        <p:nvSpPr>
+          <p:cNvPr id="6" name="Slide Number Placeholder 5"/>
+          <p:cNvSpPr>
+            <a:spLocks noGrp="1"/>
+          </p:cNvSpPr>
+          <p:nvPr>
+            <p:ph type="sldNum" sz="quarter" idx="12"/>
+          </p:nvPr>
+        </p:nvSpPr>
+        <p:spPr/>
+        <p:txBody>
+          <a:bodyPr/>
+          <a:lstStyle/>
+          <a:p>
+            <a:fld id="{060C6D3C-9EB0-4F2C-9026-3887D1CDB44E}" type="slidenum">
+              <a:rPr lang="en-US" smtClean="0"/>
+              <a:t>12</a:t>
+            </a:fld>
+            <a:endParaRPr lang="en-US" dirty="0"/>
+          </a:p>
+        </p:txBody>
+      </p:sp>
+    </p:spTree>
+    <p:extLst>
+      <p:ext uri="{BB962C8B-B14F-4D97-AF65-F5344CB8AC3E}">
+        <p14:creationId xmlns:p14="http://schemas.microsoft.com/office/powerpoint/2010/main" val="1000828902"/>
+      </p:ext>
+    </p:extLst>
+  </p:cSld>
+  <p:clrMapOvr>
+    <a:masterClrMapping/>
+  </p:clrMapOvr>
+</p:notes>
+</file>
+
+<file path=ppt/notesSlides/notesSlide13.xml><?xml version="1.0" encoding="utf-8"?>
+<p:notes xmlns:a="http://schemas.openxmlformats.org/drawingml/2006/main" xmlns:r="http://schemas.openxmlformats.org/officeDocument/2006/relationships" xmlns:p="http://schemas.openxmlformats.org/presentationml/2006/main">
+  <p:cSld>
+    <p:spTree>
+      <p:nvGrpSpPr>
+        <p:cNvPr id="1" name=""/>
+        <p:cNvGrpSpPr/>
+        <p:nvPr/>
+      </p:nvGrpSpPr>
+      <p:grpSpPr>
+        <a:xfrm>
+          <a:off x="0" y="0"/>
+          <a:ext cx="0" cy="0"/>
+          <a:chOff x="0" y="0"/>
+          <a:chExt cx="0" cy="0"/>
+        </a:xfrm>
+      </p:grpSpPr>
+      <p:sp>
+        <p:nvSpPr>
+          <p:cNvPr id="2" name="Slide Image Placeholder 1"/>
+          <p:cNvSpPr>
+            <a:spLocks noGrp="1" noRot="1" noChangeAspect="1"/>
+          </p:cNvSpPr>
+          <p:nvPr>
+            <p:ph type="sldImg"/>
+          </p:nvPr>
+        </p:nvSpPr>
+        <p:spPr/>
+      </p:sp>
+      <p:sp>
+        <p:nvSpPr>
+          <p:cNvPr id="3" name="Notes Placeholder 2"/>
+          <p:cNvSpPr>
+            <a:spLocks noGrp="1"/>
+          </p:cNvSpPr>
+          <p:nvPr>
+            <p:ph type="body" idx="1"/>
+          </p:nvPr>
+        </p:nvSpPr>
+        <p:spPr/>
+        <p:txBody>
+          <a:bodyPr/>
+          <a:lstStyle/>
+          <a:p>
+            <a:endParaRPr lang="en-US"/>
+          </a:p>
+        </p:txBody>
+      </p:sp>
+      <p:sp>
+        <p:nvSpPr>
+          <p:cNvPr id="4" name="Header Placeholder 3"/>
+          <p:cNvSpPr>
+            <a:spLocks noGrp="1"/>
+          </p:cNvSpPr>
+          <p:nvPr>
+            <p:ph type="hdr" sz="quarter" idx="10"/>
+          </p:nvPr>
+        </p:nvSpPr>
+        <p:spPr/>
+        <p:txBody>
+          <a:bodyPr/>
+          <a:lstStyle/>
+          <a:p>
+            <a:endParaRPr lang="en-US" dirty="0"/>
+          </a:p>
+        </p:txBody>
+      </p:sp>
+      <p:sp>
+        <p:nvSpPr>
+          <p:cNvPr id="5" name="Footer Placeholder 4"/>
+          <p:cNvSpPr>
+            <a:spLocks noGrp="1"/>
+          </p:cNvSpPr>
+          <p:nvPr>
+            <p:ph type="ftr" sz="quarter" idx="11"/>
+          </p:nvPr>
+        </p:nvSpPr>
+        <p:spPr/>
+        <p:txBody>
+          <a:bodyPr/>
+          <a:lstStyle/>
+          <a:p>
+            <a:endParaRPr lang="en-US" dirty="0"/>
+          </a:p>
+        </p:txBody>
+      </p:sp>
+      <p:sp>
+        <p:nvSpPr>
+          <p:cNvPr id="6" name="Slide Number Placeholder 5"/>
+          <p:cNvSpPr>
+            <a:spLocks noGrp="1"/>
+          </p:cNvSpPr>
+          <p:nvPr>
+            <p:ph type="sldNum" sz="quarter" idx="12"/>
+          </p:nvPr>
+        </p:nvSpPr>
+        <p:spPr/>
+        <p:txBody>
+          <a:bodyPr/>
+          <a:lstStyle/>
+          <a:p>
+            <a:fld id="{060C6D3C-9EB0-4F2C-9026-3887D1CDB44E}" type="slidenum">
+              <a:rPr lang="en-US" smtClean="0"/>
+              <a:t>13</a:t>
+            </a:fld>
+            <a:endParaRPr lang="en-US" dirty="0"/>
+          </a:p>
+        </p:txBody>
+      </p:sp>
+    </p:spTree>
+    <p:extLst>
+      <p:ext uri="{BB962C8B-B14F-4D97-AF65-F5344CB8AC3E}">
+        <p14:creationId xmlns:p14="http://schemas.microsoft.com/office/powerpoint/2010/main" val="505852866"/>
+      </p:ext>
+    </p:extLst>
+  </p:cSld>
+  <p:clrMapOvr>
+    <a:masterClrMapping/>
+  </p:clrMapOvr>
+</p:notes>
+</file>
+
+<file path=ppt/notesSlides/notesSlide14.xml><?xml version="1.0" encoding="utf-8"?>
+<p:notes xmlns:a="http://schemas.openxmlformats.org/drawingml/2006/main" xmlns:r="http://schemas.openxmlformats.org/officeDocument/2006/relationships" xmlns:p="http://schemas.openxmlformats.org/presentationml/2006/main">
+  <p:cSld>
+    <p:spTree>
+      <p:nvGrpSpPr>
+        <p:cNvPr id="1" name=""/>
+        <p:cNvGrpSpPr/>
+        <p:nvPr/>
+      </p:nvGrpSpPr>
+      <p:grpSpPr>
+        <a:xfrm>
+          <a:off x="0" y="0"/>
+          <a:ext cx="0" cy="0"/>
+          <a:chOff x="0" y="0"/>
+          <a:chExt cx="0" cy="0"/>
+        </a:xfrm>
+      </p:grpSpPr>
+      <p:sp>
+        <p:nvSpPr>
+          <p:cNvPr id="2" name="Slide Image Placeholder 1"/>
+          <p:cNvSpPr>
+            <a:spLocks noGrp="1" noRot="1" noChangeAspect="1"/>
+          </p:cNvSpPr>
+          <p:nvPr>
+            <p:ph type="sldImg"/>
+          </p:nvPr>
+        </p:nvSpPr>
+        <p:spPr/>
+      </p:sp>
+      <p:sp>
+        <p:nvSpPr>
+          <p:cNvPr id="3" name="Notes Placeholder 2"/>
+          <p:cNvSpPr>
+            <a:spLocks noGrp="1"/>
+          </p:cNvSpPr>
+          <p:nvPr>
+            <p:ph type="body" idx="1"/>
+          </p:nvPr>
+        </p:nvSpPr>
+        <p:spPr/>
+        <p:txBody>
+          <a:bodyPr/>
+          <a:lstStyle/>
+          <a:p>
+            <a:endParaRPr lang="en-US"/>
+          </a:p>
+        </p:txBody>
+      </p:sp>
+      <p:sp>
+        <p:nvSpPr>
+          <p:cNvPr id="4" name="Header Placeholder 3"/>
+          <p:cNvSpPr>
+            <a:spLocks noGrp="1"/>
+          </p:cNvSpPr>
+          <p:nvPr>
+            <p:ph type="hdr" sz="quarter" idx="10"/>
+          </p:nvPr>
+        </p:nvSpPr>
+        <p:spPr/>
+        <p:txBody>
+          <a:bodyPr/>
+          <a:lstStyle/>
+          <a:p>
+            <a:endParaRPr lang="en-US" dirty="0"/>
+          </a:p>
+        </p:txBody>
+      </p:sp>
+      <p:sp>
+        <p:nvSpPr>
+          <p:cNvPr id="5" name="Footer Placeholder 4"/>
+          <p:cNvSpPr>
+            <a:spLocks noGrp="1"/>
+          </p:cNvSpPr>
+          <p:nvPr>
+            <p:ph type="ftr" sz="quarter" idx="11"/>
+          </p:nvPr>
+        </p:nvSpPr>
+        <p:spPr/>
+        <p:txBody>
+          <a:bodyPr/>
+          <a:lstStyle/>
+          <a:p>
+            <a:endParaRPr lang="en-US" dirty="0"/>
+          </a:p>
+        </p:txBody>
+      </p:sp>
+      <p:sp>
+        <p:nvSpPr>
+          <p:cNvPr id="6" name="Slide Number Placeholder 5"/>
+          <p:cNvSpPr>
+            <a:spLocks noGrp="1"/>
+          </p:cNvSpPr>
+          <p:nvPr>
+            <p:ph type="sldNum" sz="quarter" idx="12"/>
+          </p:nvPr>
+        </p:nvSpPr>
+        <p:spPr/>
+        <p:txBody>
+          <a:bodyPr/>
+          <a:lstStyle/>
+          <a:p>
+            <a:fld id="{060C6D3C-9EB0-4F2C-9026-3887D1CDB44E}" type="slidenum">
+              <a:rPr lang="en-US" smtClean="0"/>
+              <a:t>14</a:t>
+            </a:fld>
+            <a:endParaRPr lang="en-US" dirty="0"/>
+          </a:p>
+        </p:txBody>
+      </p:sp>
+    </p:spTree>
+    <p:extLst>
+      <p:ext uri="{BB962C8B-B14F-4D97-AF65-F5344CB8AC3E}">
+        <p14:creationId xmlns:p14="http://schemas.microsoft.com/office/powerpoint/2010/main" val="2777914595"/>
+      </p:ext>
+    </p:extLst>
+  </p:cSld>
+  <p:clrMapOvr>
+    <a:masterClrMapping/>
+  </p:clrMapOvr>
+</p:notes>
+</file>
+
+<file path=ppt/notesSlides/notesSlide15.xml><?xml version="1.0" encoding="utf-8"?>
+<p:notes xmlns:a="http://schemas.openxmlformats.org/drawingml/2006/main" xmlns:r="http://schemas.openxmlformats.org/officeDocument/2006/relationships" xmlns:p="http://schemas.openxmlformats.org/presentationml/2006/main">
+  <p:cSld>
+    <p:spTree>
+      <p:nvGrpSpPr>
+        <p:cNvPr id="1" name=""/>
+        <p:cNvGrpSpPr/>
+        <p:nvPr/>
+      </p:nvGrpSpPr>
+      <p:grpSpPr>
+        <a:xfrm>
+          <a:off x="0" y="0"/>
+          <a:ext cx="0" cy="0"/>
+          <a:chOff x="0" y="0"/>
+          <a:chExt cx="0" cy="0"/>
+        </a:xfrm>
+      </p:grpSpPr>
+      <p:sp>
+        <p:nvSpPr>
+          <p:cNvPr id="2" name="Slide Image Placeholder 1"/>
+          <p:cNvSpPr>
+            <a:spLocks noGrp="1" noRot="1" noChangeAspect="1"/>
+          </p:cNvSpPr>
+          <p:nvPr>
+            <p:ph type="sldImg"/>
+          </p:nvPr>
+        </p:nvSpPr>
+        <p:spPr/>
+      </p:sp>
+      <p:sp>
+        <p:nvSpPr>
+          <p:cNvPr id="3" name="Notes Placeholder 2"/>
+          <p:cNvSpPr>
+            <a:spLocks noGrp="1"/>
+          </p:cNvSpPr>
+          <p:nvPr>
+            <p:ph type="body" idx="1"/>
+          </p:nvPr>
+        </p:nvSpPr>
+        <p:spPr/>
+        <p:txBody>
+          <a:bodyPr/>
+          <a:lstStyle/>
+          <a:p>
+            <a:endParaRPr lang="en-US"/>
+          </a:p>
+        </p:txBody>
+      </p:sp>
+      <p:sp>
+        <p:nvSpPr>
+          <p:cNvPr id="4" name="Header Placeholder 3"/>
+          <p:cNvSpPr>
+            <a:spLocks noGrp="1"/>
+          </p:cNvSpPr>
+          <p:nvPr>
+            <p:ph type="hdr" sz="quarter" idx="10"/>
+          </p:nvPr>
+        </p:nvSpPr>
+        <p:spPr/>
+        <p:txBody>
+          <a:bodyPr/>
+          <a:lstStyle/>
+          <a:p>
+            <a:endParaRPr lang="en-US" dirty="0"/>
+          </a:p>
+        </p:txBody>
+      </p:sp>
+      <p:sp>
+        <p:nvSpPr>
+          <p:cNvPr id="5" name="Footer Placeholder 4"/>
+          <p:cNvSpPr>
+            <a:spLocks noGrp="1"/>
+          </p:cNvSpPr>
+          <p:nvPr>
+            <p:ph type="ftr" sz="quarter" idx="11"/>
+          </p:nvPr>
+        </p:nvSpPr>
+        <p:spPr/>
+        <p:txBody>
+          <a:bodyPr/>
+          <a:lstStyle/>
+          <a:p>
+            <a:endParaRPr lang="en-US" dirty="0"/>
+          </a:p>
+        </p:txBody>
+      </p:sp>
+      <p:sp>
+        <p:nvSpPr>
+          <p:cNvPr id="6" name="Slide Number Placeholder 5"/>
+          <p:cNvSpPr>
+            <a:spLocks noGrp="1"/>
+          </p:cNvSpPr>
+          <p:nvPr>
+            <p:ph type="sldNum" sz="quarter" idx="12"/>
+          </p:nvPr>
+        </p:nvSpPr>
+        <p:spPr/>
+        <p:txBody>
+          <a:bodyPr/>
+          <a:lstStyle/>
+          <a:p>
+            <a:fld id="{060C6D3C-9EB0-4F2C-9026-3887D1CDB44E}" type="slidenum">
+              <a:rPr lang="en-US" smtClean="0"/>
+              <a:t>15</a:t>
+            </a:fld>
+            <a:endParaRPr lang="en-US" dirty="0"/>
+          </a:p>
+        </p:txBody>
+      </p:sp>
+    </p:spTree>
+    <p:extLst>
+      <p:ext uri="{BB962C8B-B14F-4D97-AF65-F5344CB8AC3E}">
+        <p14:creationId xmlns:p14="http://schemas.microsoft.com/office/powerpoint/2010/main" val="997299619"/>
+      </p:ext>
+    </p:extLst>
+  </p:cSld>
+  <p:clrMapOvr>
+    <a:masterClrMapping/>
+  </p:clrMapOvr>
+</p:notes>
+</file>
+
+<file path=ppt/notesSlides/notesSlide16.xml><?xml version="1.0" encoding="utf-8"?>
+<p:notes xmlns:a="http://schemas.openxmlformats.org/drawingml/2006/main" xmlns:r="http://schemas.openxmlformats.org/officeDocument/2006/relationships" xmlns:p="http://schemas.openxmlformats.org/presentationml/2006/main">
+  <p:cSld>
+    <p:spTree>
+      <p:nvGrpSpPr>
+        <p:cNvPr id="1" name=""/>
+        <p:cNvGrpSpPr/>
+        <p:nvPr/>
+      </p:nvGrpSpPr>
+      <p:grpSpPr>
+        <a:xfrm>
+          <a:off x="0" y="0"/>
+          <a:ext cx="0" cy="0"/>
+          <a:chOff x="0" y="0"/>
+          <a:chExt cx="0" cy="0"/>
+        </a:xfrm>
+      </p:grpSpPr>
+      <p:sp>
+        <p:nvSpPr>
+          <p:cNvPr id="2" name="Slide Image Placeholder 1"/>
+          <p:cNvSpPr>
+            <a:spLocks noGrp="1" noRot="1" noChangeAspect="1"/>
+          </p:cNvSpPr>
+          <p:nvPr>
+            <p:ph type="sldImg"/>
+          </p:nvPr>
+        </p:nvSpPr>
+        <p:spPr/>
+      </p:sp>
+      <p:sp>
+        <p:nvSpPr>
+          <p:cNvPr id="3" name="Notes Placeholder 2"/>
+          <p:cNvSpPr>
+            <a:spLocks noGrp="1"/>
+          </p:cNvSpPr>
+          <p:nvPr>
+            <p:ph type="body" idx="1"/>
+          </p:nvPr>
+        </p:nvSpPr>
+        <p:spPr/>
+        <p:txBody>
+          <a:bodyPr/>
+          <a:lstStyle/>
+          <a:p>
+            <a:endParaRPr lang="en-US"/>
+          </a:p>
+        </p:txBody>
+      </p:sp>
+      <p:sp>
+        <p:nvSpPr>
+          <p:cNvPr id="4" name="Header Placeholder 3"/>
+          <p:cNvSpPr>
+            <a:spLocks noGrp="1"/>
+          </p:cNvSpPr>
+          <p:nvPr>
+            <p:ph type="hdr" sz="quarter" idx="10"/>
+          </p:nvPr>
+        </p:nvSpPr>
+        <p:spPr/>
+        <p:txBody>
+          <a:bodyPr/>
+          <a:lstStyle/>
+          <a:p>
+            <a:endParaRPr lang="en-US" dirty="0"/>
+          </a:p>
+        </p:txBody>
+      </p:sp>
+      <p:sp>
+        <p:nvSpPr>
+          <p:cNvPr id="5" name="Footer Placeholder 4"/>
+          <p:cNvSpPr>
+            <a:spLocks noGrp="1"/>
+          </p:cNvSpPr>
+          <p:nvPr>
+            <p:ph type="ftr" sz="quarter" idx="11"/>
+          </p:nvPr>
+        </p:nvSpPr>
+        <p:spPr/>
+        <p:txBody>
+          <a:bodyPr/>
+          <a:lstStyle/>
+          <a:p>
+            <a:endParaRPr lang="en-US" dirty="0"/>
+          </a:p>
+        </p:txBody>
+      </p:sp>
+      <p:sp>
+        <p:nvSpPr>
+          <p:cNvPr id="6" name="Slide Number Placeholder 5"/>
+          <p:cNvSpPr>
+            <a:spLocks noGrp="1"/>
+          </p:cNvSpPr>
+          <p:nvPr>
+            <p:ph type="sldNum" sz="quarter" idx="12"/>
+          </p:nvPr>
+        </p:nvSpPr>
+        <p:spPr/>
+        <p:txBody>
+          <a:bodyPr/>
+          <a:lstStyle/>
+          <a:p>
+            <a:fld id="{060C6D3C-9EB0-4F2C-9026-3887D1CDB44E}" type="slidenum">
+              <a:rPr lang="en-US" smtClean="0"/>
+              <a:t>16</a:t>
+            </a:fld>
+            <a:endParaRPr lang="en-US" dirty="0"/>
+          </a:p>
+        </p:txBody>
+      </p:sp>
+    </p:spTree>
+    <p:extLst>
+      <p:ext uri="{BB962C8B-B14F-4D97-AF65-F5344CB8AC3E}">
+        <p14:creationId xmlns:p14="http://schemas.microsoft.com/office/powerpoint/2010/main" val="983466532"/>
+      </p:ext>
+    </p:extLst>
+  </p:cSld>
+  <p:clrMapOvr>
+    <a:masterClrMapping/>
+  </p:clrMapOvr>
+</p:notes>
+</file>
+
 <file path=ppt/notesSlides/notesSlide2.xml><?xml version="1.0" encoding="utf-8"?>
 <p:notes xmlns:a="http://schemas.openxmlformats.org/drawingml/2006/main" xmlns:r="http://schemas.openxmlformats.org/officeDocument/2006/relationships" xmlns:p="http://schemas.openxmlformats.org/presentationml/2006/main">
   <p:cSld>
@@ -872,7 +1736,7 @@
     </p:spTree>
     <p:extLst>
       <p:ext uri="{BB962C8B-B14F-4D97-AF65-F5344CB8AC3E}">
-        <p14:creationId xmlns:p14="http://schemas.microsoft.com/office/powerpoint/2010/main" val="1013736772"/>
+        <p14:creationId xmlns:p14="http://schemas.microsoft.com/office/powerpoint/2010/main" val="3744580690"/>
       </p:ext>
     </p:extLst>
   </p:cSld>
@@ -994,7 +1858,7 @@
     </p:spTree>
     <p:extLst>
       <p:ext uri="{BB962C8B-B14F-4D97-AF65-F5344CB8AC3E}">
-        <p14:creationId xmlns:p14="http://schemas.microsoft.com/office/powerpoint/2010/main" val="3744580690"/>
+        <p14:creationId xmlns:p14="http://schemas.microsoft.com/office/powerpoint/2010/main" val="1570648820"/>
       </p:ext>
     </p:extLst>
   </p:cSld>
@@ -1116,7 +1980,7 @@
     </p:spTree>
     <p:extLst>
       <p:ext uri="{BB962C8B-B14F-4D97-AF65-F5344CB8AC3E}">
-        <p14:creationId xmlns:p14="http://schemas.microsoft.com/office/powerpoint/2010/main" val="1570648820"/>
+        <p14:creationId xmlns:p14="http://schemas.microsoft.com/office/powerpoint/2010/main" val="1967660893"/>
       </p:ext>
     </p:extLst>
   </p:cSld>
@@ -1238,7 +2102,7 @@
     </p:spTree>
     <p:extLst>
       <p:ext uri="{BB962C8B-B14F-4D97-AF65-F5344CB8AC3E}">
-        <p14:creationId xmlns:p14="http://schemas.microsoft.com/office/powerpoint/2010/main" val="217716163"/>
+        <p14:creationId xmlns:p14="http://schemas.microsoft.com/office/powerpoint/2010/main" val="2526556434"/>
       </p:ext>
     </p:extLst>
   </p:cSld>
@@ -1360,7 +2224,373 @@
     </p:spTree>
     <p:extLst>
       <p:ext uri="{BB962C8B-B14F-4D97-AF65-F5344CB8AC3E}">
-        <p14:creationId xmlns:p14="http://schemas.microsoft.com/office/powerpoint/2010/main" val="983466532"/>
+        <p14:creationId xmlns:p14="http://schemas.microsoft.com/office/powerpoint/2010/main" val="125037707"/>
+      </p:ext>
+    </p:extLst>
+  </p:cSld>
+  <p:clrMapOvr>
+    <a:masterClrMapping/>
+  </p:clrMapOvr>
+</p:notes>
+</file>
+
+<file path=ppt/notesSlides/notesSlide7.xml><?xml version="1.0" encoding="utf-8"?>
+<p:notes xmlns:a="http://schemas.openxmlformats.org/drawingml/2006/main" xmlns:r="http://schemas.openxmlformats.org/officeDocument/2006/relationships" xmlns:p="http://schemas.openxmlformats.org/presentationml/2006/main">
+  <p:cSld>
+    <p:spTree>
+      <p:nvGrpSpPr>
+        <p:cNvPr id="1" name=""/>
+        <p:cNvGrpSpPr/>
+        <p:nvPr/>
+      </p:nvGrpSpPr>
+      <p:grpSpPr>
+        <a:xfrm>
+          <a:off x="0" y="0"/>
+          <a:ext cx="0" cy="0"/>
+          <a:chOff x="0" y="0"/>
+          <a:chExt cx="0" cy="0"/>
+        </a:xfrm>
+      </p:grpSpPr>
+      <p:sp>
+        <p:nvSpPr>
+          <p:cNvPr id="2" name="Slide Image Placeholder 1"/>
+          <p:cNvSpPr>
+            <a:spLocks noGrp="1" noRot="1" noChangeAspect="1"/>
+          </p:cNvSpPr>
+          <p:nvPr>
+            <p:ph type="sldImg"/>
+          </p:nvPr>
+        </p:nvSpPr>
+        <p:spPr/>
+      </p:sp>
+      <p:sp>
+        <p:nvSpPr>
+          <p:cNvPr id="3" name="Notes Placeholder 2"/>
+          <p:cNvSpPr>
+            <a:spLocks noGrp="1"/>
+          </p:cNvSpPr>
+          <p:nvPr>
+            <p:ph type="body" idx="1"/>
+          </p:nvPr>
+        </p:nvSpPr>
+        <p:spPr/>
+        <p:txBody>
+          <a:bodyPr/>
+          <a:lstStyle/>
+          <a:p>
+            <a:endParaRPr lang="en-US"/>
+          </a:p>
+        </p:txBody>
+      </p:sp>
+      <p:sp>
+        <p:nvSpPr>
+          <p:cNvPr id="4" name="Header Placeholder 3"/>
+          <p:cNvSpPr>
+            <a:spLocks noGrp="1"/>
+          </p:cNvSpPr>
+          <p:nvPr>
+            <p:ph type="hdr" sz="quarter" idx="10"/>
+          </p:nvPr>
+        </p:nvSpPr>
+        <p:spPr/>
+        <p:txBody>
+          <a:bodyPr/>
+          <a:lstStyle/>
+          <a:p>
+            <a:endParaRPr lang="en-US" dirty="0"/>
+          </a:p>
+        </p:txBody>
+      </p:sp>
+      <p:sp>
+        <p:nvSpPr>
+          <p:cNvPr id="5" name="Footer Placeholder 4"/>
+          <p:cNvSpPr>
+            <a:spLocks noGrp="1"/>
+          </p:cNvSpPr>
+          <p:nvPr>
+            <p:ph type="ftr" sz="quarter" idx="11"/>
+          </p:nvPr>
+        </p:nvSpPr>
+        <p:spPr/>
+        <p:txBody>
+          <a:bodyPr/>
+          <a:lstStyle/>
+          <a:p>
+            <a:endParaRPr lang="en-US" dirty="0"/>
+          </a:p>
+        </p:txBody>
+      </p:sp>
+      <p:sp>
+        <p:nvSpPr>
+          <p:cNvPr id="6" name="Slide Number Placeholder 5"/>
+          <p:cNvSpPr>
+            <a:spLocks noGrp="1"/>
+          </p:cNvSpPr>
+          <p:nvPr>
+            <p:ph type="sldNum" sz="quarter" idx="12"/>
+          </p:nvPr>
+        </p:nvSpPr>
+        <p:spPr/>
+        <p:txBody>
+          <a:bodyPr/>
+          <a:lstStyle/>
+          <a:p>
+            <a:fld id="{060C6D3C-9EB0-4F2C-9026-3887D1CDB44E}" type="slidenum">
+              <a:rPr lang="en-US" smtClean="0"/>
+              <a:t>7</a:t>
+            </a:fld>
+            <a:endParaRPr lang="en-US" dirty="0"/>
+          </a:p>
+        </p:txBody>
+      </p:sp>
+    </p:spTree>
+    <p:extLst>
+      <p:ext uri="{BB962C8B-B14F-4D97-AF65-F5344CB8AC3E}">
+        <p14:creationId xmlns:p14="http://schemas.microsoft.com/office/powerpoint/2010/main" val="3914712861"/>
+      </p:ext>
+    </p:extLst>
+  </p:cSld>
+  <p:clrMapOvr>
+    <a:masterClrMapping/>
+  </p:clrMapOvr>
+</p:notes>
+</file>
+
+<file path=ppt/notesSlides/notesSlide8.xml><?xml version="1.0" encoding="utf-8"?>
+<p:notes xmlns:a="http://schemas.openxmlformats.org/drawingml/2006/main" xmlns:r="http://schemas.openxmlformats.org/officeDocument/2006/relationships" xmlns:p="http://schemas.openxmlformats.org/presentationml/2006/main">
+  <p:cSld>
+    <p:spTree>
+      <p:nvGrpSpPr>
+        <p:cNvPr id="1" name=""/>
+        <p:cNvGrpSpPr/>
+        <p:nvPr/>
+      </p:nvGrpSpPr>
+      <p:grpSpPr>
+        <a:xfrm>
+          <a:off x="0" y="0"/>
+          <a:ext cx="0" cy="0"/>
+          <a:chOff x="0" y="0"/>
+          <a:chExt cx="0" cy="0"/>
+        </a:xfrm>
+      </p:grpSpPr>
+      <p:sp>
+        <p:nvSpPr>
+          <p:cNvPr id="2" name="Slide Image Placeholder 1"/>
+          <p:cNvSpPr>
+            <a:spLocks noGrp="1" noRot="1" noChangeAspect="1"/>
+          </p:cNvSpPr>
+          <p:nvPr>
+            <p:ph type="sldImg"/>
+          </p:nvPr>
+        </p:nvSpPr>
+        <p:spPr/>
+      </p:sp>
+      <p:sp>
+        <p:nvSpPr>
+          <p:cNvPr id="3" name="Notes Placeholder 2"/>
+          <p:cNvSpPr>
+            <a:spLocks noGrp="1"/>
+          </p:cNvSpPr>
+          <p:nvPr>
+            <p:ph type="body" idx="1"/>
+          </p:nvPr>
+        </p:nvSpPr>
+        <p:spPr/>
+        <p:txBody>
+          <a:bodyPr/>
+          <a:lstStyle/>
+          <a:p>
+            <a:endParaRPr lang="en-US"/>
+          </a:p>
+        </p:txBody>
+      </p:sp>
+      <p:sp>
+        <p:nvSpPr>
+          <p:cNvPr id="4" name="Header Placeholder 3"/>
+          <p:cNvSpPr>
+            <a:spLocks noGrp="1"/>
+          </p:cNvSpPr>
+          <p:nvPr>
+            <p:ph type="hdr" sz="quarter" idx="10"/>
+          </p:nvPr>
+        </p:nvSpPr>
+        <p:spPr/>
+        <p:txBody>
+          <a:bodyPr/>
+          <a:lstStyle/>
+          <a:p>
+            <a:endParaRPr lang="en-US" dirty="0"/>
+          </a:p>
+        </p:txBody>
+      </p:sp>
+      <p:sp>
+        <p:nvSpPr>
+          <p:cNvPr id="5" name="Footer Placeholder 4"/>
+          <p:cNvSpPr>
+            <a:spLocks noGrp="1"/>
+          </p:cNvSpPr>
+          <p:nvPr>
+            <p:ph type="ftr" sz="quarter" idx="11"/>
+          </p:nvPr>
+        </p:nvSpPr>
+        <p:spPr/>
+        <p:txBody>
+          <a:bodyPr/>
+          <a:lstStyle/>
+          <a:p>
+            <a:endParaRPr lang="en-US" dirty="0"/>
+          </a:p>
+        </p:txBody>
+      </p:sp>
+      <p:sp>
+        <p:nvSpPr>
+          <p:cNvPr id="6" name="Slide Number Placeholder 5"/>
+          <p:cNvSpPr>
+            <a:spLocks noGrp="1"/>
+          </p:cNvSpPr>
+          <p:nvPr>
+            <p:ph type="sldNum" sz="quarter" idx="12"/>
+          </p:nvPr>
+        </p:nvSpPr>
+        <p:spPr/>
+        <p:txBody>
+          <a:bodyPr/>
+          <a:lstStyle/>
+          <a:p>
+            <a:fld id="{060C6D3C-9EB0-4F2C-9026-3887D1CDB44E}" type="slidenum">
+              <a:rPr lang="en-US" smtClean="0"/>
+              <a:t>8</a:t>
+            </a:fld>
+            <a:endParaRPr lang="en-US" dirty="0"/>
+          </a:p>
+        </p:txBody>
+      </p:sp>
+    </p:spTree>
+    <p:extLst>
+      <p:ext uri="{BB962C8B-B14F-4D97-AF65-F5344CB8AC3E}">
+        <p14:creationId xmlns:p14="http://schemas.microsoft.com/office/powerpoint/2010/main" val="217716163"/>
+      </p:ext>
+    </p:extLst>
+  </p:cSld>
+  <p:clrMapOvr>
+    <a:masterClrMapping/>
+  </p:clrMapOvr>
+</p:notes>
+</file>
+
+<file path=ppt/notesSlides/notesSlide9.xml><?xml version="1.0" encoding="utf-8"?>
+<p:notes xmlns:a="http://schemas.openxmlformats.org/drawingml/2006/main" xmlns:r="http://schemas.openxmlformats.org/officeDocument/2006/relationships" xmlns:p="http://schemas.openxmlformats.org/presentationml/2006/main">
+  <p:cSld>
+    <p:spTree>
+      <p:nvGrpSpPr>
+        <p:cNvPr id="1" name=""/>
+        <p:cNvGrpSpPr/>
+        <p:nvPr/>
+      </p:nvGrpSpPr>
+      <p:grpSpPr>
+        <a:xfrm>
+          <a:off x="0" y="0"/>
+          <a:ext cx="0" cy="0"/>
+          <a:chOff x="0" y="0"/>
+          <a:chExt cx="0" cy="0"/>
+        </a:xfrm>
+      </p:grpSpPr>
+      <p:sp>
+        <p:nvSpPr>
+          <p:cNvPr id="2" name="Slide Image Placeholder 1"/>
+          <p:cNvSpPr>
+            <a:spLocks noGrp="1" noRot="1" noChangeAspect="1"/>
+          </p:cNvSpPr>
+          <p:nvPr>
+            <p:ph type="sldImg"/>
+          </p:nvPr>
+        </p:nvSpPr>
+        <p:spPr/>
+      </p:sp>
+      <p:sp>
+        <p:nvSpPr>
+          <p:cNvPr id="3" name="Notes Placeholder 2"/>
+          <p:cNvSpPr>
+            <a:spLocks noGrp="1"/>
+          </p:cNvSpPr>
+          <p:nvPr>
+            <p:ph type="body" idx="1"/>
+          </p:nvPr>
+        </p:nvSpPr>
+        <p:spPr/>
+        <p:txBody>
+          <a:bodyPr/>
+          <a:lstStyle/>
+          <a:p>
+            <a:endParaRPr lang="en-US"/>
+          </a:p>
+        </p:txBody>
+      </p:sp>
+      <p:sp>
+        <p:nvSpPr>
+          <p:cNvPr id="4" name="Header Placeholder 3"/>
+          <p:cNvSpPr>
+            <a:spLocks noGrp="1"/>
+          </p:cNvSpPr>
+          <p:nvPr>
+            <p:ph type="hdr" sz="quarter" idx="10"/>
+          </p:nvPr>
+        </p:nvSpPr>
+        <p:spPr/>
+        <p:txBody>
+          <a:bodyPr/>
+          <a:lstStyle/>
+          <a:p>
+            <a:endParaRPr lang="en-US" dirty="0"/>
+          </a:p>
+        </p:txBody>
+      </p:sp>
+      <p:sp>
+        <p:nvSpPr>
+          <p:cNvPr id="5" name="Footer Placeholder 4"/>
+          <p:cNvSpPr>
+            <a:spLocks noGrp="1"/>
+          </p:cNvSpPr>
+          <p:nvPr>
+            <p:ph type="ftr" sz="quarter" idx="11"/>
+          </p:nvPr>
+        </p:nvSpPr>
+        <p:spPr/>
+        <p:txBody>
+          <a:bodyPr/>
+          <a:lstStyle/>
+          <a:p>
+            <a:endParaRPr lang="en-US" dirty="0"/>
+          </a:p>
+        </p:txBody>
+      </p:sp>
+      <p:sp>
+        <p:nvSpPr>
+          <p:cNvPr id="6" name="Slide Number Placeholder 5"/>
+          <p:cNvSpPr>
+            <a:spLocks noGrp="1"/>
+          </p:cNvSpPr>
+          <p:nvPr>
+            <p:ph type="sldNum" sz="quarter" idx="12"/>
+          </p:nvPr>
+        </p:nvSpPr>
+        <p:spPr/>
+        <p:txBody>
+          <a:bodyPr/>
+          <a:lstStyle/>
+          <a:p>
+            <a:fld id="{060C6D3C-9EB0-4F2C-9026-3887D1CDB44E}" type="slidenum">
+              <a:rPr lang="en-US" smtClean="0"/>
+              <a:t>9</a:t>
+            </a:fld>
+            <a:endParaRPr lang="en-US" dirty="0"/>
+          </a:p>
+        </p:txBody>
+      </p:sp>
+    </p:spTree>
+    <p:extLst>
+      <p:ext uri="{BB962C8B-B14F-4D97-AF65-F5344CB8AC3E}">
+        <p14:creationId xmlns:p14="http://schemas.microsoft.com/office/powerpoint/2010/main" val="2436975207"/>
       </p:ext>
     </p:extLst>
   </p:cSld>
@@ -1498,7 +2728,7 @@
           </a:lstStyle>
           <a:p>
             <a:r>
-              <a:rPr lang="en-US" smtClean="0"/>
+              <a:rPr lang="en-US"/>
               <a:t>Click to edit Master title style</a:t>
             </a:r>
             <a:endParaRPr lang="en-US" dirty="0"/>
@@ -1584,7 +2814,7 @@
           </a:lstStyle>
           <a:p>
             <a:r>
-              <a:rPr lang="en-US" smtClean="0"/>
+              <a:rPr lang="en-US"/>
               <a:t>Click to edit Master subtitle style</a:t>
             </a:r>
             <a:endParaRPr lang="en-US" dirty="0"/>
@@ -3364,10 +4594,9 @@
           </a:lstStyle>
           <a:p>
             <a:r>
-              <a:rPr lang="en-US" noProof="0" smtClean="0"/>
+              <a:rPr lang="en-US" noProof="0"/>
               <a:t>Click to edit Master title style</a:t>
             </a:r>
-            <a:endParaRPr lang="en-US" noProof="0"/>
           </a:p>
         </p:txBody>
       </p:sp>
@@ -3521,10 +4750,9 @@
           <a:lstStyle/>
           <a:p>
             <a:r>
-              <a:rPr lang="en-US" smtClean="0"/>
+              <a:rPr lang="en-US"/>
               <a:t>Click to edit Master title style</a:t>
             </a:r>
-            <a:endParaRPr lang="en-US"/>
           </a:p>
         </p:txBody>
       </p:sp>
@@ -3985,10 +5213,9 @@
           <a:lstStyle/>
           <a:p>
             <a:r>
-              <a:rPr lang="en-US" smtClean="0"/>
+              <a:rPr lang="en-US"/>
               <a:t>Click to edit Master title style</a:t>
             </a:r>
-            <a:endParaRPr lang="en-US"/>
           </a:p>
         </p:txBody>
       </p:sp>
@@ -4015,35 +5242,35 @@
           <a:p>
             <a:pPr lvl="0"/>
             <a:r>
-              <a:rPr lang="en-US" smtClean="0"/>
+              <a:rPr lang="en-US"/>
               <a:t>Edit Master text styles</a:t>
             </a:r>
           </a:p>
           <a:p>
             <a:pPr lvl="1"/>
             <a:r>
-              <a:rPr lang="en-US" smtClean="0"/>
+              <a:rPr lang="en-US"/>
               <a:t>Second level</a:t>
             </a:r>
           </a:p>
           <a:p>
             <a:pPr lvl="2"/>
             <a:r>
-              <a:rPr lang="en-US" smtClean="0"/>
+              <a:rPr lang="en-US"/>
               <a:t>Third level</a:t>
             </a:r>
           </a:p>
           <a:p>
             <a:pPr lvl="3"/>
             <a:r>
-              <a:rPr lang="en-US" smtClean="0"/>
+              <a:rPr lang="en-US"/>
               <a:t>Fourth level</a:t>
             </a:r>
           </a:p>
           <a:p>
             <a:pPr lvl="4"/>
             <a:r>
-              <a:rPr lang="en-US" smtClean="0"/>
+              <a:rPr lang="en-US"/>
               <a:t>Fifth level</a:t>
             </a:r>
             <a:endParaRPr lang="en-US" dirty="0"/>
@@ -4907,7 +6134,7 @@
           </a:lstStyle>
           <a:p>
             <a:r>
-              <a:rPr lang="en-US" smtClean="0"/>
+              <a:rPr lang="en-US"/>
               <a:t>Click to edit Master title style</a:t>
             </a:r>
             <a:endParaRPr lang="en-US" dirty="0"/>
@@ -5281,7 +6508,7 @@
           </a:lstStyle>
           <a:p>
             <a:r>
-              <a:rPr lang="en-US" smtClean="0"/>
+              <a:rPr lang="en-US"/>
               <a:t>Click to edit Master title style</a:t>
             </a:r>
             <a:endParaRPr lang="en-US" dirty="0"/>
@@ -6623,7 +7850,7 @@
                 <a16:creationId xmlns:a16="http://schemas.microsoft.com/office/drawing/2014/main" id="{6F76D43D-0DDD-4BAD-8213-BDBF75C30A0C}"/>
               </a:ext>
               <a:ext uri="{C183D7F6-B498-43B3-948B-1728B52AA6E4}">
-                <adec:decorative xmlns:adec="http://schemas.microsoft.com/office/drawing/2017/decorative" xmlns="" val="1"/>
+                <adec:decorative xmlns:adec="http://schemas.microsoft.com/office/drawing/2017/decorative" val="1"/>
               </a:ext>
             </a:extLst>
           </p:cNvPr>
@@ -6941,10 +8168,9 @@
           </a:lstStyle>
           <a:p>
             <a:r>
-              <a:rPr lang="en-US" noProof="0" smtClean="0"/>
+              <a:rPr lang="en-US" noProof="0"/>
               <a:t>Click to edit Master title style</a:t>
             </a:r>
-            <a:endParaRPr lang="en-US" noProof="0"/>
           </a:p>
         </p:txBody>
       </p:sp>
@@ -7675,7 +8901,7 @@
           </a:lstStyle>
           <a:p>
             <a:r>
-              <a:rPr lang="en-US" smtClean="0"/>
+              <a:rPr lang="en-US"/>
               <a:t>Click to edit Master title style</a:t>
             </a:r>
             <a:endParaRPr lang="en-US" dirty="0"/>
@@ -9080,10 +10306,9 @@
           </a:lstStyle>
           <a:p>
             <a:r>
-              <a:rPr lang="en-US" noProof="0" smtClean="0"/>
+              <a:rPr lang="en-US" noProof="0"/>
               <a:t>Click to edit Master title style</a:t>
             </a:r>
-            <a:endParaRPr lang="en-US" noProof="0"/>
           </a:p>
         </p:txBody>
       </p:sp>
@@ -10356,10 +11581,9 @@
           </a:lstStyle>
           <a:p>
             <a:r>
-              <a:rPr lang="en-US" noProof="0" smtClean="0"/>
+              <a:rPr lang="en-US" noProof="0"/>
               <a:t>Click to edit Master title style</a:t>
             </a:r>
-            <a:endParaRPr lang="en-US" noProof="0"/>
           </a:p>
         </p:txBody>
       </p:sp>
@@ -10806,7 +12030,7 @@
           </a:lstStyle>
           <a:p>
             <a:r>
-              <a:rPr lang="en-US" smtClean="0"/>
+              <a:rPr lang="en-US"/>
               <a:t>Click to edit Master title style</a:t>
             </a:r>
             <a:endParaRPr lang="en-US" dirty="0"/>
@@ -11284,10 +12508,9 @@
           <a:lstStyle/>
           <a:p>
             <a:r>
-              <a:rPr lang="en-US" smtClean="0"/>
+              <a:rPr lang="en-US"/>
               <a:t>Click to edit Master title style</a:t>
             </a:r>
-            <a:endParaRPr lang="en-US"/>
           </a:p>
         </p:txBody>
       </p:sp>
@@ -11520,7 +12743,7 @@
           <a:lstStyle/>
           <a:p>
             <a:r>
-              <a:rPr lang="en-US" noProof="0" smtClean="0"/>
+              <a:rPr lang="en-US" noProof="0"/>
               <a:t>Click to edit Master title style</a:t>
             </a:r>
             <a:endParaRPr lang="en-US" noProof="0" dirty="0"/>
@@ -12119,12 +13342,8 @@
               </a:lnSpc>
             </a:pPr>
             <a:r>
-              <a:rPr lang="en-US" sz="4000" dirty="0" smtClean="0"/>
+              <a:rPr lang="en-US" sz="4000" dirty="0"/>
               <a:t>Breast cancer prediction</a:t>
-            </a:r>
-            <a:r>
-              <a:rPr lang="en-US" dirty="0"/>
-              <a:t/>
             </a:r>
             <a:br>
               <a:rPr lang="en-US" dirty="0"/>
@@ -12189,7 +13408,7 @@
                 <a16:creationId xmlns:a16="http://schemas.microsoft.com/office/drawing/2014/main" id="{DA136CB0-4ED9-43FA-81D5-6D3225795A7D}"/>
               </a:ext>
               <a:ext uri="{C183D7F6-B498-43B3-948B-1728B52AA6E4}">
-                <adec:decorative xmlns:adec="http://schemas.microsoft.com/office/drawing/2017/decorative" xmlns="" val="1"/>
+                <adec:decorative xmlns:adec="http://schemas.microsoft.com/office/drawing/2017/decorative" val="1"/>
               </a:ext>
             </a:extLst>
           </p:cNvPr>
@@ -12259,22 +13478,21 @@
           <a:lstStyle/>
           <a:p>
             <a:r>
-              <a:rPr lang="en-US" sz="2000" dirty="0" smtClean="0"/>
+              <a:rPr lang="en-US" sz="2000" dirty="0"/>
               <a:t>Gourav Verma &amp; Saurabh Biswas</a:t>
             </a:r>
           </a:p>
           <a:p>
             <a:r>
-              <a:rPr lang="en-US" sz="2000" dirty="0" smtClean="0"/>
+              <a:rPr lang="en-US" sz="2000" dirty="0"/>
               <a:t>DSC-630, Fall-2020</a:t>
             </a:r>
           </a:p>
           <a:p>
             <a:r>
-              <a:rPr lang="en-US" sz="2000" dirty="0" smtClean="0"/>
+              <a:rPr lang="en-US" sz="2000" dirty="0"/>
               <a:t>Bellevue University</a:t>
             </a:r>
-            <a:endParaRPr lang="en-US" sz="2000" dirty="0"/>
           </a:p>
         </p:txBody>
       </p:sp>
@@ -12288,1215 +13506,10 @@
   <p:clrMapOvr>
     <a:masterClrMapping/>
   </p:clrMapOvr>
-  <p:timing>
-    <p:tnLst>
-      <p:par>
-        <p:cTn id="1" dur="indefinite" restart="never" nodeType="tmRoot"/>
-      </p:par>
-    </p:tnLst>
-  </p:timing>
 </p:sld>
 </file>
 
-<file path=ppt/slides/slide2.xml><?xml version="1.0" encoding="utf-8"?>
-<p:sld xmlns:a="http://schemas.openxmlformats.org/drawingml/2006/main" xmlns:r="http://schemas.openxmlformats.org/officeDocument/2006/relationships" xmlns:p="http://schemas.openxmlformats.org/presentationml/2006/main">
-  <p:cSld>
-    <p:bg>
-      <p:bgPr>
-        <a:solidFill>
-          <a:schemeClr val="accent1"/>
-        </a:solidFill>
-        <a:effectLst/>
-      </p:bgPr>
-    </p:bg>
-    <p:spTree>
-      <p:nvGrpSpPr>
-        <p:cNvPr id="1" name=""/>
-        <p:cNvGrpSpPr/>
-        <p:nvPr/>
-      </p:nvGrpSpPr>
-      <p:grpSpPr>
-        <a:xfrm>
-          <a:off x="0" y="0"/>
-          <a:ext cx="0" cy="0"/>
-          <a:chOff x="0" y="0"/>
-          <a:chExt cx="0" cy="0"/>
-        </a:xfrm>
-      </p:grpSpPr>
-      <p:pic>
-        <p:nvPicPr>
-          <p:cNvPr id="28" name="Picture Placeholder 27" descr="Woman walking through a door">
-            <a:extLst>
-              <a:ext uri="{FF2B5EF4-FFF2-40B4-BE49-F238E27FC236}">
-                <a16:creationId xmlns:a16="http://schemas.microsoft.com/office/drawing/2014/main" id="{86D7D4AC-BE7B-45B9-AF4A-E2AF1B6C796D}"/>
-              </a:ext>
-            </a:extLst>
-          </p:cNvPr>
-          <p:cNvPicPr>
-            <a:picLocks noGrp="1" noChangeAspect="1"/>
-          </p:cNvPicPr>
-          <p:nvPr>
-            <p:ph type="pic" sz="quarter" idx="12"/>
-          </p:nvPr>
-        </p:nvPicPr>
-        <p:blipFill rotWithShape="1">
-          <a:blip r:embed="rId3" cstate="screen">
-            <a:extLst>
-              <a:ext uri="{28A0092B-C50C-407E-A947-70E740481C1C}">
-                <a14:useLocalDpi xmlns:a14="http://schemas.microsoft.com/office/drawing/2010/main"/>
-              </a:ext>
-            </a:extLst>
-          </a:blip>
-          <a:srcRect/>
-          <a:stretch/>
-        </p:blipFill>
-        <p:spPr>
-          <a:xfrm>
-            <a:off x="0" y="0"/>
-            <a:ext cx="12012000" cy="6858000"/>
-          </a:xfrm>
-        </p:spPr>
-      </p:pic>
-      <p:sp>
-        <p:nvSpPr>
-          <p:cNvPr id="15" name="Rectangle 14">
-            <a:extLst>
-              <a:ext uri="{FF2B5EF4-FFF2-40B4-BE49-F238E27FC236}">
-                <a16:creationId xmlns:a16="http://schemas.microsoft.com/office/drawing/2014/main" id="{DD509E5E-F68C-4F2B-8EC7-4325958603E7}"/>
-              </a:ext>
-              <a:ext uri="{C183D7F6-B498-43B3-948B-1728B52AA6E4}">
-                <adec:decorative xmlns:adec="http://schemas.microsoft.com/office/drawing/2017/decorative" xmlns="" val="1"/>
-              </a:ext>
-            </a:extLst>
-          </p:cNvPr>
-          <p:cNvSpPr/>
-          <p:nvPr/>
-        </p:nvSpPr>
-        <p:spPr>
-          <a:xfrm>
-            <a:off x="1569877" y="0"/>
-            <a:ext cx="6058185" cy="6858000"/>
-          </a:xfrm>
-          <a:prstGeom prst="rect">
-            <a:avLst/>
-          </a:prstGeom>
-          <a:solidFill>
-            <a:schemeClr val="tx2">
-              <a:alpha val="80000"/>
-            </a:schemeClr>
-          </a:solidFill>
-          <a:ln>
-            <a:noFill/>
-          </a:ln>
-        </p:spPr>
-        <p:style>
-          <a:lnRef idx="2">
-            <a:schemeClr val="accent1">
-              <a:shade val="50000"/>
-            </a:schemeClr>
-          </a:lnRef>
-          <a:fillRef idx="1">
-            <a:schemeClr val="accent1"/>
-          </a:fillRef>
-          <a:effectRef idx="0">
-            <a:schemeClr val="accent1"/>
-          </a:effectRef>
-          <a:fontRef idx="minor">
-            <a:schemeClr val="lt1"/>
-          </a:fontRef>
-        </p:style>
-        <p:txBody>
-          <a:bodyPr rtlCol="0" anchor="ctr"/>
-          <a:lstStyle/>
-          <a:p>
-            <a:pPr algn="ctr"/>
-            <a:endParaRPr lang="en-US" dirty="0"/>
-          </a:p>
-        </p:txBody>
-      </p:sp>
-      <p:sp>
-        <p:nvSpPr>
-          <p:cNvPr id="4" name="Text Placeholder 3">
-            <a:extLst>
-              <a:ext uri="{FF2B5EF4-FFF2-40B4-BE49-F238E27FC236}">
-                <a16:creationId xmlns:a16="http://schemas.microsoft.com/office/drawing/2014/main" id="{9AF7E39F-041F-4A45-A1CF-F8C269887D5A}"/>
-              </a:ext>
-            </a:extLst>
-          </p:cNvPr>
-          <p:cNvSpPr>
-            <a:spLocks noGrp="1"/>
-          </p:cNvSpPr>
-          <p:nvPr>
-            <p:ph type="body" sz="quarter" idx="13"/>
-          </p:nvPr>
-        </p:nvSpPr>
-        <p:spPr>
-          <a:xfrm>
-            <a:off x="1147343" y="2731934"/>
-            <a:ext cx="6903253" cy="3172156"/>
-          </a:xfrm>
-          <a:gradFill>
-            <a:gsLst>
-              <a:gs pos="0">
-                <a:schemeClr val="tx2"/>
-              </a:gs>
-              <a:gs pos="100000">
-                <a:schemeClr val="accent2"/>
-              </a:gs>
-            </a:gsLst>
-            <a:lin ang="14400000" scaled="0"/>
-          </a:gradFill>
-        </p:spPr>
-        <p:txBody>
-          <a:bodyPr/>
-          <a:lstStyle/>
-          <a:p>
-            <a:r>
-              <a:rPr lang="en-US" dirty="0" smtClean="0"/>
-              <a:t>To predict breas</a:t>
-            </a:r>
-            <a:r>
-              <a:rPr lang="en-US" dirty="0" smtClean="0"/>
-              <a:t>t cancer (malignant tumor) by evaluating diagnostic features computed from a digitized image of a fine needle aspirate (FNA) of a breast mass.</a:t>
-            </a:r>
-            <a:endParaRPr lang="en-US" dirty="0"/>
-          </a:p>
-        </p:txBody>
-      </p:sp>
-      <p:sp>
-        <p:nvSpPr>
-          <p:cNvPr id="3" name="Title 2">
-            <a:extLst>
-              <a:ext uri="{FF2B5EF4-FFF2-40B4-BE49-F238E27FC236}">
-                <a16:creationId xmlns:a16="http://schemas.microsoft.com/office/drawing/2014/main" id="{E9BE4A06-2673-41EF-AF84-96B0EDEC0F01}"/>
-              </a:ext>
-            </a:extLst>
-          </p:cNvPr>
-          <p:cNvSpPr>
-            <a:spLocks noGrp="1"/>
-          </p:cNvSpPr>
-          <p:nvPr>
-            <p:ph type="title"/>
-          </p:nvPr>
-        </p:nvSpPr>
-        <p:spPr>
-          <a:xfrm>
-            <a:off x="2870207" y="3129954"/>
-            <a:ext cx="4585966" cy="1008000"/>
-          </a:xfrm>
-        </p:spPr>
-        <p:txBody>
-          <a:bodyPr/>
-          <a:lstStyle/>
-          <a:p>
-            <a:r>
-              <a:rPr lang="en-US" dirty="0"/>
-              <a:t>OUR BIG </a:t>
-            </a:r>
-            <a:br>
-              <a:rPr lang="en-US" dirty="0"/>
-            </a:br>
-            <a:r>
-              <a:rPr lang="en-US" dirty="0"/>
-              <a:t>IDEA</a:t>
-            </a:r>
-          </a:p>
-        </p:txBody>
-      </p:sp>
-      <p:sp>
-        <p:nvSpPr>
-          <p:cNvPr id="9" name="object 7" descr="Beige rectangle">
-            <a:extLst>
-              <a:ext uri="{FF2B5EF4-FFF2-40B4-BE49-F238E27FC236}">
-                <a16:creationId xmlns:a16="http://schemas.microsoft.com/office/drawing/2014/main" id="{400AB11A-4D5E-4CDE-BB60-C8578F59C3E0}"/>
-              </a:ext>
-            </a:extLst>
-          </p:cNvPr>
-          <p:cNvSpPr/>
-          <p:nvPr/>
-        </p:nvSpPr>
-        <p:spPr bwMode="white">
-          <a:xfrm>
-            <a:off x="1793360" y="4332687"/>
-            <a:ext cx="4104000" cy="0"/>
-          </a:xfrm>
-          <a:custGeom>
-            <a:avLst/>
-            <a:gdLst/>
-            <a:ahLst/>
-            <a:cxnLst/>
-            <a:rect l="l" t="t" r="r" b="b"/>
-            <a:pathLst>
-              <a:path w="3935729">
-                <a:moveTo>
-                  <a:pt x="0" y="0"/>
-                </a:moveTo>
-                <a:lnTo>
-                  <a:pt x="3935349" y="0"/>
-                </a:lnTo>
-              </a:path>
-            </a:pathLst>
-          </a:custGeom>
-          <a:ln w="54863">
-            <a:solidFill>
-              <a:schemeClr val="accent1"/>
-            </a:solidFill>
-          </a:ln>
-        </p:spPr>
-        <p:txBody>
-          <a:bodyPr wrap="square" lIns="0" tIns="0" rIns="0" bIns="0" rtlCol="0"/>
-          <a:lstStyle/>
-          <a:p>
-            <a:endParaRPr lang="en-US" dirty="0"/>
-          </a:p>
-        </p:txBody>
-      </p:sp>
-      <p:grpSp>
-        <p:nvGrpSpPr>
-          <p:cNvPr id="36" name="Group 35" descr="Icon Lightbulb">
-            <a:extLst>
-              <a:ext uri="{FF2B5EF4-FFF2-40B4-BE49-F238E27FC236}">
-                <a16:creationId xmlns:a16="http://schemas.microsoft.com/office/drawing/2014/main" id="{840CA54E-FBB9-4848-A45D-E086AA4A5012}"/>
-              </a:ext>
-            </a:extLst>
-          </p:cNvPr>
-          <p:cNvGrpSpPr>
-            <a:grpSpLocks noChangeAspect="1"/>
-          </p:cNvGrpSpPr>
-          <p:nvPr/>
-        </p:nvGrpSpPr>
-        <p:grpSpPr>
-          <a:xfrm>
-            <a:off x="1985345" y="3363146"/>
-            <a:ext cx="362015" cy="584795"/>
-            <a:chOff x="1684741" y="3186732"/>
-            <a:chExt cx="530027" cy="856197"/>
-          </a:xfrm>
-        </p:grpSpPr>
-        <p:sp>
-          <p:nvSpPr>
-            <p:cNvPr id="32" name="Freeform: Shape 31">
-              <a:extLst>
-                <a:ext uri="{FF2B5EF4-FFF2-40B4-BE49-F238E27FC236}">
-                  <a16:creationId xmlns:a16="http://schemas.microsoft.com/office/drawing/2014/main" id="{B8ABB65B-B8A5-4C0E-BE4C-E88A7BB3E8A2}"/>
-                </a:ext>
-              </a:extLst>
-            </p:cNvPr>
-            <p:cNvSpPr/>
-            <p:nvPr/>
-          </p:nvSpPr>
-          <p:spPr>
-            <a:xfrm>
-              <a:off x="1817248" y="3777916"/>
-              <a:ext cx="265013" cy="61157"/>
-            </a:xfrm>
-            <a:custGeom>
-              <a:avLst/>
-              <a:gdLst>
-                <a:gd name="connsiteX0" fmla="*/ 30578 w 265013"/>
-                <a:gd name="connsiteY0" fmla="*/ 0 h 61156"/>
-                <a:gd name="connsiteX1" fmla="*/ 234435 w 265013"/>
-                <a:gd name="connsiteY1" fmla="*/ 0 h 61156"/>
-                <a:gd name="connsiteX2" fmla="*/ 265013 w 265013"/>
-                <a:gd name="connsiteY2" fmla="*/ 30578 h 61156"/>
-                <a:gd name="connsiteX3" fmla="*/ 234435 w 265013"/>
-                <a:gd name="connsiteY3" fmla="*/ 61157 h 61156"/>
-                <a:gd name="connsiteX4" fmla="*/ 30578 w 265013"/>
-                <a:gd name="connsiteY4" fmla="*/ 61157 h 61156"/>
-                <a:gd name="connsiteX5" fmla="*/ 0 w 265013"/>
-                <a:gd name="connsiteY5" fmla="*/ 30578 h 61156"/>
-                <a:gd name="connsiteX6" fmla="*/ 30578 w 265013"/>
-                <a:gd name="connsiteY6" fmla="*/ 0 h 61156"/>
-              </a:gdLst>
-              <a:ahLst/>
-              <a:cxnLst>
-                <a:cxn ang="0">
-                  <a:pos x="connsiteX0" y="connsiteY0"/>
-                </a:cxn>
-                <a:cxn ang="0">
-                  <a:pos x="connsiteX1" y="connsiteY1"/>
-                </a:cxn>
-                <a:cxn ang="0">
-                  <a:pos x="connsiteX2" y="connsiteY2"/>
-                </a:cxn>
-                <a:cxn ang="0">
-                  <a:pos x="connsiteX3" y="connsiteY3"/>
-                </a:cxn>
-                <a:cxn ang="0">
-                  <a:pos x="connsiteX4" y="connsiteY4"/>
-                </a:cxn>
-                <a:cxn ang="0">
-                  <a:pos x="connsiteX5" y="connsiteY5"/>
-                </a:cxn>
-                <a:cxn ang="0">
-                  <a:pos x="connsiteX6" y="connsiteY6"/>
-                </a:cxn>
-              </a:cxnLst>
-              <a:rect l="l" t="t" r="r" b="b"/>
-              <a:pathLst>
-                <a:path w="265013" h="61156">
-                  <a:moveTo>
-                    <a:pt x="30578" y="0"/>
-                  </a:moveTo>
-                  <a:lnTo>
-                    <a:pt x="234435" y="0"/>
-                  </a:lnTo>
-                  <a:cubicBezTo>
-                    <a:pt x="251763" y="0"/>
-                    <a:pt x="265013" y="13251"/>
-                    <a:pt x="265013" y="30578"/>
-                  </a:cubicBezTo>
-                  <a:cubicBezTo>
-                    <a:pt x="265013" y="47906"/>
-                    <a:pt x="251763" y="61157"/>
-                    <a:pt x="234435" y="61157"/>
-                  </a:cubicBezTo>
-                  <a:lnTo>
-                    <a:pt x="30578" y="61157"/>
-                  </a:lnTo>
-                  <a:cubicBezTo>
-                    <a:pt x="13251" y="61157"/>
-                    <a:pt x="0" y="47906"/>
-                    <a:pt x="0" y="30578"/>
-                  </a:cubicBezTo>
-                  <a:cubicBezTo>
-                    <a:pt x="0" y="13251"/>
-                    <a:pt x="13251" y="0"/>
-                    <a:pt x="30578" y="0"/>
-                  </a:cubicBezTo>
-                  <a:close/>
-                </a:path>
-              </a:pathLst>
-            </a:custGeom>
-            <a:solidFill>
-              <a:schemeClr val="accent1"/>
-            </a:solidFill>
-            <a:ln w="10120" cap="flat">
-              <a:noFill/>
-              <a:prstDash val="solid"/>
-              <a:miter/>
-            </a:ln>
-          </p:spPr>
-          <p:txBody>
-            <a:bodyPr rtlCol="0" anchor="ctr"/>
-            <a:lstStyle/>
-            <a:p>
-              <a:endParaRPr lang="en-US" dirty="0"/>
-            </a:p>
-          </p:txBody>
-        </p:sp>
-        <p:sp>
-          <p:nvSpPr>
-            <p:cNvPr id="33" name="Freeform: Shape 32">
-              <a:extLst>
-                <a:ext uri="{FF2B5EF4-FFF2-40B4-BE49-F238E27FC236}">
-                  <a16:creationId xmlns:a16="http://schemas.microsoft.com/office/drawing/2014/main" id="{D71DD07A-CE80-41D5-AEEB-65192AD34639}"/>
-                </a:ext>
-              </a:extLst>
-            </p:cNvPr>
-            <p:cNvSpPr/>
-            <p:nvPr/>
-          </p:nvSpPr>
-          <p:spPr>
-            <a:xfrm>
-              <a:off x="1817248" y="3879844"/>
-              <a:ext cx="265013" cy="61157"/>
-            </a:xfrm>
-            <a:custGeom>
-              <a:avLst/>
-              <a:gdLst>
-                <a:gd name="connsiteX0" fmla="*/ 30578 w 265013"/>
-                <a:gd name="connsiteY0" fmla="*/ 0 h 61156"/>
-                <a:gd name="connsiteX1" fmla="*/ 234435 w 265013"/>
-                <a:gd name="connsiteY1" fmla="*/ 0 h 61156"/>
-                <a:gd name="connsiteX2" fmla="*/ 265013 w 265013"/>
-                <a:gd name="connsiteY2" fmla="*/ 30578 h 61156"/>
-                <a:gd name="connsiteX3" fmla="*/ 234435 w 265013"/>
-                <a:gd name="connsiteY3" fmla="*/ 61157 h 61156"/>
-                <a:gd name="connsiteX4" fmla="*/ 30578 w 265013"/>
-                <a:gd name="connsiteY4" fmla="*/ 61157 h 61156"/>
-                <a:gd name="connsiteX5" fmla="*/ 0 w 265013"/>
-                <a:gd name="connsiteY5" fmla="*/ 30578 h 61156"/>
-                <a:gd name="connsiteX6" fmla="*/ 30578 w 265013"/>
-                <a:gd name="connsiteY6" fmla="*/ 0 h 61156"/>
-              </a:gdLst>
-              <a:ahLst/>
-              <a:cxnLst>
-                <a:cxn ang="0">
-                  <a:pos x="connsiteX0" y="connsiteY0"/>
-                </a:cxn>
-                <a:cxn ang="0">
-                  <a:pos x="connsiteX1" y="connsiteY1"/>
-                </a:cxn>
-                <a:cxn ang="0">
-                  <a:pos x="connsiteX2" y="connsiteY2"/>
-                </a:cxn>
-                <a:cxn ang="0">
-                  <a:pos x="connsiteX3" y="connsiteY3"/>
-                </a:cxn>
-                <a:cxn ang="0">
-                  <a:pos x="connsiteX4" y="connsiteY4"/>
-                </a:cxn>
-                <a:cxn ang="0">
-                  <a:pos x="connsiteX5" y="connsiteY5"/>
-                </a:cxn>
-                <a:cxn ang="0">
-                  <a:pos x="connsiteX6" y="connsiteY6"/>
-                </a:cxn>
-              </a:cxnLst>
-              <a:rect l="l" t="t" r="r" b="b"/>
-              <a:pathLst>
-                <a:path w="265013" h="61156">
-                  <a:moveTo>
-                    <a:pt x="30578" y="0"/>
-                  </a:moveTo>
-                  <a:lnTo>
-                    <a:pt x="234435" y="0"/>
-                  </a:lnTo>
-                  <a:cubicBezTo>
-                    <a:pt x="251763" y="0"/>
-                    <a:pt x="265013" y="13251"/>
-                    <a:pt x="265013" y="30578"/>
-                  </a:cubicBezTo>
-                  <a:cubicBezTo>
-                    <a:pt x="265013" y="47906"/>
-                    <a:pt x="251763" y="61157"/>
-                    <a:pt x="234435" y="61157"/>
-                  </a:cubicBezTo>
-                  <a:lnTo>
-                    <a:pt x="30578" y="61157"/>
-                  </a:lnTo>
-                  <a:cubicBezTo>
-                    <a:pt x="13251" y="61157"/>
-                    <a:pt x="0" y="47906"/>
-                    <a:pt x="0" y="30578"/>
-                  </a:cubicBezTo>
-                  <a:cubicBezTo>
-                    <a:pt x="0" y="13251"/>
-                    <a:pt x="13251" y="0"/>
-                    <a:pt x="30578" y="0"/>
-                  </a:cubicBezTo>
-                  <a:close/>
-                </a:path>
-              </a:pathLst>
-            </a:custGeom>
-            <a:solidFill>
-              <a:schemeClr val="accent1"/>
-            </a:solidFill>
-            <a:ln w="10120" cap="flat">
-              <a:noFill/>
-              <a:prstDash val="solid"/>
-              <a:miter/>
-            </a:ln>
-          </p:spPr>
-          <p:txBody>
-            <a:bodyPr rtlCol="0" anchor="ctr"/>
-            <a:lstStyle/>
-            <a:p>
-              <a:endParaRPr lang="en-US" dirty="0"/>
-            </a:p>
-          </p:txBody>
-        </p:sp>
-        <p:sp>
-          <p:nvSpPr>
-            <p:cNvPr id="34" name="Freeform: Shape 33">
-              <a:extLst>
-                <a:ext uri="{FF2B5EF4-FFF2-40B4-BE49-F238E27FC236}">
-                  <a16:creationId xmlns:a16="http://schemas.microsoft.com/office/drawing/2014/main" id="{0522D638-DE3D-438D-8C73-954C32D8CB63}"/>
-                </a:ext>
-              </a:extLst>
-            </p:cNvPr>
-            <p:cNvSpPr/>
-            <p:nvPr/>
-          </p:nvSpPr>
-          <p:spPr>
-            <a:xfrm>
-              <a:off x="1883501" y="3981772"/>
-              <a:ext cx="132507" cy="61157"/>
-            </a:xfrm>
-            <a:custGeom>
-              <a:avLst/>
-              <a:gdLst>
-                <a:gd name="connsiteX0" fmla="*/ 0 w 132506"/>
-                <a:gd name="connsiteY0" fmla="*/ 0 h 61156"/>
-                <a:gd name="connsiteX1" fmla="*/ 66253 w 132506"/>
-                <a:gd name="connsiteY1" fmla="*/ 61157 h 61156"/>
-                <a:gd name="connsiteX2" fmla="*/ 132507 w 132506"/>
-                <a:gd name="connsiteY2" fmla="*/ 0 h 61156"/>
-                <a:gd name="connsiteX3" fmla="*/ 0 w 132506"/>
-                <a:gd name="connsiteY3" fmla="*/ 0 h 61156"/>
-              </a:gdLst>
-              <a:ahLst/>
-              <a:cxnLst>
-                <a:cxn ang="0">
-                  <a:pos x="connsiteX0" y="connsiteY0"/>
-                </a:cxn>
-                <a:cxn ang="0">
-                  <a:pos x="connsiteX1" y="connsiteY1"/>
-                </a:cxn>
-                <a:cxn ang="0">
-                  <a:pos x="connsiteX2" y="connsiteY2"/>
-                </a:cxn>
-                <a:cxn ang="0">
-                  <a:pos x="connsiteX3" y="connsiteY3"/>
-                </a:cxn>
-              </a:cxnLst>
-              <a:rect l="l" t="t" r="r" b="b"/>
-              <a:pathLst>
-                <a:path w="132506" h="61156">
-                  <a:moveTo>
-                    <a:pt x="0" y="0"/>
-                  </a:moveTo>
-                  <a:cubicBezTo>
-                    <a:pt x="3058" y="34656"/>
-                    <a:pt x="31598" y="61157"/>
-                    <a:pt x="66253" y="61157"/>
-                  </a:cubicBezTo>
-                  <a:cubicBezTo>
-                    <a:pt x="100909" y="61157"/>
-                    <a:pt x="129449" y="34656"/>
-                    <a:pt x="132507" y="0"/>
-                  </a:cubicBezTo>
-                  <a:lnTo>
-                    <a:pt x="0" y="0"/>
-                  </a:lnTo>
-                  <a:close/>
-                </a:path>
-              </a:pathLst>
-            </a:custGeom>
-            <a:solidFill>
-              <a:schemeClr val="accent1"/>
-            </a:solidFill>
-            <a:ln w="10120" cap="flat">
-              <a:noFill/>
-              <a:prstDash val="solid"/>
-              <a:miter/>
-            </a:ln>
-          </p:spPr>
-          <p:txBody>
-            <a:bodyPr rtlCol="0" anchor="ctr"/>
-            <a:lstStyle/>
-            <a:p>
-              <a:endParaRPr lang="en-US" dirty="0"/>
-            </a:p>
-          </p:txBody>
-        </p:sp>
-        <p:sp>
-          <p:nvSpPr>
-            <p:cNvPr id="35" name="Freeform: Shape 34">
-              <a:extLst>
-                <a:ext uri="{FF2B5EF4-FFF2-40B4-BE49-F238E27FC236}">
-                  <a16:creationId xmlns:a16="http://schemas.microsoft.com/office/drawing/2014/main" id="{01AB190E-B14D-440E-9910-B22D8C998B54}"/>
-                </a:ext>
-              </a:extLst>
-            </p:cNvPr>
-            <p:cNvSpPr/>
-            <p:nvPr/>
-          </p:nvSpPr>
-          <p:spPr>
-            <a:xfrm>
-              <a:off x="1684741" y="3186732"/>
-              <a:ext cx="530027" cy="550412"/>
-            </a:xfrm>
-            <a:custGeom>
-              <a:avLst/>
-              <a:gdLst>
-                <a:gd name="connsiteX0" fmla="*/ 265013 w 530026"/>
-                <a:gd name="connsiteY0" fmla="*/ 0 h 550412"/>
-                <a:gd name="connsiteX1" fmla="*/ 265013 w 530026"/>
-                <a:gd name="connsiteY1" fmla="*/ 0 h 550412"/>
-                <a:gd name="connsiteX2" fmla="*/ 265013 w 530026"/>
-                <a:gd name="connsiteY2" fmla="*/ 0 h 550412"/>
-                <a:gd name="connsiteX3" fmla="*/ 0 w 530026"/>
-                <a:gd name="connsiteY3" fmla="*/ 261956 h 550412"/>
-                <a:gd name="connsiteX4" fmla="*/ 0 w 530026"/>
-                <a:gd name="connsiteY4" fmla="*/ 271129 h 550412"/>
-                <a:gd name="connsiteX5" fmla="*/ 18347 w 530026"/>
-                <a:gd name="connsiteY5" fmla="*/ 362864 h 550412"/>
-                <a:gd name="connsiteX6" fmla="*/ 64215 w 530026"/>
-                <a:gd name="connsiteY6" fmla="*/ 438291 h 550412"/>
-                <a:gd name="connsiteX7" fmla="*/ 126391 w 530026"/>
-                <a:gd name="connsiteY7" fmla="*/ 539200 h 550412"/>
-                <a:gd name="connsiteX8" fmla="*/ 144738 w 530026"/>
-                <a:gd name="connsiteY8" fmla="*/ 550412 h 550412"/>
-                <a:gd name="connsiteX9" fmla="*/ 385289 w 530026"/>
-                <a:gd name="connsiteY9" fmla="*/ 550412 h 550412"/>
-                <a:gd name="connsiteX10" fmla="*/ 403636 w 530026"/>
-                <a:gd name="connsiteY10" fmla="*/ 539200 h 550412"/>
-                <a:gd name="connsiteX11" fmla="*/ 465812 w 530026"/>
-                <a:gd name="connsiteY11" fmla="*/ 438291 h 550412"/>
-                <a:gd name="connsiteX12" fmla="*/ 511680 w 530026"/>
-                <a:gd name="connsiteY12" fmla="*/ 362864 h 550412"/>
-                <a:gd name="connsiteX13" fmla="*/ 530027 w 530026"/>
-                <a:gd name="connsiteY13" fmla="*/ 271129 h 550412"/>
-                <a:gd name="connsiteX14" fmla="*/ 530027 w 530026"/>
-                <a:gd name="connsiteY14" fmla="*/ 261956 h 550412"/>
-                <a:gd name="connsiteX15" fmla="*/ 265013 w 530026"/>
-                <a:gd name="connsiteY15" fmla="*/ 0 h 550412"/>
-                <a:gd name="connsiteX16" fmla="*/ 468870 w 530026"/>
-                <a:gd name="connsiteY16" fmla="*/ 270110 h 550412"/>
-                <a:gd name="connsiteX17" fmla="*/ 454600 w 530026"/>
-                <a:gd name="connsiteY17" fmla="*/ 341460 h 550412"/>
-                <a:gd name="connsiteX18" fmla="*/ 419944 w 530026"/>
-                <a:gd name="connsiteY18" fmla="*/ 397520 h 550412"/>
-                <a:gd name="connsiteX19" fmla="*/ 360826 w 530026"/>
-                <a:gd name="connsiteY19" fmla="*/ 489256 h 550412"/>
-                <a:gd name="connsiteX20" fmla="*/ 265013 w 530026"/>
-                <a:gd name="connsiteY20" fmla="*/ 489256 h 550412"/>
-                <a:gd name="connsiteX21" fmla="*/ 170220 w 530026"/>
-                <a:gd name="connsiteY21" fmla="*/ 489256 h 550412"/>
-                <a:gd name="connsiteX22" fmla="*/ 111102 w 530026"/>
-                <a:gd name="connsiteY22" fmla="*/ 397520 h 550412"/>
-                <a:gd name="connsiteX23" fmla="*/ 76446 w 530026"/>
-                <a:gd name="connsiteY23" fmla="*/ 341460 h 550412"/>
-                <a:gd name="connsiteX24" fmla="*/ 62176 w 530026"/>
-                <a:gd name="connsiteY24" fmla="*/ 270110 h 550412"/>
-                <a:gd name="connsiteX25" fmla="*/ 62176 w 530026"/>
-                <a:gd name="connsiteY25" fmla="*/ 261956 h 550412"/>
-                <a:gd name="connsiteX26" fmla="*/ 266033 w 530026"/>
-                <a:gd name="connsiteY26" fmla="*/ 60138 h 550412"/>
-                <a:gd name="connsiteX27" fmla="*/ 266033 w 530026"/>
-                <a:gd name="connsiteY27" fmla="*/ 60138 h 550412"/>
-                <a:gd name="connsiteX28" fmla="*/ 266033 w 530026"/>
-                <a:gd name="connsiteY28" fmla="*/ 60138 h 550412"/>
-                <a:gd name="connsiteX29" fmla="*/ 266033 w 530026"/>
-                <a:gd name="connsiteY29" fmla="*/ 60138 h 550412"/>
-                <a:gd name="connsiteX30" fmla="*/ 266033 w 530026"/>
-                <a:gd name="connsiteY30" fmla="*/ 60138 h 550412"/>
-                <a:gd name="connsiteX31" fmla="*/ 266033 w 530026"/>
-                <a:gd name="connsiteY31" fmla="*/ 60138 h 550412"/>
-                <a:gd name="connsiteX32" fmla="*/ 266033 w 530026"/>
-                <a:gd name="connsiteY32" fmla="*/ 60138 h 550412"/>
-                <a:gd name="connsiteX33" fmla="*/ 469889 w 530026"/>
-                <a:gd name="connsiteY33" fmla="*/ 261956 h 550412"/>
-                <a:gd name="connsiteX34" fmla="*/ 469889 w 530026"/>
-                <a:gd name="connsiteY34" fmla="*/ 270110 h 550412"/>
-              </a:gdLst>
-              <a:ahLst/>
-              <a:cxnLst>
-                <a:cxn ang="0">
-                  <a:pos x="connsiteX0" y="connsiteY0"/>
-                </a:cxn>
-                <a:cxn ang="0">
-                  <a:pos x="connsiteX1" y="connsiteY1"/>
-                </a:cxn>
-                <a:cxn ang="0">
-                  <a:pos x="connsiteX2" y="connsiteY2"/>
-                </a:cxn>
-                <a:cxn ang="0">
-                  <a:pos x="connsiteX3" y="connsiteY3"/>
-                </a:cxn>
-                <a:cxn ang="0">
-                  <a:pos x="connsiteX4" y="connsiteY4"/>
-                </a:cxn>
-                <a:cxn ang="0">
-                  <a:pos x="connsiteX5" y="connsiteY5"/>
-                </a:cxn>
-                <a:cxn ang="0">
-                  <a:pos x="connsiteX6" y="connsiteY6"/>
-                </a:cxn>
-                <a:cxn ang="0">
-                  <a:pos x="connsiteX7" y="connsiteY7"/>
-                </a:cxn>
-                <a:cxn ang="0">
-                  <a:pos x="connsiteX8" y="connsiteY8"/>
-                </a:cxn>
-                <a:cxn ang="0">
-                  <a:pos x="connsiteX9" y="connsiteY9"/>
-                </a:cxn>
-                <a:cxn ang="0">
-                  <a:pos x="connsiteX10" y="connsiteY10"/>
-                </a:cxn>
-                <a:cxn ang="0">
-                  <a:pos x="connsiteX11" y="connsiteY11"/>
-                </a:cxn>
-                <a:cxn ang="0">
-                  <a:pos x="connsiteX12" y="connsiteY12"/>
-                </a:cxn>
-                <a:cxn ang="0">
-                  <a:pos x="connsiteX13" y="connsiteY13"/>
-                </a:cxn>
-                <a:cxn ang="0">
-                  <a:pos x="connsiteX14" y="connsiteY14"/>
-                </a:cxn>
-                <a:cxn ang="0">
-                  <a:pos x="connsiteX15" y="connsiteY15"/>
-                </a:cxn>
-                <a:cxn ang="0">
-                  <a:pos x="connsiteX16" y="connsiteY16"/>
-                </a:cxn>
-                <a:cxn ang="0">
-                  <a:pos x="connsiteX17" y="connsiteY17"/>
-                </a:cxn>
-                <a:cxn ang="0">
-                  <a:pos x="connsiteX18" y="connsiteY18"/>
-                </a:cxn>
-                <a:cxn ang="0">
-                  <a:pos x="connsiteX19" y="connsiteY19"/>
-                </a:cxn>
-                <a:cxn ang="0">
-                  <a:pos x="connsiteX20" y="connsiteY20"/>
-                </a:cxn>
-                <a:cxn ang="0">
-                  <a:pos x="connsiteX21" y="connsiteY21"/>
-                </a:cxn>
-                <a:cxn ang="0">
-                  <a:pos x="connsiteX22" y="connsiteY22"/>
-                </a:cxn>
-                <a:cxn ang="0">
-                  <a:pos x="connsiteX23" y="connsiteY23"/>
-                </a:cxn>
-                <a:cxn ang="0">
-                  <a:pos x="connsiteX24" y="connsiteY24"/>
-                </a:cxn>
-                <a:cxn ang="0">
-                  <a:pos x="connsiteX25" y="connsiteY25"/>
-                </a:cxn>
-                <a:cxn ang="0">
-                  <a:pos x="connsiteX26" y="connsiteY26"/>
-                </a:cxn>
-                <a:cxn ang="0">
-                  <a:pos x="connsiteX27" y="connsiteY27"/>
-                </a:cxn>
-                <a:cxn ang="0">
-                  <a:pos x="connsiteX28" y="connsiteY28"/>
-                </a:cxn>
-                <a:cxn ang="0">
-                  <a:pos x="connsiteX29" y="connsiteY29"/>
-                </a:cxn>
-                <a:cxn ang="0">
-                  <a:pos x="connsiteX30" y="connsiteY30"/>
-                </a:cxn>
-                <a:cxn ang="0">
-                  <a:pos x="connsiteX31" y="connsiteY31"/>
-                </a:cxn>
-                <a:cxn ang="0">
-                  <a:pos x="connsiteX32" y="connsiteY32"/>
-                </a:cxn>
-                <a:cxn ang="0">
-                  <a:pos x="connsiteX33" y="connsiteY33"/>
-                </a:cxn>
-                <a:cxn ang="0">
-                  <a:pos x="connsiteX34" y="connsiteY34"/>
-                </a:cxn>
-              </a:cxnLst>
-              <a:rect l="l" t="t" r="r" b="b"/>
-              <a:pathLst>
-                <a:path w="530026" h="550412">
-                  <a:moveTo>
-                    <a:pt x="265013" y="0"/>
-                  </a:moveTo>
-                  <a:cubicBezTo>
-                    <a:pt x="265013" y="0"/>
-                    <a:pt x="265013" y="0"/>
-                    <a:pt x="265013" y="0"/>
-                  </a:cubicBezTo>
-                  <a:cubicBezTo>
-                    <a:pt x="265013" y="0"/>
-                    <a:pt x="265013" y="0"/>
-                    <a:pt x="265013" y="0"/>
-                  </a:cubicBezTo>
-                  <a:cubicBezTo>
-                    <a:pt x="120275" y="1019"/>
-                    <a:pt x="3058" y="117217"/>
-                    <a:pt x="0" y="261956"/>
-                  </a:cubicBezTo>
-                  <a:lnTo>
-                    <a:pt x="0" y="271129"/>
-                  </a:lnTo>
-                  <a:cubicBezTo>
-                    <a:pt x="1019" y="302727"/>
-                    <a:pt x="7135" y="333305"/>
-                    <a:pt x="18347" y="362864"/>
-                  </a:cubicBezTo>
-                  <a:cubicBezTo>
-                    <a:pt x="29559" y="390385"/>
-                    <a:pt x="44848" y="415867"/>
-                    <a:pt x="64215" y="438291"/>
-                  </a:cubicBezTo>
-                  <a:cubicBezTo>
-                    <a:pt x="88678" y="464793"/>
-                    <a:pt x="115179" y="516776"/>
-                    <a:pt x="126391" y="539200"/>
-                  </a:cubicBezTo>
-                  <a:cubicBezTo>
-                    <a:pt x="129449" y="546335"/>
-                    <a:pt x="136584" y="550412"/>
-                    <a:pt x="144738" y="550412"/>
-                  </a:cubicBezTo>
-                  <a:lnTo>
-                    <a:pt x="385289" y="550412"/>
-                  </a:lnTo>
-                  <a:cubicBezTo>
-                    <a:pt x="393443" y="550412"/>
-                    <a:pt x="400578" y="546335"/>
-                    <a:pt x="403636" y="539200"/>
-                  </a:cubicBezTo>
-                  <a:cubicBezTo>
-                    <a:pt x="414848" y="516776"/>
-                    <a:pt x="441349" y="464793"/>
-                    <a:pt x="465812" y="438291"/>
-                  </a:cubicBezTo>
-                  <a:cubicBezTo>
-                    <a:pt x="485178" y="415867"/>
-                    <a:pt x="501487" y="390385"/>
-                    <a:pt x="511680" y="362864"/>
-                  </a:cubicBezTo>
-                  <a:cubicBezTo>
-                    <a:pt x="522892" y="333305"/>
-                    <a:pt x="529008" y="302727"/>
-                    <a:pt x="530027" y="271129"/>
-                  </a:cubicBezTo>
-                  <a:lnTo>
-                    <a:pt x="530027" y="261956"/>
-                  </a:lnTo>
-                  <a:cubicBezTo>
-                    <a:pt x="526969" y="117217"/>
-                    <a:pt x="409752" y="1019"/>
-                    <a:pt x="265013" y="0"/>
-                  </a:cubicBezTo>
-                  <a:close/>
-                  <a:moveTo>
-                    <a:pt x="468870" y="270110"/>
-                  </a:moveTo>
-                  <a:cubicBezTo>
-                    <a:pt x="467851" y="294573"/>
-                    <a:pt x="462754" y="319035"/>
-                    <a:pt x="454600" y="341460"/>
-                  </a:cubicBezTo>
-                  <a:cubicBezTo>
-                    <a:pt x="446446" y="361845"/>
-                    <a:pt x="435234" y="381212"/>
-                    <a:pt x="419944" y="397520"/>
-                  </a:cubicBezTo>
-                  <a:cubicBezTo>
-                    <a:pt x="396501" y="426060"/>
-                    <a:pt x="376115" y="456638"/>
-                    <a:pt x="360826" y="489256"/>
-                  </a:cubicBezTo>
-                  <a:lnTo>
-                    <a:pt x="265013" y="489256"/>
-                  </a:lnTo>
-                  <a:lnTo>
-                    <a:pt x="170220" y="489256"/>
-                  </a:lnTo>
-                  <a:cubicBezTo>
-                    <a:pt x="153912" y="456638"/>
-                    <a:pt x="133526" y="426060"/>
-                    <a:pt x="111102" y="397520"/>
-                  </a:cubicBezTo>
-                  <a:cubicBezTo>
-                    <a:pt x="96832" y="381212"/>
-                    <a:pt x="84600" y="361845"/>
-                    <a:pt x="76446" y="341460"/>
-                  </a:cubicBezTo>
-                  <a:cubicBezTo>
-                    <a:pt x="67273" y="319035"/>
-                    <a:pt x="63196" y="294573"/>
-                    <a:pt x="62176" y="270110"/>
-                  </a:cubicBezTo>
-                  <a:lnTo>
-                    <a:pt x="62176" y="261956"/>
-                  </a:lnTo>
-                  <a:cubicBezTo>
-                    <a:pt x="64215" y="150854"/>
-                    <a:pt x="154931" y="61157"/>
-                    <a:pt x="266033" y="60138"/>
-                  </a:cubicBezTo>
-                  <a:lnTo>
-                    <a:pt x="266033" y="60138"/>
-                  </a:lnTo>
-                  <a:lnTo>
-                    <a:pt x="266033" y="60138"/>
-                  </a:lnTo>
-                  <a:cubicBezTo>
-                    <a:pt x="266033" y="60138"/>
-                    <a:pt x="266033" y="60138"/>
-                    <a:pt x="266033" y="60138"/>
-                  </a:cubicBezTo>
-                  <a:cubicBezTo>
-                    <a:pt x="266033" y="60138"/>
-                    <a:pt x="266033" y="60138"/>
-                    <a:pt x="266033" y="60138"/>
-                  </a:cubicBezTo>
-                  <a:lnTo>
-                    <a:pt x="266033" y="60138"/>
-                  </a:lnTo>
-                  <a:lnTo>
-                    <a:pt x="266033" y="60138"/>
-                  </a:lnTo>
-                  <a:cubicBezTo>
-                    <a:pt x="377134" y="61157"/>
-                    <a:pt x="467851" y="149835"/>
-                    <a:pt x="469889" y="261956"/>
-                  </a:cubicBezTo>
-                  <a:lnTo>
-                    <a:pt x="469889" y="270110"/>
-                  </a:lnTo>
-                  <a:close/>
-                </a:path>
-              </a:pathLst>
-            </a:custGeom>
-            <a:solidFill>
-              <a:schemeClr val="accent1"/>
-            </a:solidFill>
-            <a:ln w="10120" cap="flat">
-              <a:noFill/>
-              <a:prstDash val="solid"/>
-              <a:miter/>
-            </a:ln>
-          </p:spPr>
-          <p:txBody>
-            <a:bodyPr rtlCol="0" anchor="ctr"/>
-            <a:lstStyle/>
-            <a:p>
-              <a:endParaRPr lang="en-US" dirty="0"/>
-            </a:p>
-          </p:txBody>
-        </p:sp>
-      </p:grpSp>
-      <p:sp>
-        <p:nvSpPr>
-          <p:cNvPr id="48" name="Rectangle 47">
-            <a:extLst>
-              <a:ext uri="{FF2B5EF4-FFF2-40B4-BE49-F238E27FC236}">
-                <a16:creationId xmlns:a16="http://schemas.microsoft.com/office/drawing/2014/main" id="{C3FC51DE-D10A-4DE8-A7E3-22FA2E4FC194}"/>
-              </a:ext>
-              <a:ext uri="{C183D7F6-B498-43B3-948B-1728B52AA6E4}">
-                <adec:decorative xmlns:adec="http://schemas.microsoft.com/office/drawing/2017/decorative" xmlns="" val="1"/>
-              </a:ext>
-            </a:extLst>
-          </p:cNvPr>
-          <p:cNvSpPr/>
-          <p:nvPr/>
-        </p:nvSpPr>
-        <p:spPr>
-          <a:xfrm>
-            <a:off x="1569877" y="5904087"/>
-            <a:ext cx="6058183" cy="45719"/>
-          </a:xfrm>
-          <a:prstGeom prst="rect">
-            <a:avLst/>
-          </a:prstGeom>
-          <a:solidFill>
-            <a:schemeClr val="tx1">
-              <a:alpha val="56000"/>
-            </a:schemeClr>
-          </a:solidFill>
-          <a:ln>
-            <a:noFill/>
-          </a:ln>
-        </p:spPr>
-        <p:style>
-          <a:lnRef idx="2">
-            <a:schemeClr val="accent1">
-              <a:shade val="50000"/>
-            </a:schemeClr>
-          </a:lnRef>
-          <a:fillRef idx="1">
-            <a:schemeClr val="accent1"/>
-          </a:fillRef>
-          <a:effectRef idx="0">
-            <a:schemeClr val="accent1"/>
-          </a:effectRef>
-          <a:fontRef idx="minor">
-            <a:schemeClr val="lt1"/>
-          </a:fontRef>
-        </p:style>
-        <p:txBody>
-          <a:bodyPr rtlCol="0" anchor="ctr"/>
-          <a:lstStyle/>
-          <a:p>
-            <a:pPr algn="ctr"/>
-            <a:endParaRPr lang="en-US" dirty="0"/>
-          </a:p>
-        </p:txBody>
-      </p:sp>
-      <p:sp>
-        <p:nvSpPr>
-          <p:cNvPr id="52" name="Slide Number Placeholder 51">
-            <a:extLst>
-              <a:ext uri="{FF2B5EF4-FFF2-40B4-BE49-F238E27FC236}">
-                <a16:creationId xmlns:a16="http://schemas.microsoft.com/office/drawing/2014/main" id="{947A81F6-261F-44F4-B660-7BD323AE2991}"/>
-              </a:ext>
-            </a:extLst>
-          </p:cNvPr>
-          <p:cNvSpPr>
-            <a:spLocks noGrp="1"/>
-          </p:cNvSpPr>
-          <p:nvPr>
-            <p:ph type="sldNum" sz="quarter" idx="11"/>
-          </p:nvPr>
-        </p:nvSpPr>
-        <p:spPr/>
-        <p:txBody>
-          <a:bodyPr/>
-          <a:lstStyle/>
-          <a:p>
-            <a:fld id="{EECC7194-A4D0-457B-9D3E-53681723AFF7}" type="slidenum">
-              <a:rPr lang="en-US" smtClean="0"/>
-              <a:pPr/>
-              <a:t>2</a:t>
-            </a:fld>
-            <a:endParaRPr lang="en-US" dirty="0"/>
-          </a:p>
-        </p:txBody>
-      </p:sp>
-      <p:grpSp>
-        <p:nvGrpSpPr>
-          <p:cNvPr id="14" name="Group 13">
-            <a:extLst>
-              <a:ext uri="{FF2B5EF4-FFF2-40B4-BE49-F238E27FC236}">
-                <a16:creationId xmlns:a16="http://schemas.microsoft.com/office/drawing/2014/main" id="{8CDC0198-E919-4071-9C4B-5B3D19A46785}"/>
-              </a:ext>
-              <a:ext uri="{C183D7F6-B498-43B3-948B-1728B52AA6E4}">
-                <adec:decorative xmlns:adec="http://schemas.microsoft.com/office/drawing/2017/decorative" xmlns="" val="1"/>
-              </a:ext>
-            </a:extLst>
-          </p:cNvPr>
-          <p:cNvGrpSpPr>
-            <a:grpSpLocks noChangeAspect="1"/>
-          </p:cNvGrpSpPr>
-          <p:nvPr/>
-        </p:nvGrpSpPr>
-        <p:grpSpPr>
-          <a:xfrm>
-            <a:off x="1713143" y="3198674"/>
-            <a:ext cx="906419" cy="906419"/>
-            <a:chOff x="5482999" y="1607028"/>
-            <a:chExt cx="1200866" cy="1200866"/>
-          </a:xfrm>
-        </p:grpSpPr>
-        <p:sp>
-          <p:nvSpPr>
-            <p:cNvPr id="16" name="Rectangle 15">
-              <a:extLst>
-                <a:ext uri="{FF2B5EF4-FFF2-40B4-BE49-F238E27FC236}">
-                  <a16:creationId xmlns:a16="http://schemas.microsoft.com/office/drawing/2014/main" id="{667DDF34-4085-4945-A320-585AC8EBAAF2}"/>
-                </a:ext>
-              </a:extLst>
-            </p:cNvPr>
-            <p:cNvSpPr/>
-            <p:nvPr/>
-          </p:nvSpPr>
-          <p:spPr>
-            <a:xfrm>
-              <a:off x="5587207" y="1711236"/>
-              <a:ext cx="992451" cy="992451"/>
-            </a:xfrm>
-            <a:prstGeom prst="rect">
-              <a:avLst/>
-            </a:prstGeom>
-            <a:noFill/>
-            <a:ln w="6350">
-              <a:solidFill>
-                <a:schemeClr val="bg1">
-                  <a:alpha val="20000"/>
-                </a:schemeClr>
-              </a:solidFill>
-            </a:ln>
-          </p:spPr>
-          <p:style>
-            <a:lnRef idx="2">
-              <a:schemeClr val="accent1">
-                <a:shade val="50000"/>
-              </a:schemeClr>
-            </a:lnRef>
-            <a:fillRef idx="1">
-              <a:schemeClr val="accent1"/>
-            </a:fillRef>
-            <a:effectRef idx="0">
-              <a:schemeClr val="accent1"/>
-            </a:effectRef>
-            <a:fontRef idx="minor">
-              <a:schemeClr val="lt1"/>
-            </a:fontRef>
-          </p:style>
-          <p:txBody>
-            <a:bodyPr rtlCol="0" anchor="ctr"/>
-            <a:lstStyle/>
-            <a:p>
-              <a:pPr algn="ctr"/>
-              <a:endParaRPr lang="en-US" dirty="0"/>
-            </a:p>
-          </p:txBody>
-        </p:sp>
-        <p:sp>
-          <p:nvSpPr>
-            <p:cNvPr id="17" name="Rectangle 16">
-              <a:extLst>
-                <a:ext uri="{FF2B5EF4-FFF2-40B4-BE49-F238E27FC236}">
-                  <a16:creationId xmlns:a16="http://schemas.microsoft.com/office/drawing/2014/main" id="{ED521D40-9109-4214-B458-FAB53B1DA80D}"/>
-                </a:ext>
-              </a:extLst>
-            </p:cNvPr>
-            <p:cNvSpPr/>
-            <p:nvPr/>
-          </p:nvSpPr>
-          <p:spPr>
-            <a:xfrm>
-              <a:off x="5482999" y="1607028"/>
-              <a:ext cx="1200866" cy="1200866"/>
-            </a:xfrm>
-            <a:prstGeom prst="rect">
-              <a:avLst/>
-            </a:prstGeom>
-            <a:noFill/>
-            <a:ln w="6350">
-              <a:solidFill>
-                <a:schemeClr val="bg1">
-                  <a:alpha val="20000"/>
-                </a:schemeClr>
-              </a:solidFill>
-            </a:ln>
-          </p:spPr>
-          <p:style>
-            <a:lnRef idx="2">
-              <a:schemeClr val="accent1">
-                <a:shade val="50000"/>
-              </a:schemeClr>
-            </a:lnRef>
-            <a:fillRef idx="1">
-              <a:schemeClr val="accent1"/>
-            </a:fillRef>
-            <a:effectRef idx="0">
-              <a:schemeClr val="accent1"/>
-            </a:effectRef>
-            <a:fontRef idx="minor">
-              <a:schemeClr val="lt1"/>
-            </a:fontRef>
-          </p:style>
-          <p:txBody>
-            <a:bodyPr rtlCol="0" anchor="ctr"/>
-            <a:lstStyle/>
-            <a:p>
-              <a:pPr algn="ctr"/>
-              <a:endParaRPr lang="en-US" dirty="0"/>
-            </a:p>
-          </p:txBody>
-        </p:sp>
-      </p:grpSp>
-    </p:spTree>
-    <p:extLst>
-      <p:ext uri="{BB962C8B-B14F-4D97-AF65-F5344CB8AC3E}">
-        <p14:creationId xmlns:p14="http://schemas.microsoft.com/office/powerpoint/2010/main" val="3043203464"/>
-      </p:ext>
-    </p:extLst>
-  </p:cSld>
-  <p:clrMapOvr>
-    <a:masterClrMapping/>
-  </p:clrMapOvr>
-  <p:timing>
-    <p:tnLst>
-      <p:par>
-        <p:cTn id="1" dur="indefinite" restart="never" nodeType="tmRoot"/>
-      </p:par>
-    </p:tnLst>
-  </p:timing>
-</p:sld>
-</file>
-
-<file path=ppt/slides/slide3.xml><?xml version="1.0" encoding="utf-8"?>
+<file path=ppt/slides/slide10.xml><?xml version="1.0" encoding="utf-8"?>
 <p:sld xmlns:a="http://schemas.openxmlformats.org/drawingml/2006/main" xmlns:r="http://schemas.openxmlformats.org/officeDocument/2006/relationships" xmlns:p="http://schemas.openxmlformats.org/presentationml/2006/main">
   <p:cSld>
     <p:spTree>
@@ -13529,91 +13542,20 @@
             <p:ph type="title"/>
           </p:nvPr>
         </p:nvSpPr>
-        <p:spPr/>
+        <p:spPr>
+          <a:xfrm>
+            <a:off x="579863" y="808186"/>
+            <a:ext cx="7664137" cy="784910"/>
+          </a:xfrm>
+        </p:spPr>
         <p:txBody>
           <a:bodyPr/>
           <a:lstStyle/>
           <a:p>
             <a:r>
-              <a:rPr lang="en-US" dirty="0" smtClean="0"/>
-              <a:t>Contents</a:t>
-            </a:r>
-            <a:endParaRPr lang="en-US" dirty="0"/>
-          </a:p>
-        </p:txBody>
-      </p:sp>
-      <p:sp>
-        <p:nvSpPr>
-          <p:cNvPr id="9" name="Content Placeholder 8">
-            <a:extLst>
-              <a:ext uri="{FF2B5EF4-FFF2-40B4-BE49-F238E27FC236}">
-                <a16:creationId xmlns:a16="http://schemas.microsoft.com/office/drawing/2014/main" id="{741D6D94-B2BB-401E-AACC-F5CA79C890E0}"/>
-              </a:ext>
-            </a:extLst>
-          </p:cNvPr>
-          <p:cNvSpPr>
-            <a:spLocks noGrp="1"/>
-          </p:cNvSpPr>
-          <p:nvPr>
-            <p:ph idx="1"/>
-          </p:nvPr>
-        </p:nvSpPr>
-        <p:spPr/>
-        <p:txBody>
-          <a:bodyPr/>
-          <a:lstStyle/>
-          <a:p>
-            <a:r>
-              <a:rPr lang="en-US" sz="2000" b="1" noProof="1" smtClean="0">
-                <a:solidFill>
-                  <a:schemeClr val="accent2"/>
-                </a:solidFill>
-                <a:latin typeface="+mj-lt"/>
-              </a:rPr>
-              <a:t>Problem Statements</a:t>
-            </a:r>
-          </a:p>
-          <a:p>
-            <a:r>
-              <a:rPr lang="en-US" sz="2000" b="1" noProof="1" smtClean="0">
-                <a:solidFill>
-                  <a:schemeClr val="accent2"/>
-                </a:solidFill>
-                <a:latin typeface="+mj-lt"/>
-              </a:rPr>
-              <a:t>Data</a:t>
-            </a:r>
-            <a:endParaRPr lang="en-US" sz="2000" b="1" noProof="1">
-              <a:solidFill>
-                <a:schemeClr val="accent2"/>
-              </a:solidFill>
-              <a:latin typeface="+mj-lt"/>
-            </a:endParaRPr>
-          </a:p>
-          <a:p>
-            <a:r>
-              <a:rPr lang="en-US" sz="2000" b="1" noProof="1">
-                <a:solidFill>
-                  <a:schemeClr val="accent2"/>
-                </a:solidFill>
-                <a:latin typeface="+mj-lt"/>
-              </a:rPr>
-              <a:t>Mathedology</a:t>
-            </a:r>
-          </a:p>
-          <a:p>
-            <a:pPr marL="0" indent="0">
-              <a:buNone/>
-            </a:pPr>
-            <a:endParaRPr lang="en-US" sz="2000" b="1" dirty="0">
-              <a:solidFill>
-                <a:schemeClr val="accent2"/>
-              </a:solidFill>
-              <a:latin typeface="+mj-lt"/>
-            </a:endParaRPr>
-          </a:p>
-          <a:p>
-            <a:endParaRPr lang="en-US" dirty="0"/>
+              <a:rPr lang="en-US" dirty="0"/>
+              <a:t>Correlation heat map</a:t>
+            </a:r>
           </a:p>
         </p:txBody>
       </p:sp>
@@ -13641,7 +13583,7 @@
             <a:fld id="{EECC7194-A4D0-457B-9D3E-53681723AFF7}" type="slidenum">
               <a:rPr lang="en-US" smtClean="0"/>
               <a:pPr/>
-              <a:t>3</a:t>
+              <a:t>10</a:t>
             </a:fld>
             <a:endParaRPr lang="en-US" dirty="0"/>
           </a:p>
@@ -13661,7 +13603,7 @@
         </p:nvSpPr>
         <p:spPr bwMode="white">
           <a:xfrm flipV="1">
-            <a:off x="722099" y="1277068"/>
+            <a:off x="639397" y="1681189"/>
             <a:ext cx="3470764" cy="45719"/>
           </a:xfrm>
           <a:custGeom>
@@ -13695,27 +13637,52 @@
           </a:p>
         </p:txBody>
       </p:sp>
+      <p:pic>
+        <p:nvPicPr>
+          <p:cNvPr id="6" name="Content Placeholder 5">
+            <a:extLst>
+              <a:ext uri="{FF2B5EF4-FFF2-40B4-BE49-F238E27FC236}">
+                <a16:creationId xmlns:a16="http://schemas.microsoft.com/office/drawing/2014/main" id="{86B80A68-7ED3-E84F-8F0F-A3AE505A6B32}"/>
+              </a:ext>
+            </a:extLst>
+          </p:cNvPr>
+          <p:cNvPicPr>
+            <a:picLocks noGrp="1"/>
+          </p:cNvPicPr>
+          <p:nvPr>
+            <p:ph idx="1"/>
+          </p:nvPr>
+        </p:nvPicPr>
+        <p:blipFill>
+          <a:blip r:embed="rId3"/>
+          <a:stretch>
+            <a:fillRect/>
+          </a:stretch>
+        </p:blipFill>
+        <p:spPr>
+          <a:xfrm>
+            <a:off x="681533" y="1825625"/>
+            <a:ext cx="4951988" cy="4686300"/>
+          </a:xfrm>
+          <a:prstGeom prst="rect">
+            <a:avLst/>
+          </a:prstGeom>
+        </p:spPr>
+      </p:pic>
     </p:spTree>
     <p:extLst>
       <p:ext uri="{BB962C8B-B14F-4D97-AF65-F5344CB8AC3E}">
-        <p14:creationId xmlns:p14="http://schemas.microsoft.com/office/powerpoint/2010/main" val="3427543980"/>
+        <p14:creationId xmlns:p14="http://schemas.microsoft.com/office/powerpoint/2010/main" val="3503263992"/>
       </p:ext>
     </p:extLst>
   </p:cSld>
   <p:clrMapOvr>
     <a:masterClrMapping/>
   </p:clrMapOvr>
-  <p:timing>
-    <p:tnLst>
-      <p:par>
-        <p:cTn id="1" dur="indefinite" restart="never" nodeType="tmRoot"/>
-      </p:par>
-    </p:tnLst>
-  </p:timing>
 </p:sld>
 </file>
 
-<file path=ppt/slides/slide4.xml><?xml version="1.0" encoding="utf-8"?>
+<file path=ppt/slides/slide11.xml><?xml version="1.0" encoding="utf-8"?>
 <p:sld xmlns:a="http://schemas.openxmlformats.org/drawingml/2006/main" xmlns:r="http://schemas.openxmlformats.org/officeDocument/2006/relationships" xmlns:p="http://schemas.openxmlformats.org/presentationml/2006/main">
   <p:cSld>
     <p:spTree>
@@ -13748,89 +13715,20 @@
             <p:ph type="title"/>
           </p:nvPr>
         </p:nvSpPr>
-        <p:spPr/>
+        <p:spPr>
+          <a:xfrm>
+            <a:off x="579863" y="808186"/>
+            <a:ext cx="7664137" cy="784910"/>
+          </a:xfrm>
+        </p:spPr>
         <p:txBody>
           <a:bodyPr/>
           <a:lstStyle/>
           <a:p>
             <a:r>
-              <a:rPr lang="en-US" dirty="0" smtClean="0"/>
-              <a:t>Problem statements</a:t>
-            </a:r>
-            <a:endParaRPr lang="en-US" dirty="0"/>
-          </a:p>
-        </p:txBody>
-      </p:sp>
-      <p:sp>
-        <p:nvSpPr>
-          <p:cNvPr id="9" name="Content Placeholder 8">
-            <a:extLst>
-              <a:ext uri="{FF2B5EF4-FFF2-40B4-BE49-F238E27FC236}">
-                <a16:creationId xmlns:a16="http://schemas.microsoft.com/office/drawing/2014/main" id="{741D6D94-B2BB-401E-AACC-F5CA79C890E0}"/>
-              </a:ext>
-            </a:extLst>
-          </p:cNvPr>
-          <p:cNvSpPr>
-            <a:spLocks noGrp="1"/>
-          </p:cNvSpPr>
-          <p:nvPr>
-            <p:ph idx="1"/>
-          </p:nvPr>
-        </p:nvSpPr>
-        <p:spPr>
-          <a:xfrm>
-            <a:off x="684000" y="1825625"/>
-            <a:ext cx="10147484" cy="4320000"/>
-          </a:xfrm>
-        </p:spPr>
-        <p:txBody>
-          <a:bodyPr/>
-          <a:lstStyle/>
-          <a:p>
-            <a:r>
-              <a:rPr lang="en-US" sz="2000" dirty="0"/>
-              <a:t>Breast Cancer is 2nd most common cancer in </a:t>
-            </a:r>
-            <a:r>
-              <a:rPr lang="en-US" sz="2000" dirty="0" smtClean="0"/>
-              <a:t>women.</a:t>
-            </a:r>
-          </a:p>
-          <a:p>
-            <a:endParaRPr lang="en-US" sz="2000" dirty="0"/>
-          </a:p>
-          <a:p>
-            <a:r>
-              <a:rPr lang="en-GB" sz="2000" dirty="0"/>
-              <a:t>It is 2nd leading cause of deaths of women after lung cancer. </a:t>
-            </a:r>
-            <a:endParaRPr lang="en-GB" sz="2000" dirty="0" smtClean="0"/>
-          </a:p>
-          <a:p>
-            <a:endParaRPr lang="en-GB" sz="2000" dirty="0" smtClean="0"/>
-          </a:p>
-          <a:p>
-            <a:r>
-              <a:rPr lang="en-GB" sz="2000" dirty="0" smtClean="0"/>
-              <a:t>Is </a:t>
-            </a:r>
-            <a:r>
-              <a:rPr lang="en-GB" sz="2000" dirty="0"/>
-              <a:t>fine needle </a:t>
-            </a:r>
-            <a:r>
-              <a:rPr lang="en-GB" sz="2000" dirty="0" smtClean="0"/>
-              <a:t>biopsy </a:t>
-            </a:r>
-            <a:r>
-              <a:rPr lang="en-GB" sz="2000" dirty="0"/>
-              <a:t>an effective tool in evaluating and diagnosing suspect lumps or </a:t>
-            </a:r>
-            <a:r>
-              <a:rPr lang="en-GB" sz="2000" dirty="0" smtClean="0"/>
-              <a:t>masses?</a:t>
-            </a:r>
-            <a:endParaRPr lang="en-US" dirty="0"/>
+              <a:rPr lang="en-US" dirty="0"/>
+              <a:t>outliers</a:t>
+            </a:r>
           </a:p>
         </p:txBody>
       </p:sp>
@@ -13858,7 +13756,7 @@
             <a:fld id="{EECC7194-A4D0-457B-9D3E-53681723AFF7}" type="slidenum">
               <a:rPr lang="en-US" smtClean="0"/>
               <a:pPr/>
-              <a:t>4</a:t>
+              <a:t>11</a:t>
             </a:fld>
             <a:endParaRPr lang="en-US" dirty="0"/>
           </a:p>
@@ -13878,7 +13776,7 @@
         </p:nvSpPr>
         <p:spPr bwMode="white">
           <a:xfrm flipV="1">
-            <a:off x="722099" y="1277068"/>
+            <a:off x="639397" y="1681189"/>
             <a:ext cx="3470764" cy="45719"/>
           </a:xfrm>
           <a:custGeom>
@@ -13912,27 +13810,52 @@
           </a:p>
         </p:txBody>
       </p:sp>
+      <p:pic>
+        <p:nvPicPr>
+          <p:cNvPr id="10" name="Content Placeholder 9">
+            <a:extLst>
+              <a:ext uri="{FF2B5EF4-FFF2-40B4-BE49-F238E27FC236}">
+                <a16:creationId xmlns:a16="http://schemas.microsoft.com/office/drawing/2014/main" id="{A0C9A950-9122-B242-B7D1-DA70E993AE1F}"/>
+              </a:ext>
+            </a:extLst>
+          </p:cNvPr>
+          <p:cNvPicPr>
+            <a:picLocks noGrp="1" noChangeAspect="1"/>
+          </p:cNvPicPr>
+          <p:nvPr>
+            <p:ph idx="1"/>
+          </p:nvPr>
+        </p:nvPicPr>
+        <p:blipFill>
+          <a:blip r:embed="rId3"/>
+          <a:stretch>
+            <a:fillRect/>
+          </a:stretch>
+        </p:blipFill>
+        <p:spPr>
+          <a:xfrm>
+            <a:off x="315913" y="2323498"/>
+            <a:ext cx="10799762" cy="3323841"/>
+          </a:xfrm>
+          <a:prstGeom prst="rect">
+            <a:avLst/>
+          </a:prstGeom>
+        </p:spPr>
+      </p:pic>
     </p:spTree>
     <p:extLst>
       <p:ext uri="{BB962C8B-B14F-4D97-AF65-F5344CB8AC3E}">
-        <p14:creationId xmlns:p14="http://schemas.microsoft.com/office/powerpoint/2010/main" val="2662847952"/>
+        <p14:creationId xmlns:p14="http://schemas.microsoft.com/office/powerpoint/2010/main" val="604458074"/>
       </p:ext>
     </p:extLst>
   </p:cSld>
   <p:clrMapOvr>
     <a:masterClrMapping/>
   </p:clrMapOvr>
-  <p:timing>
-    <p:tnLst>
-      <p:par>
-        <p:cTn id="1" dur="indefinite" restart="never" nodeType="tmRoot"/>
-      </p:par>
-    </p:tnLst>
-  </p:timing>
 </p:sld>
 </file>
 
-<file path=ppt/slides/slide5.xml><?xml version="1.0" encoding="utf-8"?>
+<file path=ppt/slides/slide12.xml><?xml version="1.0" encoding="utf-8"?>
 <p:sld xmlns:a="http://schemas.openxmlformats.org/drawingml/2006/main" xmlns:r="http://schemas.openxmlformats.org/officeDocument/2006/relationships" xmlns:p="http://schemas.openxmlformats.org/presentationml/2006/main">
   <p:cSld>
     <p:spTree>
@@ -13965,193 +13888,20 @@
             <p:ph type="title"/>
           </p:nvPr>
         </p:nvSpPr>
-        <p:spPr/>
+        <p:spPr>
+          <a:xfrm>
+            <a:off x="579863" y="808186"/>
+            <a:ext cx="7664137" cy="784910"/>
+          </a:xfrm>
+        </p:spPr>
         <p:txBody>
           <a:bodyPr/>
           <a:lstStyle/>
           <a:p>
             <a:r>
-              <a:rPr lang="en-US" dirty="0" smtClean="0"/>
-              <a:t>data</a:t>
-            </a:r>
-            <a:endParaRPr lang="en-US" dirty="0"/>
-          </a:p>
-        </p:txBody>
-      </p:sp>
-      <p:sp>
-        <p:nvSpPr>
-          <p:cNvPr id="9" name="Content Placeholder 8">
-            <a:extLst>
-              <a:ext uri="{FF2B5EF4-FFF2-40B4-BE49-F238E27FC236}">
-                <a16:creationId xmlns:a16="http://schemas.microsoft.com/office/drawing/2014/main" id="{741D6D94-B2BB-401E-AACC-F5CA79C890E0}"/>
-              </a:ext>
-            </a:extLst>
-          </p:cNvPr>
-          <p:cNvSpPr>
-            <a:spLocks noGrp="1"/>
-          </p:cNvSpPr>
-          <p:nvPr>
-            <p:ph idx="1"/>
-          </p:nvPr>
-        </p:nvSpPr>
-        <p:spPr>
-          <a:xfrm>
-            <a:off x="684000" y="1825625"/>
-            <a:ext cx="10147484" cy="4500360"/>
-          </a:xfrm>
-        </p:spPr>
-        <p:txBody>
-          <a:bodyPr/>
-          <a:lstStyle/>
-          <a:p>
-            <a:pPr>
-              <a:buFont typeface="Wingdings" panose="05000000000000000000" pitchFamily="2" charset="2"/>
-              <a:buChar char="Ø"/>
-            </a:pPr>
-            <a:r>
-              <a:rPr lang="en-GB" dirty="0" smtClean="0"/>
-              <a:t>We </a:t>
-            </a:r>
-            <a:r>
-              <a:rPr lang="en-GB" dirty="0"/>
-              <a:t>are using the Wisconsin Breast </a:t>
-            </a:r>
-            <a:r>
-              <a:rPr lang="en-GB" dirty="0" smtClean="0"/>
-              <a:t>Cancer dataset which </a:t>
-            </a:r>
-            <a:r>
-              <a:rPr lang="en-GB" dirty="0"/>
-              <a:t>was obtained from the University of Wisconsin Hospitals. </a:t>
-            </a:r>
-            <a:endParaRPr lang="en-GB" dirty="0" smtClean="0"/>
-          </a:p>
-          <a:p>
-            <a:pPr>
-              <a:buFont typeface="Wingdings" panose="05000000000000000000" pitchFamily="2" charset="2"/>
-              <a:buChar char="Ø"/>
-            </a:pPr>
-            <a:r>
-              <a:rPr lang="en-GB" dirty="0" smtClean="0"/>
-              <a:t>Diagnosis – Malignant &amp; Benign</a:t>
-            </a:r>
-          </a:p>
-          <a:p>
-            <a:pPr>
-              <a:buFont typeface="Wingdings" panose="05000000000000000000" pitchFamily="2" charset="2"/>
-              <a:buChar char="Ø"/>
-            </a:pPr>
-            <a:r>
-              <a:rPr lang="en-GB" dirty="0" smtClean="0"/>
-              <a:t>10 </a:t>
-            </a:r>
-            <a:r>
-              <a:rPr lang="en-GB" dirty="0"/>
-              <a:t>features were computed for each cell nucleus </a:t>
-            </a:r>
-            <a:endParaRPr lang="en-GB" dirty="0"/>
-          </a:p>
-          <a:p>
-            <a:pPr lvl="1"/>
-            <a:r>
-              <a:rPr lang="en-GB" sz="1200" dirty="0"/>
-              <a:t>radius (mean of distances from </a:t>
-            </a:r>
-            <a:r>
-              <a:rPr lang="en-GB" sz="1200" dirty="0" smtClean="0"/>
-              <a:t>centre </a:t>
-            </a:r>
-            <a:r>
-              <a:rPr lang="en-GB" sz="1200" dirty="0"/>
-              <a:t>to points on the perimeter)</a:t>
-            </a:r>
-            <a:endParaRPr lang="en-US" sz="1200" dirty="0"/>
-          </a:p>
-          <a:p>
-            <a:pPr lvl="1"/>
-            <a:r>
-              <a:rPr lang="en-GB" sz="1200" dirty="0"/>
-              <a:t>Texture (standard deviation of </a:t>
-            </a:r>
-            <a:r>
-              <a:rPr lang="en-GB" sz="1200" dirty="0" smtClean="0"/>
-              <a:t>grey-scale </a:t>
-            </a:r>
-            <a:r>
-              <a:rPr lang="en-GB" sz="1200" dirty="0"/>
-              <a:t>values)</a:t>
-            </a:r>
-            <a:endParaRPr lang="en-US" sz="1200" dirty="0"/>
-          </a:p>
-          <a:p>
-            <a:pPr lvl="1"/>
-            <a:r>
-              <a:rPr lang="en-GB" sz="1200" dirty="0"/>
-              <a:t>Perimeter</a:t>
-            </a:r>
-            <a:endParaRPr lang="en-US" sz="1200" dirty="0"/>
-          </a:p>
-          <a:p>
-            <a:pPr lvl="1"/>
-            <a:r>
-              <a:rPr lang="en-GB" sz="1200" dirty="0"/>
-              <a:t>Area</a:t>
-            </a:r>
-            <a:endParaRPr lang="en-US" sz="1200" dirty="0"/>
-          </a:p>
-          <a:p>
-            <a:pPr lvl="1"/>
-            <a:r>
-              <a:rPr lang="en-GB" sz="1200" dirty="0"/>
-              <a:t>Smoothness (local variation in radius lengths)</a:t>
-            </a:r>
-            <a:endParaRPr lang="en-US" sz="1200" dirty="0"/>
-          </a:p>
-          <a:p>
-            <a:pPr lvl="1"/>
-            <a:r>
-              <a:rPr lang="en-GB" sz="1200" dirty="0"/>
-              <a:t>Compactness (perimeter^2 / area - 1.0)</a:t>
-            </a:r>
-            <a:endParaRPr lang="en-US" sz="1200" dirty="0"/>
-          </a:p>
-          <a:p>
-            <a:pPr lvl="1"/>
-            <a:r>
-              <a:rPr lang="en-GB" sz="1200" dirty="0"/>
-              <a:t>Concavity (severity of concave portions of the contour)</a:t>
-            </a:r>
-            <a:endParaRPr lang="en-US" sz="1200" dirty="0"/>
-          </a:p>
-          <a:p>
-            <a:pPr lvl="1"/>
-            <a:r>
-              <a:rPr lang="en-GB" sz="1200" dirty="0"/>
-              <a:t>Concave points (number of concave portions of the contour)</a:t>
-            </a:r>
-            <a:endParaRPr lang="en-US" sz="1200" dirty="0"/>
-          </a:p>
-          <a:p>
-            <a:pPr lvl="1"/>
-            <a:r>
-              <a:rPr lang="en-GB" sz="1200" dirty="0"/>
-              <a:t>Symmetry</a:t>
-            </a:r>
-            <a:endParaRPr lang="en-US" sz="1200" dirty="0"/>
-          </a:p>
-          <a:p>
-            <a:pPr lvl="1"/>
-            <a:r>
-              <a:rPr lang="en-GB" sz="1200" dirty="0"/>
-              <a:t>Fractal dimension ("coastline approximation" - 1)</a:t>
-            </a:r>
-            <a:endParaRPr lang="en-US" sz="1200" dirty="0"/>
-          </a:p>
-          <a:p>
-            <a:pPr marL="0" indent="0">
-              <a:buNone/>
-            </a:pPr>
-            <a:endParaRPr lang="en-US" dirty="0"/>
+              <a:rPr lang="en-US" dirty="0"/>
+              <a:t>Pipeline setup – model</a:t>
+            </a:r>
           </a:p>
         </p:txBody>
       </p:sp>
@@ -14179,7 +13929,7 @@
             <a:fld id="{EECC7194-A4D0-457B-9D3E-53681723AFF7}" type="slidenum">
               <a:rPr lang="en-US" smtClean="0"/>
               <a:pPr/>
-              <a:t>5</a:t>
+              <a:t>12</a:t>
             </a:fld>
             <a:endParaRPr lang="en-US" dirty="0"/>
           </a:p>
@@ -14199,7 +13949,7 @@
         </p:nvSpPr>
         <p:spPr bwMode="white">
           <a:xfrm flipV="1">
-            <a:off x="722099" y="1277068"/>
+            <a:off x="639397" y="1681189"/>
             <a:ext cx="3470764" cy="45719"/>
           </a:xfrm>
           <a:custGeom>
@@ -14233,49 +13983,1706 @@
           </a:p>
         </p:txBody>
       </p:sp>
-      <p:pic>
-        <p:nvPicPr>
-          <p:cNvPr id="6" name="Picture 5"/>
-          <p:cNvPicPr/>
-          <p:nvPr/>
-        </p:nvPicPr>
-        <p:blipFill>
-          <a:blip r:embed="rId3"/>
-          <a:stretch>
-            <a:fillRect/>
-          </a:stretch>
-        </p:blipFill>
-        <p:spPr>
-          <a:xfrm>
-            <a:off x="6467302" y="2491529"/>
-            <a:ext cx="4364182" cy="3044749"/>
-          </a:xfrm>
-          <a:prstGeom prst="rect">
-            <a:avLst/>
-          </a:prstGeom>
-        </p:spPr>
-      </p:pic>
+      <p:sp>
+        <p:nvSpPr>
+          <p:cNvPr id="4" name="Content Placeholder 3">
+            <a:extLst>
+              <a:ext uri="{FF2B5EF4-FFF2-40B4-BE49-F238E27FC236}">
+                <a16:creationId xmlns:a16="http://schemas.microsoft.com/office/drawing/2014/main" id="{8BC1B912-BF67-4948-9AF0-FB457779C80C}"/>
+              </a:ext>
+            </a:extLst>
+          </p:cNvPr>
+          <p:cNvSpPr>
+            <a:spLocks noGrp="1"/>
+          </p:cNvSpPr>
+          <p:nvPr>
+            <p:ph idx="1"/>
+          </p:nvPr>
+        </p:nvSpPr>
+        <p:spPr/>
+        <p:txBody>
+          <a:bodyPr/>
+          <a:lstStyle/>
+          <a:p>
+            <a:pPr>
+              <a:lnSpc>
+                <a:spcPct val="200000"/>
+              </a:lnSpc>
+              <a:buFont typeface="Wingdings" pitchFamily="2" charset="2"/>
+              <a:buChar char="Ø"/>
+            </a:pPr>
+            <a:r>
+              <a:rPr lang="en-US" dirty="0"/>
+              <a:t>RF Pipeline with Seed</a:t>
+            </a:r>
+          </a:p>
+          <a:p>
+            <a:pPr>
+              <a:lnSpc>
+                <a:spcPct val="200000"/>
+              </a:lnSpc>
+              <a:buFont typeface="Wingdings" pitchFamily="2" charset="2"/>
+              <a:buChar char="Ø"/>
+            </a:pPr>
+            <a:r>
+              <a:rPr lang="en-US" dirty="0"/>
+              <a:t>RF Parameter – Weight, Estimator, Features, </a:t>
+            </a:r>
+            <a:r>
+              <a:rPr lang="en-US" dirty="0" err="1"/>
+              <a:t>Max_Depth</a:t>
+            </a:r>
+            <a:endParaRPr lang="en-US" dirty="0"/>
+          </a:p>
+          <a:p>
+            <a:pPr>
+              <a:lnSpc>
+                <a:spcPct val="200000"/>
+              </a:lnSpc>
+              <a:buFont typeface="Wingdings" pitchFamily="2" charset="2"/>
+              <a:buChar char="Ø"/>
+            </a:pPr>
+            <a:r>
+              <a:rPr lang="en-US" dirty="0"/>
+              <a:t>Logistic Regression Pipeline – </a:t>
+            </a:r>
+            <a:r>
+              <a:rPr lang="en-US" dirty="0" err="1"/>
+              <a:t>SelectKBest</a:t>
+            </a:r>
+            <a:r>
+              <a:rPr lang="en-US" dirty="0"/>
+              <a:t>, Weight, Seed</a:t>
+            </a:r>
+          </a:p>
+          <a:p>
+            <a:pPr>
+              <a:lnSpc>
+                <a:spcPct val="200000"/>
+              </a:lnSpc>
+              <a:buFont typeface="Wingdings" pitchFamily="2" charset="2"/>
+              <a:buChar char="Ø"/>
+            </a:pPr>
+            <a:r>
+              <a:rPr lang="en-US" dirty="0"/>
+              <a:t>Logistic Regression Parameter – C, select best k</a:t>
+            </a:r>
+          </a:p>
+          <a:p>
+            <a:pPr marL="0" indent="0">
+              <a:buNone/>
+            </a:pPr>
+            <a:endParaRPr lang="en-US" dirty="0"/>
+          </a:p>
+        </p:txBody>
+      </p:sp>
     </p:spTree>
     <p:extLst>
       <p:ext uri="{BB962C8B-B14F-4D97-AF65-F5344CB8AC3E}">
-        <p14:creationId xmlns:p14="http://schemas.microsoft.com/office/powerpoint/2010/main" val="2497587768"/>
+        <p14:creationId xmlns:p14="http://schemas.microsoft.com/office/powerpoint/2010/main" val="4103298214"/>
       </p:ext>
     </p:extLst>
   </p:cSld>
   <p:clrMapOvr>
     <a:masterClrMapping/>
   </p:clrMapOvr>
-  <p:timing>
-    <p:tnLst>
-      <p:par>
-        <p:cTn id="1" dur="indefinite" restart="never" nodeType="tmRoot"/>
-      </p:par>
-    </p:tnLst>
-  </p:timing>
 </p:sld>
 </file>
 
-<file path=ppt/slides/slide6.xml><?xml version="1.0" encoding="utf-8"?>
+<file path=ppt/slides/slide13.xml><?xml version="1.0" encoding="utf-8"?>
+<p:sld xmlns:a="http://schemas.openxmlformats.org/drawingml/2006/main" xmlns:r="http://schemas.openxmlformats.org/officeDocument/2006/relationships" xmlns:p="http://schemas.openxmlformats.org/presentationml/2006/main">
+  <p:cSld>
+    <p:spTree>
+      <p:nvGrpSpPr>
+        <p:cNvPr id="1" name=""/>
+        <p:cNvGrpSpPr/>
+        <p:nvPr/>
+      </p:nvGrpSpPr>
+      <p:grpSpPr>
+        <a:xfrm>
+          <a:off x="0" y="0"/>
+          <a:ext cx="0" cy="0"/>
+          <a:chOff x="0" y="0"/>
+          <a:chExt cx="0" cy="0"/>
+        </a:xfrm>
+      </p:grpSpPr>
+      <p:sp>
+        <p:nvSpPr>
+          <p:cNvPr id="3" name="Title 2">
+            <a:extLst>
+              <a:ext uri="{FF2B5EF4-FFF2-40B4-BE49-F238E27FC236}">
+                <a16:creationId xmlns:a16="http://schemas.microsoft.com/office/drawing/2014/main" id="{589FBC09-5A84-45A9-B63B-5DEAA4BE7605}"/>
+              </a:ext>
+            </a:extLst>
+          </p:cNvPr>
+          <p:cNvSpPr>
+            <a:spLocks noGrp="1"/>
+          </p:cNvSpPr>
+          <p:nvPr>
+            <p:ph type="title"/>
+          </p:nvPr>
+        </p:nvSpPr>
+        <p:spPr>
+          <a:xfrm>
+            <a:off x="579863" y="808186"/>
+            <a:ext cx="7664137" cy="784910"/>
+          </a:xfrm>
+        </p:spPr>
+        <p:txBody>
+          <a:bodyPr/>
+          <a:lstStyle/>
+          <a:p>
+            <a:r>
+              <a:rPr lang="en-US" dirty="0"/>
+              <a:t>Model Cross Validation</a:t>
+            </a:r>
+          </a:p>
+        </p:txBody>
+      </p:sp>
+      <p:sp>
+        <p:nvSpPr>
+          <p:cNvPr id="5" name="Slide Number Placeholder 4">
+            <a:extLst>
+              <a:ext uri="{FF2B5EF4-FFF2-40B4-BE49-F238E27FC236}">
+                <a16:creationId xmlns:a16="http://schemas.microsoft.com/office/drawing/2014/main" id="{D3927B38-2109-4A32-9B61-7046301BA0E5}"/>
+              </a:ext>
+            </a:extLst>
+          </p:cNvPr>
+          <p:cNvSpPr>
+            <a:spLocks noGrp="1"/>
+          </p:cNvSpPr>
+          <p:nvPr>
+            <p:ph type="sldNum" sz="quarter" idx="11"/>
+          </p:nvPr>
+        </p:nvSpPr>
+        <p:spPr/>
+        <p:txBody>
+          <a:bodyPr/>
+          <a:lstStyle/>
+          <a:p>
+            <a:fld id="{EECC7194-A4D0-457B-9D3E-53681723AFF7}" type="slidenum">
+              <a:rPr lang="en-US" smtClean="0"/>
+              <a:pPr/>
+              <a:t>13</a:t>
+            </a:fld>
+            <a:endParaRPr lang="en-US" dirty="0"/>
+          </a:p>
+        </p:txBody>
+      </p:sp>
+      <p:sp>
+        <p:nvSpPr>
+          <p:cNvPr id="11" name="object 7" descr="Beige rectangle">
+            <a:extLst>
+              <a:ext uri="{FF2B5EF4-FFF2-40B4-BE49-F238E27FC236}">
+                <a16:creationId xmlns:a16="http://schemas.microsoft.com/office/drawing/2014/main" id="{0EF37AB9-30F5-41E6-9478-F4DEF99FA9B7}"/>
+              </a:ext>
+            </a:extLst>
+          </p:cNvPr>
+          <p:cNvSpPr/>
+          <p:nvPr/>
+        </p:nvSpPr>
+        <p:spPr bwMode="white">
+          <a:xfrm flipV="1">
+            <a:off x="639397" y="1681189"/>
+            <a:ext cx="3470764" cy="45719"/>
+          </a:xfrm>
+          <a:custGeom>
+            <a:avLst/>
+            <a:gdLst/>
+            <a:ahLst/>
+            <a:cxnLst/>
+            <a:rect l="l" t="t" r="r" b="b"/>
+            <a:pathLst>
+              <a:path w="3935729">
+                <a:moveTo>
+                  <a:pt x="0" y="0"/>
+                </a:moveTo>
+                <a:lnTo>
+                  <a:pt x="3935349" y="0"/>
+                </a:lnTo>
+              </a:path>
+            </a:pathLst>
+          </a:custGeom>
+          <a:ln w="54863">
+            <a:solidFill>
+              <a:schemeClr val="accent1"/>
+            </a:solidFill>
+          </a:ln>
+        </p:spPr>
+        <p:txBody>
+          <a:bodyPr wrap="square" lIns="0" tIns="0" rIns="0" bIns="0" rtlCol="0"/>
+          <a:lstStyle/>
+          <a:p>
+            <a:endParaRPr lang="en-US" dirty="0"/>
+          </a:p>
+        </p:txBody>
+      </p:sp>
+      <p:sp>
+        <p:nvSpPr>
+          <p:cNvPr id="4" name="Content Placeholder 3">
+            <a:extLst>
+              <a:ext uri="{FF2B5EF4-FFF2-40B4-BE49-F238E27FC236}">
+                <a16:creationId xmlns:a16="http://schemas.microsoft.com/office/drawing/2014/main" id="{8BC1B912-BF67-4948-9AF0-FB457779C80C}"/>
+              </a:ext>
+            </a:extLst>
+          </p:cNvPr>
+          <p:cNvSpPr>
+            <a:spLocks noGrp="1"/>
+          </p:cNvSpPr>
+          <p:nvPr>
+            <p:ph idx="1"/>
+          </p:nvPr>
+        </p:nvSpPr>
+        <p:spPr/>
+        <p:txBody>
+          <a:bodyPr/>
+          <a:lstStyle/>
+          <a:p>
+            <a:pPr>
+              <a:lnSpc>
+                <a:spcPct val="200000"/>
+              </a:lnSpc>
+              <a:buFont typeface="Wingdings" pitchFamily="2" charset="2"/>
+              <a:buChar char="Ø"/>
+            </a:pPr>
+            <a:r>
+              <a:rPr lang="en-US" dirty="0"/>
+              <a:t>Models a Tuned, Trained &amp; Cross-Validated using </a:t>
+            </a:r>
+            <a:r>
+              <a:rPr lang="en-US" dirty="0" err="1"/>
+              <a:t>GridSearchCV</a:t>
+            </a:r>
+            <a:endParaRPr lang="en-US" dirty="0"/>
+          </a:p>
+          <a:p>
+            <a:pPr>
+              <a:lnSpc>
+                <a:spcPct val="200000"/>
+              </a:lnSpc>
+              <a:buFont typeface="Wingdings" pitchFamily="2" charset="2"/>
+              <a:buChar char="Ø"/>
+            </a:pPr>
+            <a:r>
+              <a:rPr lang="en-US" dirty="0"/>
+              <a:t>RF is not Calibrated</a:t>
+            </a:r>
+          </a:p>
+          <a:p>
+            <a:pPr>
+              <a:lnSpc>
+                <a:spcPct val="200000"/>
+              </a:lnSpc>
+              <a:buFont typeface="Wingdings" pitchFamily="2" charset="2"/>
+              <a:buChar char="Ø"/>
+            </a:pPr>
+            <a:r>
+              <a:rPr lang="en-US" dirty="0"/>
+              <a:t>Future Plan is to Calibrate RF</a:t>
+            </a:r>
+          </a:p>
+          <a:p>
+            <a:pPr>
+              <a:lnSpc>
+                <a:spcPct val="200000"/>
+              </a:lnSpc>
+              <a:buFont typeface="Wingdings" pitchFamily="2" charset="2"/>
+              <a:buChar char="Ø"/>
+            </a:pPr>
+            <a:r>
+              <a:rPr lang="en-US" dirty="0"/>
+              <a:t>Selected RF based on Best Accuracy</a:t>
+            </a:r>
+          </a:p>
+          <a:p>
+            <a:pPr marL="0" indent="0">
+              <a:lnSpc>
+                <a:spcPct val="200000"/>
+              </a:lnSpc>
+              <a:buNone/>
+            </a:pPr>
+            <a:endParaRPr lang="en-US" dirty="0"/>
+          </a:p>
+          <a:p>
+            <a:pPr marL="0" indent="0">
+              <a:buNone/>
+            </a:pPr>
+            <a:endParaRPr lang="en-US" dirty="0"/>
+          </a:p>
+        </p:txBody>
+      </p:sp>
+      <p:graphicFrame>
+        <p:nvGraphicFramePr>
+          <p:cNvPr id="7" name="Table 6">
+            <a:extLst>
+              <a:ext uri="{FF2B5EF4-FFF2-40B4-BE49-F238E27FC236}">
+                <a16:creationId xmlns:a16="http://schemas.microsoft.com/office/drawing/2014/main" id="{97B84ACE-781A-3D43-BA1D-63E38000EA51}"/>
+              </a:ext>
+            </a:extLst>
+          </p:cNvPr>
+          <p:cNvGraphicFramePr>
+            <a:graphicFrameLocks noGrp="1"/>
+          </p:cNvGraphicFramePr>
+          <p:nvPr>
+            <p:extLst>
+              <p:ext uri="{D42A27DB-BD31-4B8C-83A1-F6EECF244321}">
+                <p14:modId xmlns:p14="http://schemas.microsoft.com/office/powerpoint/2010/main" val="874067836"/>
+              </p:ext>
+            </p:extLst>
+          </p:nvPr>
+        </p:nvGraphicFramePr>
+        <p:xfrm>
+          <a:off x="6096000" y="2528300"/>
+          <a:ext cx="3987801" cy="1558925"/>
+        </p:xfrm>
+        <a:graphic>
+          <a:graphicData uri="http://schemas.openxmlformats.org/drawingml/2006/table">
+            <a:tbl>
+              <a:tblPr>
+                <a:tableStyleId>{F2DE63D5-997A-4646-A377-4702673A728D}</a:tableStyleId>
+              </a:tblPr>
+              <a:tblGrid>
+                <a:gridCol w="827358">
+                  <a:extLst>
+                    <a:ext uri="{9D8B030D-6E8A-4147-A177-3AD203B41FA5}">
+                      <a16:colId xmlns:a16="http://schemas.microsoft.com/office/drawing/2014/main" val="1692523765"/>
+                    </a:ext>
+                  </a:extLst>
+                </a:gridCol>
+                <a:gridCol w="1816383">
+                  <a:extLst>
+                    <a:ext uri="{9D8B030D-6E8A-4147-A177-3AD203B41FA5}">
+                      <a16:colId xmlns:a16="http://schemas.microsoft.com/office/drawing/2014/main" val="1969227921"/>
+                    </a:ext>
+                  </a:extLst>
+                </a:gridCol>
+                <a:gridCol w="1344060">
+                  <a:extLst>
+                    <a:ext uri="{9D8B030D-6E8A-4147-A177-3AD203B41FA5}">
+                      <a16:colId xmlns:a16="http://schemas.microsoft.com/office/drawing/2014/main" val="165830152"/>
+                    </a:ext>
+                  </a:extLst>
+                </a:gridCol>
+              </a:tblGrid>
+              <a:tr h="203200">
+                <a:tc>
+                  <a:txBody>
+                    <a:bodyPr/>
+                    <a:lstStyle/>
+                    <a:p>
+                      <a:pPr algn="l" fontAlgn="b"/>
+                      <a:r>
+                        <a:rPr lang="en-US" sz="1200" u="none" strike="noStrike">
+                          <a:effectLst/>
+                        </a:rPr>
+                        <a:t>Model</a:t>
+                      </a:r>
+                      <a:endParaRPr lang="en-US" sz="1200" b="1" i="0" u="none" strike="noStrike">
+                        <a:solidFill>
+                          <a:srgbClr val="000000"/>
+                        </a:solidFill>
+                        <a:effectLst/>
+                        <a:latin typeface="Calibri" panose="020F0502020204030204" pitchFamily="34" charset="0"/>
+                      </a:endParaRPr>
+                    </a:p>
+                  </a:txBody>
+                  <a:tcPr marL="9525" marR="9525" marT="9525" marB="0" anchor="b"/>
+                </a:tc>
+                <a:tc>
+                  <a:txBody>
+                    <a:bodyPr/>
+                    <a:lstStyle/>
+                    <a:p>
+                      <a:pPr algn="l" fontAlgn="b"/>
+                      <a:r>
+                        <a:rPr lang="en-US" sz="1200" u="none" strike="noStrike">
+                          <a:effectLst/>
+                        </a:rPr>
+                        <a:t>Best Parameter</a:t>
+                      </a:r>
+                      <a:endParaRPr lang="en-US" sz="1200" b="1" i="0" u="none" strike="noStrike">
+                        <a:solidFill>
+                          <a:srgbClr val="000000"/>
+                        </a:solidFill>
+                        <a:effectLst/>
+                        <a:latin typeface="Calibri" panose="020F0502020204030204" pitchFamily="34" charset="0"/>
+                      </a:endParaRPr>
+                    </a:p>
+                  </a:txBody>
+                  <a:tcPr marL="9525" marR="9525" marT="9525" marB="0" anchor="b"/>
+                </a:tc>
+                <a:tc>
+                  <a:txBody>
+                    <a:bodyPr/>
+                    <a:lstStyle/>
+                    <a:p>
+                      <a:pPr algn="l" fontAlgn="b"/>
+                      <a:r>
+                        <a:rPr lang="en-US" sz="1200" u="none" strike="noStrike">
+                          <a:effectLst/>
+                        </a:rPr>
+                        <a:t>Accuracy</a:t>
+                      </a:r>
+                      <a:endParaRPr lang="en-US" sz="1200" b="1" i="0" u="none" strike="noStrike">
+                        <a:solidFill>
+                          <a:srgbClr val="000000"/>
+                        </a:solidFill>
+                        <a:effectLst/>
+                        <a:latin typeface="Calibri" panose="020F0502020204030204" pitchFamily="34" charset="0"/>
+                      </a:endParaRPr>
+                    </a:p>
+                  </a:txBody>
+                  <a:tcPr marL="9525" marR="9525" marT="9525" marB="0" anchor="b"/>
+                </a:tc>
+                <a:extLst>
+                  <a:ext uri="{0D108BD9-81ED-4DB2-BD59-A6C34878D82A}">
+                    <a16:rowId xmlns:a16="http://schemas.microsoft.com/office/drawing/2014/main" val="2114623573"/>
+                  </a:ext>
+                </a:extLst>
+              </a:tr>
+              <a:tr h="863600">
+                <a:tc>
+                  <a:txBody>
+                    <a:bodyPr/>
+                    <a:lstStyle/>
+                    <a:p>
+                      <a:pPr algn="l" fontAlgn="t"/>
+                      <a:r>
+                        <a:rPr lang="en-US" sz="1200" u="none" strike="noStrike">
+                          <a:effectLst/>
+                        </a:rPr>
+                        <a:t>RF</a:t>
+                      </a:r>
+                      <a:endParaRPr lang="en-US" sz="1200" b="0" i="0" u="none" strike="noStrike">
+                        <a:solidFill>
+                          <a:srgbClr val="000000"/>
+                        </a:solidFill>
+                        <a:effectLst/>
+                        <a:latin typeface="Calibri" panose="020F0502020204030204" pitchFamily="34" charset="0"/>
+                      </a:endParaRPr>
+                    </a:p>
+                  </a:txBody>
+                  <a:tcPr marL="9525" marR="9525" marT="9525" marB="0"/>
+                </a:tc>
+                <a:tc>
+                  <a:txBody>
+                    <a:bodyPr/>
+                    <a:lstStyle/>
+                    <a:p>
+                      <a:pPr algn="l" fontAlgn="b"/>
+                      <a:r>
+                        <a:rPr lang="en-US" sz="1200" u="none" strike="noStrike">
+                          <a:effectLst/>
+                        </a:rPr>
+                        <a:t>rf__class_weight: balanced</a:t>
+                      </a:r>
+                      <a:br>
+                        <a:rPr lang="en-US" sz="1200" u="none" strike="noStrike">
+                          <a:effectLst/>
+                        </a:rPr>
+                      </a:br>
+                      <a:r>
+                        <a:rPr lang="en-US" sz="1200" u="none" strike="noStrike">
+                          <a:effectLst/>
+                        </a:rPr>
+                        <a:t>rf__max_depth: 6</a:t>
+                      </a:r>
+                      <a:br>
+                        <a:rPr lang="en-US" sz="1200" u="none" strike="noStrike">
+                          <a:effectLst/>
+                        </a:rPr>
+                      </a:br>
+                      <a:r>
+                        <a:rPr lang="en-US" sz="1200" u="none" strike="noStrike">
+                          <a:effectLst/>
+                        </a:rPr>
+                        <a:t>rf__max_features: sqrt</a:t>
+                      </a:r>
+                      <a:br>
+                        <a:rPr lang="en-US" sz="1200" u="none" strike="noStrike">
+                          <a:effectLst/>
+                        </a:rPr>
+                      </a:br>
+                      <a:r>
+                        <a:rPr lang="en-US" sz="1200" u="none" strike="noStrike">
+                          <a:effectLst/>
+                        </a:rPr>
+                        <a:t>rf__n_estimators: 100</a:t>
+                      </a:r>
+                      <a:endParaRPr lang="en-US" sz="1200" b="0" i="0" u="none" strike="noStrike">
+                        <a:solidFill>
+                          <a:srgbClr val="000000"/>
+                        </a:solidFill>
+                        <a:effectLst/>
+                        <a:latin typeface="Calibri" panose="020F0502020204030204" pitchFamily="34" charset="0"/>
+                      </a:endParaRPr>
+                    </a:p>
+                  </a:txBody>
+                  <a:tcPr marL="9525" marR="9525" marT="9525" marB="0" anchor="b"/>
+                </a:tc>
+                <a:tc>
+                  <a:txBody>
+                    <a:bodyPr/>
+                    <a:lstStyle/>
+                    <a:p>
+                      <a:pPr algn="l" fontAlgn="t"/>
+                      <a:r>
+                        <a:rPr lang="en-US" sz="1200" u="none" strike="noStrike">
+                          <a:effectLst/>
+                        </a:rPr>
+                        <a:t>0.964</a:t>
+                      </a:r>
+                      <a:endParaRPr lang="en-US" sz="1200" b="0" i="0" u="none" strike="noStrike">
+                        <a:solidFill>
+                          <a:srgbClr val="000000"/>
+                        </a:solidFill>
+                        <a:effectLst/>
+                        <a:latin typeface="Calibri" panose="020F0502020204030204" pitchFamily="34" charset="0"/>
+                      </a:endParaRPr>
+                    </a:p>
+                  </a:txBody>
+                  <a:tcPr marL="9525" marR="9525" marT="9525" marB="0"/>
+                </a:tc>
+                <a:extLst>
+                  <a:ext uri="{0D108BD9-81ED-4DB2-BD59-A6C34878D82A}">
+                    <a16:rowId xmlns:a16="http://schemas.microsoft.com/office/drawing/2014/main" val="3270784716"/>
+                  </a:ext>
+                </a:extLst>
+              </a:tr>
+              <a:tr h="431800">
+                <a:tc>
+                  <a:txBody>
+                    <a:bodyPr/>
+                    <a:lstStyle/>
+                    <a:p>
+                      <a:pPr algn="l" fontAlgn="t"/>
+                      <a:r>
+                        <a:rPr lang="en-US" sz="1200" u="none" strike="noStrike">
+                          <a:effectLst/>
+                        </a:rPr>
+                        <a:t>LR</a:t>
+                      </a:r>
+                      <a:endParaRPr lang="en-US" sz="1200" b="0" i="0" u="none" strike="noStrike">
+                        <a:solidFill>
+                          <a:srgbClr val="000000"/>
+                        </a:solidFill>
+                        <a:effectLst/>
+                        <a:latin typeface="Calibri" panose="020F0502020204030204" pitchFamily="34" charset="0"/>
+                      </a:endParaRPr>
+                    </a:p>
+                  </a:txBody>
+                  <a:tcPr marL="9525" marR="9525" marT="9525" marB="0"/>
+                </a:tc>
+                <a:tc>
+                  <a:txBody>
+                    <a:bodyPr/>
+                    <a:lstStyle/>
+                    <a:p>
+                      <a:pPr algn="l" fontAlgn="b"/>
+                      <a:r>
+                        <a:rPr lang="en-US" sz="1200" u="none" strike="noStrike">
+                          <a:effectLst/>
+                        </a:rPr>
+                        <a:t>logistic__C: 10.0</a:t>
+                      </a:r>
+                      <a:br>
+                        <a:rPr lang="en-US" sz="1200" u="none" strike="noStrike">
+                          <a:effectLst/>
+                        </a:rPr>
+                      </a:br>
+                      <a:r>
+                        <a:rPr lang="en-US" sz="1200" u="none" strike="noStrike">
+                          <a:effectLst/>
+                        </a:rPr>
+                        <a:t>select_best__k: all</a:t>
+                      </a:r>
+                      <a:endParaRPr lang="en-US" sz="1200" b="0" i="0" u="none" strike="noStrike">
+                        <a:solidFill>
+                          <a:srgbClr val="000000"/>
+                        </a:solidFill>
+                        <a:effectLst/>
+                        <a:latin typeface="Calibri" panose="020F0502020204030204" pitchFamily="34" charset="0"/>
+                      </a:endParaRPr>
+                    </a:p>
+                  </a:txBody>
+                  <a:tcPr marL="9525" marR="9525" marT="9525" marB="0" anchor="b"/>
+                </a:tc>
+                <a:tc>
+                  <a:txBody>
+                    <a:bodyPr/>
+                    <a:lstStyle/>
+                    <a:p>
+                      <a:pPr algn="l" fontAlgn="t"/>
+                      <a:r>
+                        <a:rPr lang="en-US" sz="1200" u="none" strike="noStrike" dirty="0">
+                          <a:effectLst/>
+                        </a:rPr>
+                        <a:t>0.962</a:t>
+                      </a:r>
+                      <a:endParaRPr lang="en-US" sz="1200" b="0" i="0" u="none" strike="noStrike" dirty="0">
+                        <a:solidFill>
+                          <a:srgbClr val="000000"/>
+                        </a:solidFill>
+                        <a:effectLst/>
+                        <a:latin typeface="Calibri" panose="020F0502020204030204" pitchFamily="34" charset="0"/>
+                      </a:endParaRPr>
+                    </a:p>
+                  </a:txBody>
+                  <a:tcPr marL="9525" marR="9525" marT="9525" marB="0"/>
+                </a:tc>
+                <a:extLst>
+                  <a:ext uri="{0D108BD9-81ED-4DB2-BD59-A6C34878D82A}">
+                    <a16:rowId xmlns:a16="http://schemas.microsoft.com/office/drawing/2014/main" val="260883763"/>
+                  </a:ext>
+                </a:extLst>
+              </a:tr>
+            </a:tbl>
+          </a:graphicData>
+        </a:graphic>
+      </p:graphicFrame>
+    </p:spTree>
+    <p:extLst>
+      <p:ext uri="{BB962C8B-B14F-4D97-AF65-F5344CB8AC3E}">
+        <p14:creationId xmlns:p14="http://schemas.microsoft.com/office/powerpoint/2010/main" val="808452520"/>
+      </p:ext>
+    </p:extLst>
+  </p:cSld>
+  <p:clrMapOvr>
+    <a:masterClrMapping/>
+  </p:clrMapOvr>
+</p:sld>
+</file>
+
+<file path=ppt/slides/slide14.xml><?xml version="1.0" encoding="utf-8"?>
+<p:sld xmlns:a="http://schemas.openxmlformats.org/drawingml/2006/main" xmlns:r="http://schemas.openxmlformats.org/officeDocument/2006/relationships" xmlns:p="http://schemas.openxmlformats.org/presentationml/2006/main">
+  <p:cSld>
+    <p:spTree>
+      <p:nvGrpSpPr>
+        <p:cNvPr id="1" name=""/>
+        <p:cNvGrpSpPr/>
+        <p:nvPr/>
+      </p:nvGrpSpPr>
+      <p:grpSpPr>
+        <a:xfrm>
+          <a:off x="0" y="0"/>
+          <a:ext cx="0" cy="0"/>
+          <a:chOff x="0" y="0"/>
+          <a:chExt cx="0" cy="0"/>
+        </a:xfrm>
+      </p:grpSpPr>
+      <p:sp>
+        <p:nvSpPr>
+          <p:cNvPr id="3" name="Title 2">
+            <a:extLst>
+              <a:ext uri="{FF2B5EF4-FFF2-40B4-BE49-F238E27FC236}">
+                <a16:creationId xmlns:a16="http://schemas.microsoft.com/office/drawing/2014/main" id="{589FBC09-5A84-45A9-B63B-5DEAA4BE7605}"/>
+              </a:ext>
+            </a:extLst>
+          </p:cNvPr>
+          <p:cNvSpPr>
+            <a:spLocks noGrp="1"/>
+          </p:cNvSpPr>
+          <p:nvPr>
+            <p:ph type="title"/>
+          </p:nvPr>
+        </p:nvSpPr>
+        <p:spPr>
+          <a:xfrm>
+            <a:off x="579863" y="808186"/>
+            <a:ext cx="7664137" cy="784910"/>
+          </a:xfrm>
+        </p:spPr>
+        <p:txBody>
+          <a:bodyPr/>
+          <a:lstStyle/>
+          <a:p>
+            <a:r>
+              <a:rPr lang="en-US" dirty="0"/>
+              <a:t>Model Test</a:t>
+            </a:r>
+          </a:p>
+        </p:txBody>
+      </p:sp>
+      <p:sp>
+        <p:nvSpPr>
+          <p:cNvPr id="5" name="Slide Number Placeholder 4">
+            <a:extLst>
+              <a:ext uri="{FF2B5EF4-FFF2-40B4-BE49-F238E27FC236}">
+                <a16:creationId xmlns:a16="http://schemas.microsoft.com/office/drawing/2014/main" id="{D3927B38-2109-4A32-9B61-7046301BA0E5}"/>
+              </a:ext>
+            </a:extLst>
+          </p:cNvPr>
+          <p:cNvSpPr>
+            <a:spLocks noGrp="1"/>
+          </p:cNvSpPr>
+          <p:nvPr>
+            <p:ph type="sldNum" sz="quarter" idx="11"/>
+          </p:nvPr>
+        </p:nvSpPr>
+        <p:spPr/>
+        <p:txBody>
+          <a:bodyPr/>
+          <a:lstStyle/>
+          <a:p>
+            <a:fld id="{EECC7194-A4D0-457B-9D3E-53681723AFF7}" type="slidenum">
+              <a:rPr lang="en-US" smtClean="0"/>
+              <a:pPr/>
+              <a:t>14</a:t>
+            </a:fld>
+            <a:endParaRPr lang="en-US" dirty="0"/>
+          </a:p>
+        </p:txBody>
+      </p:sp>
+      <p:sp>
+        <p:nvSpPr>
+          <p:cNvPr id="11" name="object 7" descr="Beige rectangle">
+            <a:extLst>
+              <a:ext uri="{FF2B5EF4-FFF2-40B4-BE49-F238E27FC236}">
+                <a16:creationId xmlns:a16="http://schemas.microsoft.com/office/drawing/2014/main" id="{0EF37AB9-30F5-41E6-9478-F4DEF99FA9B7}"/>
+              </a:ext>
+            </a:extLst>
+          </p:cNvPr>
+          <p:cNvSpPr/>
+          <p:nvPr/>
+        </p:nvSpPr>
+        <p:spPr bwMode="white">
+          <a:xfrm flipV="1">
+            <a:off x="639397" y="1681189"/>
+            <a:ext cx="3470764" cy="45719"/>
+          </a:xfrm>
+          <a:custGeom>
+            <a:avLst/>
+            <a:gdLst/>
+            <a:ahLst/>
+            <a:cxnLst/>
+            <a:rect l="l" t="t" r="r" b="b"/>
+            <a:pathLst>
+              <a:path w="3935729">
+                <a:moveTo>
+                  <a:pt x="0" y="0"/>
+                </a:moveTo>
+                <a:lnTo>
+                  <a:pt x="3935349" y="0"/>
+                </a:lnTo>
+              </a:path>
+            </a:pathLst>
+          </a:custGeom>
+          <a:ln w="54863">
+            <a:solidFill>
+              <a:schemeClr val="accent1"/>
+            </a:solidFill>
+          </a:ln>
+        </p:spPr>
+        <p:txBody>
+          <a:bodyPr wrap="square" lIns="0" tIns="0" rIns="0" bIns="0" rtlCol="0"/>
+          <a:lstStyle/>
+          <a:p>
+            <a:endParaRPr lang="en-US" dirty="0"/>
+          </a:p>
+        </p:txBody>
+      </p:sp>
+      <p:sp>
+        <p:nvSpPr>
+          <p:cNvPr id="4" name="Content Placeholder 3">
+            <a:extLst>
+              <a:ext uri="{FF2B5EF4-FFF2-40B4-BE49-F238E27FC236}">
+                <a16:creationId xmlns:a16="http://schemas.microsoft.com/office/drawing/2014/main" id="{8BC1B912-BF67-4948-9AF0-FB457779C80C}"/>
+              </a:ext>
+            </a:extLst>
+          </p:cNvPr>
+          <p:cNvSpPr>
+            <a:spLocks noGrp="1"/>
+          </p:cNvSpPr>
+          <p:nvPr>
+            <p:ph idx="1"/>
+          </p:nvPr>
+        </p:nvSpPr>
+        <p:spPr/>
+        <p:txBody>
+          <a:bodyPr/>
+          <a:lstStyle/>
+          <a:p>
+            <a:pPr>
+              <a:lnSpc>
+                <a:spcPct val="200000"/>
+              </a:lnSpc>
+              <a:buFont typeface="Wingdings" pitchFamily="2" charset="2"/>
+              <a:buChar char="Ø"/>
+            </a:pPr>
+            <a:endParaRPr lang="en-US" dirty="0"/>
+          </a:p>
+          <a:p>
+            <a:pPr marL="0" indent="0">
+              <a:lnSpc>
+                <a:spcPct val="200000"/>
+              </a:lnSpc>
+              <a:buNone/>
+            </a:pPr>
+            <a:endParaRPr lang="en-US" dirty="0"/>
+          </a:p>
+          <a:p>
+            <a:pPr marL="0" indent="0">
+              <a:buNone/>
+            </a:pPr>
+            <a:endParaRPr lang="en-US" dirty="0"/>
+          </a:p>
+          <a:p>
+            <a:pPr marL="0" indent="0">
+              <a:buNone/>
+            </a:pPr>
+            <a:r>
+              <a:rPr lang="en-US" dirty="0"/>
+              <a:t>Random Forest Confusion Matrix:</a:t>
+            </a:r>
+          </a:p>
+          <a:p>
+            <a:pPr marL="0" indent="0">
+              <a:buNone/>
+            </a:pPr>
+            <a:endParaRPr lang="en-US" dirty="0"/>
+          </a:p>
+          <a:p>
+            <a:pPr marL="0" indent="0">
+              <a:buNone/>
+            </a:pPr>
+            <a:endParaRPr lang="en-US" dirty="0"/>
+          </a:p>
+          <a:p>
+            <a:pPr marL="0" indent="0">
+              <a:buNone/>
+            </a:pPr>
+            <a:r>
+              <a:rPr lang="en-US" dirty="0"/>
+              <a:t>Logistic Regression Confusion Matrix:</a:t>
+            </a:r>
+          </a:p>
+          <a:p>
+            <a:pPr marL="0" indent="0">
+              <a:buNone/>
+            </a:pPr>
+            <a:endParaRPr lang="en-US" dirty="0"/>
+          </a:p>
+        </p:txBody>
+      </p:sp>
+      <p:graphicFrame>
+        <p:nvGraphicFramePr>
+          <p:cNvPr id="7" name="Table 6">
+            <a:extLst>
+              <a:ext uri="{FF2B5EF4-FFF2-40B4-BE49-F238E27FC236}">
+                <a16:creationId xmlns:a16="http://schemas.microsoft.com/office/drawing/2014/main" id="{0163FAF2-F10B-2241-B624-B8D154A74A4A}"/>
+              </a:ext>
+            </a:extLst>
+          </p:cNvPr>
+          <p:cNvGraphicFramePr>
+            <a:graphicFrameLocks noGrp="1"/>
+          </p:cNvGraphicFramePr>
+          <p:nvPr>
+            <p:extLst>
+              <p:ext uri="{D42A27DB-BD31-4B8C-83A1-F6EECF244321}">
+                <p14:modId xmlns:p14="http://schemas.microsoft.com/office/powerpoint/2010/main" val="3179973579"/>
+              </p:ext>
+            </p:extLst>
+          </p:nvPr>
+        </p:nvGraphicFramePr>
+        <p:xfrm>
+          <a:off x="655910" y="2040674"/>
+          <a:ext cx="4406745" cy="862430"/>
+        </p:xfrm>
+        <a:graphic>
+          <a:graphicData uri="http://schemas.openxmlformats.org/drawingml/2006/table">
+            <a:tbl>
+              <a:tblPr>
+                <a:tableStyleId>{F2DE63D5-997A-4646-A377-4702673A728D}</a:tableStyleId>
+              </a:tblPr>
+              <a:tblGrid>
+                <a:gridCol w="1127045">
+                  <a:extLst>
+                    <a:ext uri="{9D8B030D-6E8A-4147-A177-3AD203B41FA5}">
+                      <a16:colId xmlns:a16="http://schemas.microsoft.com/office/drawing/2014/main" val="1845417047"/>
+                    </a:ext>
+                  </a:extLst>
+                </a:gridCol>
+                <a:gridCol w="1476428">
+                  <a:extLst>
+                    <a:ext uri="{9D8B030D-6E8A-4147-A177-3AD203B41FA5}">
+                      <a16:colId xmlns:a16="http://schemas.microsoft.com/office/drawing/2014/main" val="2064532018"/>
+                    </a:ext>
+                  </a:extLst>
+                </a:gridCol>
+                <a:gridCol w="1803272">
+                  <a:extLst>
+                    <a:ext uri="{9D8B030D-6E8A-4147-A177-3AD203B41FA5}">
+                      <a16:colId xmlns:a16="http://schemas.microsoft.com/office/drawing/2014/main" val="2601391775"/>
+                    </a:ext>
+                  </a:extLst>
+                </a:gridCol>
+              </a:tblGrid>
+              <a:tr h="446488">
+                <a:tc>
+                  <a:txBody>
+                    <a:bodyPr/>
+                    <a:lstStyle/>
+                    <a:p>
+                      <a:pPr algn="l" fontAlgn="b"/>
+                      <a:r>
+                        <a:rPr lang="en-US" sz="1100" u="none" strike="noStrike">
+                          <a:effectLst/>
+                        </a:rPr>
+                        <a:t> </a:t>
+                      </a:r>
+                      <a:endParaRPr lang="en-US" sz="1100" b="0" i="0" u="none" strike="noStrike">
+                        <a:solidFill>
+                          <a:srgbClr val="000000"/>
+                        </a:solidFill>
+                        <a:effectLst/>
+                        <a:latin typeface="Calibri" panose="020F0502020204030204" pitchFamily="34" charset="0"/>
+                      </a:endParaRPr>
+                    </a:p>
+                  </a:txBody>
+                  <a:tcPr marL="9525" marR="9525" marT="9525" marB="0" anchor="b"/>
+                </a:tc>
+                <a:tc>
+                  <a:txBody>
+                    <a:bodyPr/>
+                    <a:lstStyle/>
+                    <a:p>
+                      <a:pPr algn="l" fontAlgn="b"/>
+                      <a:r>
+                        <a:rPr lang="en-US" sz="1400" u="none" strike="noStrike">
+                          <a:effectLst/>
+                        </a:rPr>
+                        <a:t>Random Forest</a:t>
+                      </a:r>
+                      <a:endParaRPr lang="en-US" sz="1400" b="1" i="0" u="none" strike="noStrike">
+                        <a:solidFill>
+                          <a:srgbClr val="000000"/>
+                        </a:solidFill>
+                        <a:effectLst/>
+                        <a:latin typeface="Calibri" panose="020F0502020204030204" pitchFamily="34" charset="0"/>
+                      </a:endParaRPr>
+                    </a:p>
+                  </a:txBody>
+                  <a:tcPr marL="9525" marR="9525" marT="9525" marB="0" anchor="b"/>
+                </a:tc>
+                <a:tc>
+                  <a:txBody>
+                    <a:bodyPr/>
+                    <a:lstStyle/>
+                    <a:p>
+                      <a:pPr algn="l" fontAlgn="b"/>
+                      <a:r>
+                        <a:rPr lang="en-US" sz="1400" u="none" strike="noStrike">
+                          <a:effectLst/>
+                        </a:rPr>
+                        <a:t>Logistic Regression</a:t>
+                      </a:r>
+                      <a:endParaRPr lang="en-US" sz="1400" b="1" i="0" u="none" strike="noStrike">
+                        <a:solidFill>
+                          <a:srgbClr val="000000"/>
+                        </a:solidFill>
+                        <a:effectLst/>
+                        <a:latin typeface="Calibri" panose="020F0502020204030204" pitchFamily="34" charset="0"/>
+                      </a:endParaRPr>
+                    </a:p>
+                  </a:txBody>
+                  <a:tcPr marL="9525" marR="9525" marT="9525" marB="0" anchor="b"/>
+                </a:tc>
+                <a:extLst>
+                  <a:ext uri="{0D108BD9-81ED-4DB2-BD59-A6C34878D82A}">
+                    <a16:rowId xmlns:a16="http://schemas.microsoft.com/office/drawing/2014/main" val="3482234250"/>
+                  </a:ext>
+                </a:extLst>
+              </a:tr>
+              <a:tr h="207971">
+                <a:tc>
+                  <a:txBody>
+                    <a:bodyPr/>
+                    <a:lstStyle/>
+                    <a:p>
+                      <a:pPr algn="l" fontAlgn="b"/>
+                      <a:r>
+                        <a:rPr lang="en-US" sz="1200" u="none" strike="noStrike">
+                          <a:effectLst/>
+                        </a:rPr>
+                        <a:t>Accuracy</a:t>
+                      </a:r>
+                      <a:endParaRPr lang="en-US" sz="1200" b="1" i="0" u="none" strike="noStrike">
+                        <a:solidFill>
+                          <a:srgbClr val="000000"/>
+                        </a:solidFill>
+                        <a:effectLst/>
+                        <a:latin typeface="Calibri" panose="020F0502020204030204" pitchFamily="34" charset="0"/>
+                      </a:endParaRPr>
+                    </a:p>
+                  </a:txBody>
+                  <a:tcPr marL="9525" marR="9525" marT="9525" marB="0" anchor="b"/>
+                </a:tc>
+                <a:tc>
+                  <a:txBody>
+                    <a:bodyPr/>
+                    <a:lstStyle/>
+                    <a:p>
+                      <a:pPr algn="l" fontAlgn="b"/>
+                      <a:r>
+                        <a:rPr lang="en-US" sz="1100" u="none" strike="noStrike" dirty="0">
+                          <a:effectLst/>
+                        </a:rPr>
+                        <a:t>0.958</a:t>
+                      </a:r>
+                      <a:endParaRPr lang="en-US" sz="1100" b="0" i="0" u="none" strike="noStrike" dirty="0">
+                        <a:solidFill>
+                          <a:srgbClr val="000000"/>
+                        </a:solidFill>
+                        <a:effectLst/>
+                        <a:latin typeface="Calibri" panose="020F0502020204030204" pitchFamily="34" charset="0"/>
+                      </a:endParaRPr>
+                    </a:p>
+                  </a:txBody>
+                  <a:tcPr marL="9525" marR="9525" marT="9525" marB="0" anchor="b"/>
+                </a:tc>
+                <a:tc>
+                  <a:txBody>
+                    <a:bodyPr/>
+                    <a:lstStyle/>
+                    <a:p>
+                      <a:pPr algn="l" fontAlgn="b"/>
+                      <a:r>
+                        <a:rPr lang="en-US" sz="1100" u="none" strike="noStrike">
+                          <a:effectLst/>
+                        </a:rPr>
+                        <a:t>0.93</a:t>
+                      </a:r>
+                      <a:endParaRPr lang="en-US" sz="1100" b="0" i="0" u="none" strike="noStrike">
+                        <a:solidFill>
+                          <a:srgbClr val="000000"/>
+                        </a:solidFill>
+                        <a:effectLst/>
+                        <a:latin typeface="Calibri" panose="020F0502020204030204" pitchFamily="34" charset="0"/>
+                      </a:endParaRPr>
+                    </a:p>
+                  </a:txBody>
+                  <a:tcPr marL="9525" marR="9525" marT="9525" marB="0" anchor="b"/>
+                </a:tc>
+                <a:extLst>
+                  <a:ext uri="{0D108BD9-81ED-4DB2-BD59-A6C34878D82A}">
+                    <a16:rowId xmlns:a16="http://schemas.microsoft.com/office/drawing/2014/main" val="1573136604"/>
+                  </a:ext>
+                </a:extLst>
+              </a:tr>
+              <a:tr h="207971">
+                <a:tc>
+                  <a:txBody>
+                    <a:bodyPr/>
+                    <a:lstStyle/>
+                    <a:p>
+                      <a:pPr algn="l" fontAlgn="b"/>
+                      <a:r>
+                        <a:rPr lang="en-US" sz="1200" u="none" strike="noStrike">
+                          <a:effectLst/>
+                        </a:rPr>
+                        <a:t>F1-Score</a:t>
+                      </a:r>
+                      <a:endParaRPr lang="en-US" sz="1200" b="1" i="0" u="none" strike="noStrike">
+                        <a:solidFill>
+                          <a:srgbClr val="000000"/>
+                        </a:solidFill>
+                        <a:effectLst/>
+                        <a:latin typeface="Calibri" panose="020F0502020204030204" pitchFamily="34" charset="0"/>
+                      </a:endParaRPr>
+                    </a:p>
+                  </a:txBody>
+                  <a:tcPr marL="9525" marR="9525" marT="9525" marB="0" anchor="b"/>
+                </a:tc>
+                <a:tc>
+                  <a:txBody>
+                    <a:bodyPr/>
+                    <a:lstStyle/>
+                    <a:p>
+                      <a:pPr algn="l" fontAlgn="b"/>
+                      <a:r>
+                        <a:rPr lang="en-US" sz="1100" u="none" strike="noStrike">
+                          <a:effectLst/>
+                        </a:rPr>
+                        <a:t>0.944</a:t>
+                      </a:r>
+                      <a:endParaRPr lang="en-US" sz="1100" b="0" i="0" u="none" strike="noStrike">
+                        <a:solidFill>
+                          <a:srgbClr val="000000"/>
+                        </a:solidFill>
+                        <a:effectLst/>
+                        <a:latin typeface="Calibri" panose="020F0502020204030204" pitchFamily="34" charset="0"/>
+                      </a:endParaRPr>
+                    </a:p>
+                  </a:txBody>
+                  <a:tcPr marL="9525" marR="9525" marT="9525" marB="0" anchor="b"/>
+                </a:tc>
+                <a:tc>
+                  <a:txBody>
+                    <a:bodyPr/>
+                    <a:lstStyle/>
+                    <a:p>
+                      <a:pPr algn="l" fontAlgn="b"/>
+                      <a:r>
+                        <a:rPr lang="en-US" sz="1100" u="none" strike="noStrike" dirty="0">
+                          <a:effectLst/>
+                        </a:rPr>
+                        <a:t>0.907</a:t>
+                      </a:r>
+                      <a:endParaRPr lang="en-US" sz="1100" b="0" i="0" u="none" strike="noStrike" dirty="0">
+                        <a:solidFill>
+                          <a:srgbClr val="000000"/>
+                        </a:solidFill>
+                        <a:effectLst/>
+                        <a:latin typeface="Calibri" panose="020F0502020204030204" pitchFamily="34" charset="0"/>
+                      </a:endParaRPr>
+                    </a:p>
+                  </a:txBody>
+                  <a:tcPr marL="9525" marR="9525" marT="9525" marB="0" anchor="b"/>
+                </a:tc>
+                <a:extLst>
+                  <a:ext uri="{0D108BD9-81ED-4DB2-BD59-A6C34878D82A}">
+                    <a16:rowId xmlns:a16="http://schemas.microsoft.com/office/drawing/2014/main" val="76225074"/>
+                  </a:ext>
+                </a:extLst>
+              </a:tr>
+            </a:tbl>
+          </a:graphicData>
+        </a:graphic>
+      </p:graphicFrame>
+      <p:graphicFrame>
+        <p:nvGraphicFramePr>
+          <p:cNvPr id="8" name="Table 7">
+            <a:extLst>
+              <a:ext uri="{FF2B5EF4-FFF2-40B4-BE49-F238E27FC236}">
+                <a16:creationId xmlns:a16="http://schemas.microsoft.com/office/drawing/2014/main" id="{EF4AAE64-51F7-B84A-ABA8-669B820731A4}"/>
+              </a:ext>
+            </a:extLst>
+          </p:cNvPr>
+          <p:cNvGraphicFramePr>
+            <a:graphicFrameLocks noGrp="1"/>
+          </p:cNvGraphicFramePr>
+          <p:nvPr>
+            <p:extLst>
+              <p:ext uri="{D42A27DB-BD31-4B8C-83A1-F6EECF244321}">
+                <p14:modId xmlns:p14="http://schemas.microsoft.com/office/powerpoint/2010/main" val="2760527875"/>
+              </p:ext>
+            </p:extLst>
+          </p:nvPr>
+        </p:nvGraphicFramePr>
+        <p:xfrm>
+          <a:off x="713675" y="3813712"/>
+          <a:ext cx="2349500" cy="406400"/>
+        </p:xfrm>
+        <a:graphic>
+          <a:graphicData uri="http://schemas.openxmlformats.org/drawingml/2006/table">
+            <a:tbl>
+              <a:tblPr>
+                <a:tableStyleId>{F2DE63D5-997A-4646-A377-4702673A728D}</a:tableStyleId>
+              </a:tblPr>
+              <a:tblGrid>
+                <a:gridCol w="1521943">
+                  <a:extLst>
+                    <a:ext uri="{9D8B030D-6E8A-4147-A177-3AD203B41FA5}">
+                      <a16:colId xmlns:a16="http://schemas.microsoft.com/office/drawing/2014/main" val="4256541271"/>
+                    </a:ext>
+                  </a:extLst>
+                </a:gridCol>
+                <a:gridCol w="827557">
+                  <a:extLst>
+                    <a:ext uri="{9D8B030D-6E8A-4147-A177-3AD203B41FA5}">
+                      <a16:colId xmlns:a16="http://schemas.microsoft.com/office/drawing/2014/main" val="447370926"/>
+                    </a:ext>
+                  </a:extLst>
+                </a:gridCol>
+              </a:tblGrid>
+              <a:tr h="203200">
+                <a:tc>
+                  <a:txBody>
+                    <a:bodyPr/>
+                    <a:lstStyle/>
+                    <a:p>
+                      <a:pPr algn="l" fontAlgn="b"/>
+                      <a:r>
+                        <a:rPr lang="en-US" sz="1200" u="none" strike="noStrike">
+                          <a:effectLst/>
+                        </a:rPr>
+                        <a:t>TP: 86</a:t>
+                      </a:r>
+                      <a:endParaRPr lang="en-US" sz="1200" b="0" i="0" u="none" strike="noStrike">
+                        <a:solidFill>
+                          <a:srgbClr val="000000"/>
+                        </a:solidFill>
+                        <a:effectLst/>
+                        <a:latin typeface="Calibri" panose="020F0502020204030204" pitchFamily="34" charset="0"/>
+                      </a:endParaRPr>
+                    </a:p>
+                  </a:txBody>
+                  <a:tcPr marL="9525" marR="9525" marT="9525" marB="0" anchor="b"/>
+                </a:tc>
+                <a:tc>
+                  <a:txBody>
+                    <a:bodyPr/>
+                    <a:lstStyle/>
+                    <a:p>
+                      <a:pPr algn="l" fontAlgn="b"/>
+                      <a:r>
+                        <a:rPr lang="en-US" sz="1200" u="none" strike="noStrike" dirty="0">
+                          <a:effectLst/>
+                        </a:rPr>
+                        <a:t>TN: 4</a:t>
+                      </a:r>
+                      <a:endParaRPr lang="en-US" sz="1200" b="0" i="0" u="none" strike="noStrike" dirty="0">
+                        <a:solidFill>
+                          <a:srgbClr val="000000"/>
+                        </a:solidFill>
+                        <a:effectLst/>
+                        <a:latin typeface="Calibri" panose="020F0502020204030204" pitchFamily="34" charset="0"/>
+                      </a:endParaRPr>
+                    </a:p>
+                  </a:txBody>
+                  <a:tcPr marL="9525" marR="9525" marT="9525" marB="0" anchor="b"/>
+                </a:tc>
+                <a:extLst>
+                  <a:ext uri="{0D108BD9-81ED-4DB2-BD59-A6C34878D82A}">
+                    <a16:rowId xmlns:a16="http://schemas.microsoft.com/office/drawing/2014/main" val="3246610778"/>
+                  </a:ext>
+                </a:extLst>
+              </a:tr>
+              <a:tr h="203200">
+                <a:tc>
+                  <a:txBody>
+                    <a:bodyPr/>
+                    <a:lstStyle/>
+                    <a:p>
+                      <a:pPr algn="l" fontAlgn="b"/>
+                      <a:r>
+                        <a:rPr lang="en-US" sz="1200" u="none" strike="noStrike" dirty="0">
+                          <a:effectLst/>
+                        </a:rPr>
+                        <a:t>FP: 2</a:t>
+                      </a:r>
+                      <a:endParaRPr lang="en-US" sz="1200" b="0" i="0" u="none" strike="noStrike" dirty="0">
+                        <a:solidFill>
+                          <a:srgbClr val="000000"/>
+                        </a:solidFill>
+                        <a:effectLst/>
+                        <a:latin typeface="Calibri" panose="020F0502020204030204" pitchFamily="34" charset="0"/>
+                      </a:endParaRPr>
+                    </a:p>
+                  </a:txBody>
+                  <a:tcPr marL="9525" marR="9525" marT="9525" marB="0" anchor="b"/>
+                </a:tc>
+                <a:tc>
+                  <a:txBody>
+                    <a:bodyPr/>
+                    <a:lstStyle/>
+                    <a:p>
+                      <a:pPr algn="l" fontAlgn="b"/>
+                      <a:r>
+                        <a:rPr lang="en-US" sz="1200" u="none" strike="noStrike" dirty="0">
+                          <a:effectLst/>
+                        </a:rPr>
+                        <a:t>FN:51</a:t>
+                      </a:r>
+                      <a:endParaRPr lang="en-US" sz="1200" b="0" i="0" u="none" strike="noStrike" dirty="0">
+                        <a:solidFill>
+                          <a:srgbClr val="000000"/>
+                        </a:solidFill>
+                        <a:effectLst/>
+                        <a:latin typeface="Calibri" panose="020F0502020204030204" pitchFamily="34" charset="0"/>
+                      </a:endParaRPr>
+                    </a:p>
+                  </a:txBody>
+                  <a:tcPr marL="9525" marR="9525" marT="9525" marB="0" anchor="b"/>
+                </a:tc>
+                <a:extLst>
+                  <a:ext uri="{0D108BD9-81ED-4DB2-BD59-A6C34878D82A}">
+                    <a16:rowId xmlns:a16="http://schemas.microsoft.com/office/drawing/2014/main" val="324364630"/>
+                  </a:ext>
+                </a:extLst>
+              </a:tr>
+            </a:tbl>
+          </a:graphicData>
+        </a:graphic>
+      </p:graphicFrame>
+      <p:graphicFrame>
+        <p:nvGraphicFramePr>
+          <p:cNvPr id="9" name="Table 8">
+            <a:extLst>
+              <a:ext uri="{FF2B5EF4-FFF2-40B4-BE49-F238E27FC236}">
+                <a16:creationId xmlns:a16="http://schemas.microsoft.com/office/drawing/2014/main" id="{E89410FC-88D2-E447-B66B-5D4B3677C365}"/>
+              </a:ext>
+            </a:extLst>
+          </p:cNvPr>
+          <p:cNvGraphicFramePr>
+            <a:graphicFrameLocks noGrp="1"/>
+          </p:cNvGraphicFramePr>
+          <p:nvPr>
+            <p:extLst>
+              <p:ext uri="{D42A27DB-BD31-4B8C-83A1-F6EECF244321}">
+                <p14:modId xmlns:p14="http://schemas.microsoft.com/office/powerpoint/2010/main" val="2281597345"/>
+              </p:ext>
+            </p:extLst>
+          </p:nvPr>
+        </p:nvGraphicFramePr>
+        <p:xfrm>
+          <a:off x="724826" y="4973438"/>
+          <a:ext cx="2349500" cy="406400"/>
+        </p:xfrm>
+        <a:graphic>
+          <a:graphicData uri="http://schemas.openxmlformats.org/drawingml/2006/table">
+            <a:tbl>
+              <a:tblPr>
+                <a:tableStyleId>{F2DE63D5-997A-4646-A377-4702673A728D}</a:tableStyleId>
+              </a:tblPr>
+              <a:tblGrid>
+                <a:gridCol w="1521943">
+                  <a:extLst>
+                    <a:ext uri="{9D8B030D-6E8A-4147-A177-3AD203B41FA5}">
+                      <a16:colId xmlns:a16="http://schemas.microsoft.com/office/drawing/2014/main" val="2791022689"/>
+                    </a:ext>
+                  </a:extLst>
+                </a:gridCol>
+                <a:gridCol w="827557">
+                  <a:extLst>
+                    <a:ext uri="{9D8B030D-6E8A-4147-A177-3AD203B41FA5}">
+                      <a16:colId xmlns:a16="http://schemas.microsoft.com/office/drawing/2014/main" val="2132775096"/>
+                    </a:ext>
+                  </a:extLst>
+                </a:gridCol>
+              </a:tblGrid>
+              <a:tr h="203200">
+                <a:tc>
+                  <a:txBody>
+                    <a:bodyPr/>
+                    <a:lstStyle/>
+                    <a:p>
+                      <a:pPr algn="l" fontAlgn="b"/>
+                      <a:r>
+                        <a:rPr lang="en-US" sz="1200" u="none" strike="noStrike">
+                          <a:effectLst/>
+                        </a:rPr>
+                        <a:t>TP: 84</a:t>
+                      </a:r>
+                      <a:endParaRPr lang="en-US" sz="1200" b="0" i="0" u="none" strike="noStrike">
+                        <a:solidFill>
+                          <a:srgbClr val="000000"/>
+                        </a:solidFill>
+                        <a:effectLst/>
+                        <a:latin typeface="Calibri" panose="020F0502020204030204" pitchFamily="34" charset="0"/>
+                      </a:endParaRPr>
+                    </a:p>
+                  </a:txBody>
+                  <a:tcPr marL="9525" marR="9525" marT="9525" marB="0" anchor="b"/>
+                </a:tc>
+                <a:tc>
+                  <a:txBody>
+                    <a:bodyPr/>
+                    <a:lstStyle/>
+                    <a:p>
+                      <a:pPr algn="l" fontAlgn="b"/>
+                      <a:r>
+                        <a:rPr lang="en-US" sz="1200" u="none" strike="noStrike">
+                          <a:effectLst/>
+                        </a:rPr>
+                        <a:t>TN: 6</a:t>
+                      </a:r>
+                      <a:endParaRPr lang="en-US" sz="1200" b="0" i="0" u="none" strike="noStrike">
+                        <a:solidFill>
+                          <a:srgbClr val="000000"/>
+                        </a:solidFill>
+                        <a:effectLst/>
+                        <a:latin typeface="Calibri" panose="020F0502020204030204" pitchFamily="34" charset="0"/>
+                      </a:endParaRPr>
+                    </a:p>
+                  </a:txBody>
+                  <a:tcPr marL="9525" marR="9525" marT="9525" marB="0" anchor="b"/>
+                </a:tc>
+                <a:extLst>
+                  <a:ext uri="{0D108BD9-81ED-4DB2-BD59-A6C34878D82A}">
+                    <a16:rowId xmlns:a16="http://schemas.microsoft.com/office/drawing/2014/main" val="1287446001"/>
+                  </a:ext>
+                </a:extLst>
+              </a:tr>
+              <a:tr h="203200">
+                <a:tc>
+                  <a:txBody>
+                    <a:bodyPr/>
+                    <a:lstStyle/>
+                    <a:p>
+                      <a:pPr algn="l" fontAlgn="b"/>
+                      <a:r>
+                        <a:rPr lang="en-US" sz="1200" u="none" strike="noStrike">
+                          <a:effectLst/>
+                        </a:rPr>
+                        <a:t>FP: 4</a:t>
+                      </a:r>
+                      <a:endParaRPr lang="en-US" sz="1200" b="0" i="0" u="none" strike="noStrike">
+                        <a:solidFill>
+                          <a:srgbClr val="000000"/>
+                        </a:solidFill>
+                        <a:effectLst/>
+                        <a:latin typeface="Calibri" panose="020F0502020204030204" pitchFamily="34" charset="0"/>
+                      </a:endParaRPr>
+                    </a:p>
+                  </a:txBody>
+                  <a:tcPr marL="9525" marR="9525" marT="9525" marB="0" anchor="b"/>
+                </a:tc>
+                <a:tc>
+                  <a:txBody>
+                    <a:bodyPr/>
+                    <a:lstStyle/>
+                    <a:p>
+                      <a:pPr algn="l" fontAlgn="b"/>
+                      <a:r>
+                        <a:rPr lang="en-US" sz="1200" u="none" strike="noStrike" dirty="0">
+                          <a:effectLst/>
+                        </a:rPr>
+                        <a:t>FN:49</a:t>
+                      </a:r>
+                      <a:endParaRPr lang="en-US" sz="1200" b="0" i="0" u="none" strike="noStrike" dirty="0">
+                        <a:solidFill>
+                          <a:srgbClr val="000000"/>
+                        </a:solidFill>
+                        <a:effectLst/>
+                        <a:latin typeface="Calibri" panose="020F0502020204030204" pitchFamily="34" charset="0"/>
+                      </a:endParaRPr>
+                    </a:p>
+                  </a:txBody>
+                  <a:tcPr marL="9525" marR="9525" marT="9525" marB="0" anchor="b"/>
+                </a:tc>
+                <a:extLst>
+                  <a:ext uri="{0D108BD9-81ED-4DB2-BD59-A6C34878D82A}">
+                    <a16:rowId xmlns:a16="http://schemas.microsoft.com/office/drawing/2014/main" val="1551580254"/>
+                  </a:ext>
+                </a:extLst>
+              </a:tr>
+            </a:tbl>
+          </a:graphicData>
+        </a:graphic>
+      </p:graphicFrame>
+    </p:spTree>
+    <p:extLst>
+      <p:ext uri="{BB962C8B-B14F-4D97-AF65-F5344CB8AC3E}">
+        <p14:creationId xmlns:p14="http://schemas.microsoft.com/office/powerpoint/2010/main" val="623380120"/>
+      </p:ext>
+    </p:extLst>
+  </p:cSld>
+  <p:clrMapOvr>
+    <a:masterClrMapping/>
+  </p:clrMapOvr>
+</p:sld>
+</file>
+
+<file path=ppt/slides/slide15.xml><?xml version="1.0" encoding="utf-8"?>
+<p:sld xmlns:a="http://schemas.openxmlformats.org/drawingml/2006/main" xmlns:r="http://schemas.openxmlformats.org/officeDocument/2006/relationships" xmlns:p="http://schemas.openxmlformats.org/presentationml/2006/main">
+  <p:cSld>
+    <p:spTree>
+      <p:nvGrpSpPr>
+        <p:cNvPr id="1" name=""/>
+        <p:cNvGrpSpPr/>
+        <p:nvPr/>
+      </p:nvGrpSpPr>
+      <p:grpSpPr>
+        <a:xfrm>
+          <a:off x="0" y="0"/>
+          <a:ext cx="0" cy="0"/>
+          <a:chOff x="0" y="0"/>
+          <a:chExt cx="0" cy="0"/>
+        </a:xfrm>
+      </p:grpSpPr>
+      <p:sp>
+        <p:nvSpPr>
+          <p:cNvPr id="3" name="Title 2">
+            <a:extLst>
+              <a:ext uri="{FF2B5EF4-FFF2-40B4-BE49-F238E27FC236}">
+                <a16:creationId xmlns:a16="http://schemas.microsoft.com/office/drawing/2014/main" id="{589FBC09-5A84-45A9-B63B-5DEAA4BE7605}"/>
+              </a:ext>
+            </a:extLst>
+          </p:cNvPr>
+          <p:cNvSpPr>
+            <a:spLocks noGrp="1"/>
+          </p:cNvSpPr>
+          <p:nvPr>
+            <p:ph type="title"/>
+          </p:nvPr>
+        </p:nvSpPr>
+        <p:spPr>
+          <a:xfrm>
+            <a:off x="579863" y="808186"/>
+            <a:ext cx="7664137" cy="784910"/>
+          </a:xfrm>
+        </p:spPr>
+        <p:txBody>
+          <a:bodyPr/>
+          <a:lstStyle/>
+          <a:p>
+            <a:r>
+              <a:rPr lang="en-US" dirty="0"/>
+              <a:t>Conclusion</a:t>
+            </a:r>
+          </a:p>
+        </p:txBody>
+      </p:sp>
+      <p:sp>
+        <p:nvSpPr>
+          <p:cNvPr id="5" name="Slide Number Placeholder 4">
+            <a:extLst>
+              <a:ext uri="{FF2B5EF4-FFF2-40B4-BE49-F238E27FC236}">
+                <a16:creationId xmlns:a16="http://schemas.microsoft.com/office/drawing/2014/main" id="{D3927B38-2109-4A32-9B61-7046301BA0E5}"/>
+              </a:ext>
+            </a:extLst>
+          </p:cNvPr>
+          <p:cNvSpPr>
+            <a:spLocks noGrp="1"/>
+          </p:cNvSpPr>
+          <p:nvPr>
+            <p:ph type="sldNum" sz="quarter" idx="11"/>
+          </p:nvPr>
+        </p:nvSpPr>
+        <p:spPr/>
+        <p:txBody>
+          <a:bodyPr/>
+          <a:lstStyle/>
+          <a:p>
+            <a:fld id="{EECC7194-A4D0-457B-9D3E-53681723AFF7}" type="slidenum">
+              <a:rPr lang="en-US" smtClean="0"/>
+              <a:pPr/>
+              <a:t>15</a:t>
+            </a:fld>
+            <a:endParaRPr lang="en-US" dirty="0"/>
+          </a:p>
+        </p:txBody>
+      </p:sp>
+      <p:sp>
+        <p:nvSpPr>
+          <p:cNvPr id="11" name="object 7" descr="Beige rectangle">
+            <a:extLst>
+              <a:ext uri="{FF2B5EF4-FFF2-40B4-BE49-F238E27FC236}">
+                <a16:creationId xmlns:a16="http://schemas.microsoft.com/office/drawing/2014/main" id="{0EF37AB9-30F5-41E6-9478-F4DEF99FA9B7}"/>
+              </a:ext>
+            </a:extLst>
+          </p:cNvPr>
+          <p:cNvSpPr/>
+          <p:nvPr/>
+        </p:nvSpPr>
+        <p:spPr bwMode="white">
+          <a:xfrm flipV="1">
+            <a:off x="639397" y="1681189"/>
+            <a:ext cx="3470764" cy="45719"/>
+          </a:xfrm>
+          <a:custGeom>
+            <a:avLst/>
+            <a:gdLst/>
+            <a:ahLst/>
+            <a:cxnLst/>
+            <a:rect l="l" t="t" r="r" b="b"/>
+            <a:pathLst>
+              <a:path w="3935729">
+                <a:moveTo>
+                  <a:pt x="0" y="0"/>
+                </a:moveTo>
+                <a:lnTo>
+                  <a:pt x="3935349" y="0"/>
+                </a:lnTo>
+              </a:path>
+            </a:pathLst>
+          </a:custGeom>
+          <a:ln w="54863">
+            <a:solidFill>
+              <a:schemeClr val="accent1"/>
+            </a:solidFill>
+          </a:ln>
+        </p:spPr>
+        <p:txBody>
+          <a:bodyPr wrap="square" lIns="0" tIns="0" rIns="0" bIns="0" rtlCol="0"/>
+          <a:lstStyle/>
+          <a:p>
+            <a:endParaRPr lang="en-US" dirty="0"/>
+          </a:p>
+        </p:txBody>
+      </p:sp>
+      <p:sp>
+        <p:nvSpPr>
+          <p:cNvPr id="4" name="Content Placeholder 3">
+            <a:extLst>
+              <a:ext uri="{FF2B5EF4-FFF2-40B4-BE49-F238E27FC236}">
+                <a16:creationId xmlns:a16="http://schemas.microsoft.com/office/drawing/2014/main" id="{8BC1B912-BF67-4948-9AF0-FB457779C80C}"/>
+              </a:ext>
+            </a:extLst>
+          </p:cNvPr>
+          <p:cNvSpPr>
+            <a:spLocks noGrp="1"/>
+          </p:cNvSpPr>
+          <p:nvPr>
+            <p:ph idx="1"/>
+          </p:nvPr>
+        </p:nvSpPr>
+        <p:spPr/>
+        <p:txBody>
+          <a:bodyPr/>
+          <a:lstStyle/>
+          <a:p>
+            <a:pPr>
+              <a:lnSpc>
+                <a:spcPct val="200000"/>
+              </a:lnSpc>
+              <a:buFont typeface="Wingdings" pitchFamily="2" charset="2"/>
+              <a:buChar char="Ø"/>
+            </a:pPr>
+            <a:r>
+              <a:rPr lang="en-US" dirty="0"/>
+              <a:t>RF performed best</a:t>
+            </a:r>
+          </a:p>
+          <a:p>
+            <a:pPr>
+              <a:lnSpc>
+                <a:spcPct val="200000"/>
+              </a:lnSpc>
+              <a:buFont typeface="Wingdings" pitchFamily="2" charset="2"/>
+              <a:buChar char="Ø"/>
+            </a:pPr>
+            <a:r>
+              <a:rPr lang="en-US" dirty="0"/>
+              <a:t>RF is like Decision Tree – so it can be easily explained</a:t>
+            </a:r>
+          </a:p>
+          <a:p>
+            <a:pPr>
+              <a:lnSpc>
+                <a:spcPct val="200000"/>
+              </a:lnSpc>
+              <a:buFont typeface="Wingdings" pitchFamily="2" charset="2"/>
+              <a:buChar char="Ø"/>
+            </a:pPr>
+            <a:r>
+              <a:rPr lang="en-US" dirty="0"/>
+              <a:t>We choose RF as our final model</a:t>
+            </a:r>
+          </a:p>
+          <a:p>
+            <a:pPr marL="0" indent="0">
+              <a:buNone/>
+            </a:pPr>
+            <a:endParaRPr lang="en-US" dirty="0"/>
+          </a:p>
+        </p:txBody>
+      </p:sp>
+    </p:spTree>
+    <p:extLst>
+      <p:ext uri="{BB962C8B-B14F-4D97-AF65-F5344CB8AC3E}">
+        <p14:creationId xmlns:p14="http://schemas.microsoft.com/office/powerpoint/2010/main" val="238248442"/>
+      </p:ext>
+    </p:extLst>
+  </p:cSld>
+  <p:clrMapOvr>
+    <a:masterClrMapping/>
+  </p:clrMapOvr>
+</p:sld>
+</file>
+
+<file path=ppt/slides/slide16.xml><?xml version="1.0" encoding="utf-8"?>
 <p:sld xmlns:a="http://schemas.openxmlformats.org/drawingml/2006/main" xmlns:r="http://schemas.openxmlformats.org/officeDocument/2006/relationships" xmlns:p="http://schemas.openxmlformats.org/presentationml/2006/main">
   <p:cSld>
     <p:spTree>
@@ -14366,7 +15773,7 @@
                 <a16:creationId xmlns:a16="http://schemas.microsoft.com/office/drawing/2014/main" id="{AAF39051-1049-4508-8373-6A289966AA59}"/>
               </a:ext>
               <a:ext uri="{C183D7F6-B498-43B3-948B-1728B52AA6E4}">
-                <adec:decorative xmlns:adec="http://schemas.microsoft.com/office/drawing/2017/decorative" xmlns="" val="1"/>
+                <adec:decorative xmlns:adec="http://schemas.microsoft.com/office/drawing/2017/decorative" val="1"/>
               </a:ext>
             </a:extLst>
           </p:cNvPr>
@@ -14473,13 +15880,2050 @@
   <p:clrMapOvr>
     <a:masterClrMapping/>
   </p:clrMapOvr>
-  <p:timing>
-    <p:tnLst>
-      <p:par>
-        <p:cTn id="1" dur="indefinite" restart="never" nodeType="tmRoot"/>
-      </p:par>
-    </p:tnLst>
-  </p:timing>
+</p:sld>
+</file>
+
+<file path=ppt/slides/slide2.xml><?xml version="1.0" encoding="utf-8"?>
+<p:sld xmlns:a="http://schemas.openxmlformats.org/drawingml/2006/main" xmlns:r="http://schemas.openxmlformats.org/officeDocument/2006/relationships" xmlns:p="http://schemas.openxmlformats.org/presentationml/2006/main">
+  <p:cSld>
+    <p:spTree>
+      <p:nvGrpSpPr>
+        <p:cNvPr id="1" name=""/>
+        <p:cNvGrpSpPr/>
+        <p:nvPr/>
+      </p:nvGrpSpPr>
+      <p:grpSpPr>
+        <a:xfrm>
+          <a:off x="0" y="0"/>
+          <a:ext cx="0" cy="0"/>
+          <a:chOff x="0" y="0"/>
+          <a:chExt cx="0" cy="0"/>
+        </a:xfrm>
+      </p:grpSpPr>
+      <p:sp>
+        <p:nvSpPr>
+          <p:cNvPr id="3" name="Title 2">
+            <a:extLst>
+              <a:ext uri="{FF2B5EF4-FFF2-40B4-BE49-F238E27FC236}">
+                <a16:creationId xmlns:a16="http://schemas.microsoft.com/office/drawing/2014/main" id="{589FBC09-5A84-45A9-B63B-5DEAA4BE7605}"/>
+              </a:ext>
+            </a:extLst>
+          </p:cNvPr>
+          <p:cNvSpPr>
+            <a:spLocks noGrp="1"/>
+          </p:cNvSpPr>
+          <p:nvPr>
+            <p:ph type="title"/>
+          </p:nvPr>
+        </p:nvSpPr>
+        <p:spPr/>
+        <p:txBody>
+          <a:bodyPr/>
+          <a:lstStyle/>
+          <a:p>
+            <a:r>
+              <a:rPr lang="en-US" dirty="0"/>
+              <a:t>Contents</a:t>
+            </a:r>
+          </a:p>
+        </p:txBody>
+      </p:sp>
+      <p:sp>
+        <p:nvSpPr>
+          <p:cNvPr id="9" name="Content Placeholder 8">
+            <a:extLst>
+              <a:ext uri="{FF2B5EF4-FFF2-40B4-BE49-F238E27FC236}">
+                <a16:creationId xmlns:a16="http://schemas.microsoft.com/office/drawing/2014/main" id="{741D6D94-B2BB-401E-AACC-F5CA79C890E0}"/>
+              </a:ext>
+            </a:extLst>
+          </p:cNvPr>
+          <p:cNvSpPr>
+            <a:spLocks noGrp="1"/>
+          </p:cNvSpPr>
+          <p:nvPr>
+            <p:ph idx="1"/>
+          </p:nvPr>
+        </p:nvSpPr>
+        <p:spPr/>
+        <p:txBody>
+          <a:bodyPr/>
+          <a:lstStyle/>
+          <a:p>
+            <a:r>
+              <a:rPr lang="en-US" sz="2000" b="1" noProof="1">
+                <a:solidFill>
+                  <a:schemeClr val="accent2"/>
+                </a:solidFill>
+                <a:latin typeface="+mj-lt"/>
+              </a:rPr>
+              <a:t>Problem Statements</a:t>
+            </a:r>
+          </a:p>
+          <a:p>
+            <a:r>
+              <a:rPr lang="en-US" sz="2000" b="1" dirty="0">
+                <a:solidFill>
+                  <a:schemeClr val="accent2"/>
+                </a:solidFill>
+                <a:latin typeface="+mj-lt"/>
+              </a:rPr>
+              <a:t>Proposal</a:t>
+            </a:r>
+            <a:endParaRPr lang="en-US" sz="2000" b="1" noProof="1">
+              <a:solidFill>
+                <a:schemeClr val="accent2"/>
+              </a:solidFill>
+              <a:latin typeface="+mj-lt"/>
+            </a:endParaRPr>
+          </a:p>
+          <a:p>
+            <a:r>
+              <a:rPr lang="en-US" sz="2000" b="1" dirty="0">
+                <a:solidFill>
+                  <a:schemeClr val="accent2"/>
+                </a:solidFill>
+                <a:latin typeface="+mj-lt"/>
+              </a:rPr>
+              <a:t>Why Data Science</a:t>
+            </a:r>
+          </a:p>
+          <a:p>
+            <a:r>
+              <a:rPr lang="en-US" sz="2000" b="1" dirty="0">
+                <a:solidFill>
+                  <a:schemeClr val="accent2"/>
+                </a:solidFill>
+                <a:latin typeface="+mj-lt"/>
+              </a:rPr>
+              <a:t>High Level Process Overview</a:t>
+            </a:r>
+          </a:p>
+          <a:p>
+            <a:r>
+              <a:rPr lang="en-US" sz="2000" b="1" dirty="0">
+                <a:solidFill>
+                  <a:schemeClr val="accent2"/>
+                </a:solidFill>
+                <a:latin typeface="+mj-lt"/>
+              </a:rPr>
+              <a:t>Data</a:t>
+            </a:r>
+          </a:p>
+          <a:p>
+            <a:r>
+              <a:rPr lang="en-US" sz="2000" b="1" dirty="0">
+                <a:solidFill>
+                  <a:schemeClr val="accent2"/>
+                </a:solidFill>
+                <a:latin typeface="+mj-lt"/>
+              </a:rPr>
+              <a:t>Data Cleaning &amp; Exploratory Data Analysis</a:t>
+            </a:r>
+          </a:p>
+          <a:p>
+            <a:r>
+              <a:rPr lang="en-US" sz="2000" b="1" dirty="0">
+                <a:solidFill>
+                  <a:schemeClr val="accent2"/>
+                </a:solidFill>
+                <a:latin typeface="+mj-lt"/>
+              </a:rPr>
+              <a:t>Model</a:t>
+            </a:r>
+          </a:p>
+          <a:p>
+            <a:r>
+              <a:rPr lang="en-US" sz="2000" b="1" dirty="0">
+                <a:solidFill>
+                  <a:schemeClr val="accent2"/>
+                </a:solidFill>
+                <a:latin typeface="+mj-lt"/>
+              </a:rPr>
+              <a:t>Comparison</a:t>
+            </a:r>
+          </a:p>
+          <a:p>
+            <a:r>
+              <a:rPr lang="en-US" sz="2000" b="1" dirty="0">
+                <a:solidFill>
+                  <a:schemeClr val="accent2"/>
+                </a:solidFill>
+                <a:latin typeface="+mj-lt"/>
+              </a:rPr>
+              <a:t>Test Results</a:t>
+            </a:r>
+          </a:p>
+          <a:p>
+            <a:r>
+              <a:rPr lang="en-US" sz="2000" b="1">
+                <a:solidFill>
+                  <a:schemeClr val="accent2"/>
+                </a:solidFill>
+                <a:latin typeface="+mj-lt"/>
+              </a:rPr>
+              <a:t>Conclusion</a:t>
+            </a:r>
+            <a:endParaRPr lang="en-US" sz="2000" b="1" dirty="0">
+              <a:solidFill>
+                <a:schemeClr val="accent2"/>
+              </a:solidFill>
+              <a:latin typeface="+mj-lt"/>
+            </a:endParaRPr>
+          </a:p>
+          <a:p>
+            <a:endParaRPr lang="en-US" sz="2000" b="1" noProof="1">
+              <a:solidFill>
+                <a:schemeClr val="accent2"/>
+              </a:solidFill>
+              <a:latin typeface="+mj-lt"/>
+            </a:endParaRPr>
+          </a:p>
+          <a:p>
+            <a:pPr marL="0" indent="0">
+              <a:buNone/>
+            </a:pPr>
+            <a:endParaRPr lang="en-US" sz="2000" b="1" dirty="0">
+              <a:solidFill>
+                <a:schemeClr val="accent2"/>
+              </a:solidFill>
+              <a:latin typeface="+mj-lt"/>
+            </a:endParaRPr>
+          </a:p>
+          <a:p>
+            <a:endParaRPr lang="en-US" dirty="0"/>
+          </a:p>
+        </p:txBody>
+      </p:sp>
+      <p:sp>
+        <p:nvSpPr>
+          <p:cNvPr id="5" name="Slide Number Placeholder 4">
+            <a:extLst>
+              <a:ext uri="{FF2B5EF4-FFF2-40B4-BE49-F238E27FC236}">
+                <a16:creationId xmlns:a16="http://schemas.microsoft.com/office/drawing/2014/main" id="{D3927B38-2109-4A32-9B61-7046301BA0E5}"/>
+              </a:ext>
+            </a:extLst>
+          </p:cNvPr>
+          <p:cNvSpPr>
+            <a:spLocks noGrp="1"/>
+          </p:cNvSpPr>
+          <p:nvPr>
+            <p:ph type="sldNum" sz="quarter" idx="11"/>
+          </p:nvPr>
+        </p:nvSpPr>
+        <p:spPr/>
+        <p:txBody>
+          <a:bodyPr/>
+          <a:lstStyle/>
+          <a:p>
+            <a:fld id="{EECC7194-A4D0-457B-9D3E-53681723AFF7}" type="slidenum">
+              <a:rPr lang="en-US" smtClean="0"/>
+              <a:pPr/>
+              <a:t>2</a:t>
+            </a:fld>
+            <a:endParaRPr lang="en-US" dirty="0"/>
+          </a:p>
+        </p:txBody>
+      </p:sp>
+      <p:sp>
+        <p:nvSpPr>
+          <p:cNvPr id="11" name="object 7" descr="Beige rectangle">
+            <a:extLst>
+              <a:ext uri="{FF2B5EF4-FFF2-40B4-BE49-F238E27FC236}">
+                <a16:creationId xmlns:a16="http://schemas.microsoft.com/office/drawing/2014/main" id="{0EF37AB9-30F5-41E6-9478-F4DEF99FA9B7}"/>
+              </a:ext>
+            </a:extLst>
+          </p:cNvPr>
+          <p:cNvSpPr/>
+          <p:nvPr/>
+        </p:nvSpPr>
+        <p:spPr bwMode="white">
+          <a:xfrm flipV="1">
+            <a:off x="722099" y="1277068"/>
+            <a:ext cx="3470764" cy="45719"/>
+          </a:xfrm>
+          <a:custGeom>
+            <a:avLst/>
+            <a:gdLst/>
+            <a:ahLst/>
+            <a:cxnLst/>
+            <a:rect l="l" t="t" r="r" b="b"/>
+            <a:pathLst>
+              <a:path w="3935729">
+                <a:moveTo>
+                  <a:pt x="0" y="0"/>
+                </a:moveTo>
+                <a:lnTo>
+                  <a:pt x="3935349" y="0"/>
+                </a:lnTo>
+              </a:path>
+            </a:pathLst>
+          </a:custGeom>
+          <a:ln w="54863">
+            <a:solidFill>
+              <a:schemeClr val="accent1"/>
+            </a:solidFill>
+          </a:ln>
+        </p:spPr>
+        <p:txBody>
+          <a:bodyPr wrap="square" lIns="0" tIns="0" rIns="0" bIns="0" rtlCol="0"/>
+          <a:lstStyle/>
+          <a:p>
+            <a:endParaRPr lang="en-US" dirty="0"/>
+          </a:p>
+        </p:txBody>
+      </p:sp>
+    </p:spTree>
+    <p:extLst>
+      <p:ext uri="{BB962C8B-B14F-4D97-AF65-F5344CB8AC3E}">
+        <p14:creationId xmlns:p14="http://schemas.microsoft.com/office/powerpoint/2010/main" val="3427543980"/>
+      </p:ext>
+    </p:extLst>
+  </p:cSld>
+  <p:clrMapOvr>
+    <a:masterClrMapping/>
+  </p:clrMapOvr>
+</p:sld>
+</file>
+
+<file path=ppt/slides/slide3.xml><?xml version="1.0" encoding="utf-8"?>
+<p:sld xmlns:a="http://schemas.openxmlformats.org/drawingml/2006/main" xmlns:r="http://schemas.openxmlformats.org/officeDocument/2006/relationships" xmlns:p="http://schemas.openxmlformats.org/presentationml/2006/main">
+  <p:cSld>
+    <p:spTree>
+      <p:nvGrpSpPr>
+        <p:cNvPr id="1" name=""/>
+        <p:cNvGrpSpPr/>
+        <p:nvPr/>
+      </p:nvGrpSpPr>
+      <p:grpSpPr>
+        <a:xfrm>
+          <a:off x="0" y="0"/>
+          <a:ext cx="0" cy="0"/>
+          <a:chOff x="0" y="0"/>
+          <a:chExt cx="0" cy="0"/>
+        </a:xfrm>
+      </p:grpSpPr>
+      <p:sp>
+        <p:nvSpPr>
+          <p:cNvPr id="3" name="Title 2">
+            <a:extLst>
+              <a:ext uri="{FF2B5EF4-FFF2-40B4-BE49-F238E27FC236}">
+                <a16:creationId xmlns:a16="http://schemas.microsoft.com/office/drawing/2014/main" id="{589FBC09-5A84-45A9-B63B-5DEAA4BE7605}"/>
+              </a:ext>
+            </a:extLst>
+          </p:cNvPr>
+          <p:cNvSpPr>
+            <a:spLocks noGrp="1"/>
+          </p:cNvSpPr>
+          <p:nvPr>
+            <p:ph type="title"/>
+          </p:nvPr>
+        </p:nvSpPr>
+        <p:spPr/>
+        <p:txBody>
+          <a:bodyPr/>
+          <a:lstStyle/>
+          <a:p>
+            <a:r>
+              <a:rPr lang="en-US" dirty="0"/>
+              <a:t>Problem statements</a:t>
+            </a:r>
+          </a:p>
+        </p:txBody>
+      </p:sp>
+      <p:sp>
+        <p:nvSpPr>
+          <p:cNvPr id="9" name="Content Placeholder 8">
+            <a:extLst>
+              <a:ext uri="{FF2B5EF4-FFF2-40B4-BE49-F238E27FC236}">
+                <a16:creationId xmlns:a16="http://schemas.microsoft.com/office/drawing/2014/main" id="{741D6D94-B2BB-401E-AACC-F5CA79C890E0}"/>
+              </a:ext>
+            </a:extLst>
+          </p:cNvPr>
+          <p:cNvSpPr>
+            <a:spLocks noGrp="1"/>
+          </p:cNvSpPr>
+          <p:nvPr>
+            <p:ph idx="1"/>
+          </p:nvPr>
+        </p:nvSpPr>
+        <p:spPr>
+          <a:xfrm>
+            <a:off x="684000" y="1825625"/>
+            <a:ext cx="10147484" cy="4320000"/>
+          </a:xfrm>
+        </p:spPr>
+        <p:txBody>
+          <a:bodyPr/>
+          <a:lstStyle/>
+          <a:p>
+            <a:r>
+              <a:rPr lang="en-US" sz="2000" dirty="0"/>
+              <a:t>Breast Cancer is 2nd most common cancer in women.</a:t>
+            </a:r>
+          </a:p>
+          <a:p>
+            <a:endParaRPr lang="en-US" sz="2000" dirty="0"/>
+          </a:p>
+          <a:p>
+            <a:r>
+              <a:rPr lang="en-GB" sz="2000" dirty="0"/>
+              <a:t>It is 2nd leading cause of deaths of women after lung cancer. </a:t>
+            </a:r>
+          </a:p>
+          <a:p>
+            <a:endParaRPr lang="en-GB" sz="2000" dirty="0"/>
+          </a:p>
+          <a:p>
+            <a:r>
+              <a:rPr lang="en-GB" sz="2000" dirty="0"/>
+              <a:t>Is fine needle biopsy an effective tool in evaluating and diagnosing suspect lumps or masses?</a:t>
+            </a:r>
+            <a:endParaRPr lang="en-US" dirty="0"/>
+          </a:p>
+        </p:txBody>
+      </p:sp>
+      <p:sp>
+        <p:nvSpPr>
+          <p:cNvPr id="5" name="Slide Number Placeholder 4">
+            <a:extLst>
+              <a:ext uri="{FF2B5EF4-FFF2-40B4-BE49-F238E27FC236}">
+                <a16:creationId xmlns:a16="http://schemas.microsoft.com/office/drawing/2014/main" id="{D3927B38-2109-4A32-9B61-7046301BA0E5}"/>
+              </a:ext>
+            </a:extLst>
+          </p:cNvPr>
+          <p:cNvSpPr>
+            <a:spLocks noGrp="1"/>
+          </p:cNvSpPr>
+          <p:nvPr>
+            <p:ph type="sldNum" sz="quarter" idx="11"/>
+          </p:nvPr>
+        </p:nvSpPr>
+        <p:spPr/>
+        <p:txBody>
+          <a:bodyPr/>
+          <a:lstStyle/>
+          <a:p>
+            <a:fld id="{EECC7194-A4D0-457B-9D3E-53681723AFF7}" type="slidenum">
+              <a:rPr lang="en-US" smtClean="0"/>
+              <a:pPr/>
+              <a:t>3</a:t>
+            </a:fld>
+            <a:endParaRPr lang="en-US" dirty="0"/>
+          </a:p>
+        </p:txBody>
+      </p:sp>
+      <p:sp>
+        <p:nvSpPr>
+          <p:cNvPr id="11" name="object 7" descr="Beige rectangle">
+            <a:extLst>
+              <a:ext uri="{FF2B5EF4-FFF2-40B4-BE49-F238E27FC236}">
+                <a16:creationId xmlns:a16="http://schemas.microsoft.com/office/drawing/2014/main" id="{0EF37AB9-30F5-41E6-9478-F4DEF99FA9B7}"/>
+              </a:ext>
+            </a:extLst>
+          </p:cNvPr>
+          <p:cNvSpPr/>
+          <p:nvPr/>
+        </p:nvSpPr>
+        <p:spPr bwMode="white">
+          <a:xfrm flipV="1">
+            <a:off x="722099" y="1277068"/>
+            <a:ext cx="3470764" cy="45719"/>
+          </a:xfrm>
+          <a:custGeom>
+            <a:avLst/>
+            <a:gdLst/>
+            <a:ahLst/>
+            <a:cxnLst/>
+            <a:rect l="l" t="t" r="r" b="b"/>
+            <a:pathLst>
+              <a:path w="3935729">
+                <a:moveTo>
+                  <a:pt x="0" y="0"/>
+                </a:moveTo>
+                <a:lnTo>
+                  <a:pt x="3935349" y="0"/>
+                </a:lnTo>
+              </a:path>
+            </a:pathLst>
+          </a:custGeom>
+          <a:ln w="54863">
+            <a:solidFill>
+              <a:schemeClr val="accent1"/>
+            </a:solidFill>
+          </a:ln>
+        </p:spPr>
+        <p:txBody>
+          <a:bodyPr wrap="square" lIns="0" tIns="0" rIns="0" bIns="0" rtlCol="0"/>
+          <a:lstStyle/>
+          <a:p>
+            <a:endParaRPr lang="en-US" dirty="0"/>
+          </a:p>
+        </p:txBody>
+      </p:sp>
+    </p:spTree>
+    <p:extLst>
+      <p:ext uri="{BB962C8B-B14F-4D97-AF65-F5344CB8AC3E}">
+        <p14:creationId xmlns:p14="http://schemas.microsoft.com/office/powerpoint/2010/main" val="2662847952"/>
+      </p:ext>
+    </p:extLst>
+  </p:cSld>
+  <p:clrMapOvr>
+    <a:masterClrMapping/>
+  </p:clrMapOvr>
+</p:sld>
+</file>
+
+<file path=ppt/slides/slide4.xml><?xml version="1.0" encoding="utf-8"?>
+<p:sld xmlns:a="http://schemas.openxmlformats.org/drawingml/2006/main" xmlns:r="http://schemas.openxmlformats.org/officeDocument/2006/relationships" xmlns:p="http://schemas.openxmlformats.org/presentationml/2006/main">
+  <p:cSld>
+    <p:spTree>
+      <p:nvGrpSpPr>
+        <p:cNvPr id="1" name=""/>
+        <p:cNvGrpSpPr/>
+        <p:nvPr/>
+      </p:nvGrpSpPr>
+      <p:grpSpPr>
+        <a:xfrm>
+          <a:off x="0" y="0"/>
+          <a:ext cx="0" cy="0"/>
+          <a:chOff x="0" y="0"/>
+          <a:chExt cx="0" cy="0"/>
+        </a:xfrm>
+      </p:grpSpPr>
+      <p:sp>
+        <p:nvSpPr>
+          <p:cNvPr id="3" name="Title 2">
+            <a:extLst>
+              <a:ext uri="{FF2B5EF4-FFF2-40B4-BE49-F238E27FC236}">
+                <a16:creationId xmlns:a16="http://schemas.microsoft.com/office/drawing/2014/main" id="{589FBC09-5A84-45A9-B63B-5DEAA4BE7605}"/>
+              </a:ext>
+            </a:extLst>
+          </p:cNvPr>
+          <p:cNvSpPr>
+            <a:spLocks noGrp="1"/>
+          </p:cNvSpPr>
+          <p:nvPr>
+            <p:ph type="title"/>
+          </p:nvPr>
+        </p:nvSpPr>
+        <p:spPr/>
+        <p:txBody>
+          <a:bodyPr/>
+          <a:lstStyle/>
+          <a:p>
+            <a:r>
+              <a:rPr lang="en-US" dirty="0"/>
+              <a:t>proposal</a:t>
+            </a:r>
+          </a:p>
+        </p:txBody>
+      </p:sp>
+      <p:sp>
+        <p:nvSpPr>
+          <p:cNvPr id="9" name="Content Placeholder 8">
+            <a:extLst>
+              <a:ext uri="{FF2B5EF4-FFF2-40B4-BE49-F238E27FC236}">
+                <a16:creationId xmlns:a16="http://schemas.microsoft.com/office/drawing/2014/main" id="{741D6D94-B2BB-401E-AACC-F5CA79C890E0}"/>
+              </a:ext>
+            </a:extLst>
+          </p:cNvPr>
+          <p:cNvSpPr>
+            <a:spLocks noGrp="1"/>
+          </p:cNvSpPr>
+          <p:nvPr>
+            <p:ph idx="1"/>
+          </p:nvPr>
+        </p:nvSpPr>
+        <p:spPr/>
+        <p:txBody>
+          <a:bodyPr/>
+          <a:lstStyle/>
+          <a:p>
+            <a:r>
+              <a:rPr lang="en-US" sz="2000" dirty="0"/>
+              <a:t>Machine Learning Technique to Detect Women at Risk of Breast Cancer</a:t>
+            </a:r>
+          </a:p>
+          <a:p>
+            <a:r>
+              <a:rPr lang="en-US" sz="2000" dirty="0"/>
+              <a:t>Random Forest, Logistic Regression.</a:t>
+            </a:r>
+          </a:p>
+          <a:p>
+            <a:r>
+              <a:rPr lang="en-US" sz="2000" dirty="0"/>
+              <a:t>Training and Cross Validation. </a:t>
+            </a:r>
+          </a:p>
+          <a:p>
+            <a:r>
+              <a:rPr lang="en-US" sz="2000" dirty="0"/>
+              <a:t>Compare performance.</a:t>
+            </a:r>
+          </a:p>
+          <a:p>
+            <a:r>
+              <a:rPr lang="en-US" sz="2000" dirty="0"/>
+              <a:t>Select &amp; Test the Best Model.</a:t>
+            </a:r>
+          </a:p>
+          <a:p>
+            <a:pPr marL="0" indent="0">
+              <a:buNone/>
+            </a:pPr>
+            <a:endParaRPr lang="en-US" sz="2000" b="1" dirty="0">
+              <a:solidFill>
+                <a:schemeClr val="accent2"/>
+              </a:solidFill>
+              <a:latin typeface="+mj-lt"/>
+            </a:endParaRPr>
+          </a:p>
+          <a:p>
+            <a:endParaRPr lang="en-US" dirty="0"/>
+          </a:p>
+        </p:txBody>
+      </p:sp>
+      <p:sp>
+        <p:nvSpPr>
+          <p:cNvPr id="5" name="Slide Number Placeholder 4">
+            <a:extLst>
+              <a:ext uri="{FF2B5EF4-FFF2-40B4-BE49-F238E27FC236}">
+                <a16:creationId xmlns:a16="http://schemas.microsoft.com/office/drawing/2014/main" id="{D3927B38-2109-4A32-9B61-7046301BA0E5}"/>
+              </a:ext>
+            </a:extLst>
+          </p:cNvPr>
+          <p:cNvSpPr>
+            <a:spLocks noGrp="1"/>
+          </p:cNvSpPr>
+          <p:nvPr>
+            <p:ph type="sldNum" sz="quarter" idx="11"/>
+          </p:nvPr>
+        </p:nvSpPr>
+        <p:spPr/>
+        <p:txBody>
+          <a:bodyPr/>
+          <a:lstStyle/>
+          <a:p>
+            <a:fld id="{EECC7194-A4D0-457B-9D3E-53681723AFF7}" type="slidenum">
+              <a:rPr lang="en-US" smtClean="0"/>
+              <a:pPr/>
+              <a:t>4</a:t>
+            </a:fld>
+            <a:endParaRPr lang="en-US" dirty="0"/>
+          </a:p>
+        </p:txBody>
+      </p:sp>
+      <p:sp>
+        <p:nvSpPr>
+          <p:cNvPr id="11" name="object 7" descr="Beige rectangle">
+            <a:extLst>
+              <a:ext uri="{FF2B5EF4-FFF2-40B4-BE49-F238E27FC236}">
+                <a16:creationId xmlns:a16="http://schemas.microsoft.com/office/drawing/2014/main" id="{0EF37AB9-30F5-41E6-9478-F4DEF99FA9B7}"/>
+              </a:ext>
+            </a:extLst>
+          </p:cNvPr>
+          <p:cNvSpPr/>
+          <p:nvPr/>
+        </p:nvSpPr>
+        <p:spPr bwMode="white">
+          <a:xfrm flipV="1">
+            <a:off x="722099" y="1277068"/>
+            <a:ext cx="3470764" cy="45719"/>
+          </a:xfrm>
+          <a:custGeom>
+            <a:avLst/>
+            <a:gdLst/>
+            <a:ahLst/>
+            <a:cxnLst/>
+            <a:rect l="l" t="t" r="r" b="b"/>
+            <a:pathLst>
+              <a:path w="3935729">
+                <a:moveTo>
+                  <a:pt x="0" y="0"/>
+                </a:moveTo>
+                <a:lnTo>
+                  <a:pt x="3935349" y="0"/>
+                </a:lnTo>
+              </a:path>
+            </a:pathLst>
+          </a:custGeom>
+          <a:ln w="54863">
+            <a:solidFill>
+              <a:schemeClr val="accent1"/>
+            </a:solidFill>
+          </a:ln>
+        </p:spPr>
+        <p:txBody>
+          <a:bodyPr wrap="square" lIns="0" tIns="0" rIns="0" bIns="0" rtlCol="0"/>
+          <a:lstStyle/>
+          <a:p>
+            <a:endParaRPr lang="en-US" dirty="0"/>
+          </a:p>
+        </p:txBody>
+      </p:sp>
+    </p:spTree>
+    <p:extLst>
+      <p:ext uri="{BB962C8B-B14F-4D97-AF65-F5344CB8AC3E}">
+        <p14:creationId xmlns:p14="http://schemas.microsoft.com/office/powerpoint/2010/main" val="1066767420"/>
+      </p:ext>
+    </p:extLst>
+  </p:cSld>
+  <p:clrMapOvr>
+    <a:masterClrMapping/>
+  </p:clrMapOvr>
+</p:sld>
+</file>
+
+<file path=ppt/slides/slide5.xml><?xml version="1.0" encoding="utf-8"?>
+<p:sld xmlns:a="http://schemas.openxmlformats.org/drawingml/2006/main" xmlns:r="http://schemas.openxmlformats.org/officeDocument/2006/relationships" xmlns:p="http://schemas.openxmlformats.org/presentationml/2006/main">
+  <p:cSld>
+    <p:spTree>
+      <p:nvGrpSpPr>
+        <p:cNvPr id="1" name=""/>
+        <p:cNvGrpSpPr/>
+        <p:nvPr/>
+      </p:nvGrpSpPr>
+      <p:grpSpPr>
+        <a:xfrm>
+          <a:off x="0" y="0"/>
+          <a:ext cx="0" cy="0"/>
+          <a:chOff x="0" y="0"/>
+          <a:chExt cx="0" cy="0"/>
+        </a:xfrm>
+      </p:grpSpPr>
+      <p:sp>
+        <p:nvSpPr>
+          <p:cNvPr id="3" name="Title 2">
+            <a:extLst>
+              <a:ext uri="{FF2B5EF4-FFF2-40B4-BE49-F238E27FC236}">
+                <a16:creationId xmlns:a16="http://schemas.microsoft.com/office/drawing/2014/main" id="{589FBC09-5A84-45A9-B63B-5DEAA4BE7605}"/>
+              </a:ext>
+            </a:extLst>
+          </p:cNvPr>
+          <p:cNvSpPr>
+            <a:spLocks noGrp="1"/>
+          </p:cNvSpPr>
+          <p:nvPr>
+            <p:ph type="title"/>
+          </p:nvPr>
+        </p:nvSpPr>
+        <p:spPr/>
+        <p:txBody>
+          <a:bodyPr/>
+          <a:lstStyle/>
+          <a:p>
+            <a:r>
+              <a:rPr lang="en-US" dirty="0"/>
+              <a:t>Why data science ?</a:t>
+            </a:r>
+          </a:p>
+        </p:txBody>
+      </p:sp>
+      <p:sp>
+        <p:nvSpPr>
+          <p:cNvPr id="9" name="Content Placeholder 8">
+            <a:extLst>
+              <a:ext uri="{FF2B5EF4-FFF2-40B4-BE49-F238E27FC236}">
+                <a16:creationId xmlns:a16="http://schemas.microsoft.com/office/drawing/2014/main" id="{741D6D94-B2BB-401E-AACC-F5CA79C890E0}"/>
+              </a:ext>
+            </a:extLst>
+          </p:cNvPr>
+          <p:cNvSpPr>
+            <a:spLocks noGrp="1"/>
+          </p:cNvSpPr>
+          <p:nvPr>
+            <p:ph idx="1"/>
+          </p:nvPr>
+        </p:nvSpPr>
+        <p:spPr/>
+        <p:txBody>
+          <a:bodyPr/>
+          <a:lstStyle/>
+          <a:p>
+            <a:pPr>
+              <a:lnSpc>
+                <a:spcPct val="200000"/>
+              </a:lnSpc>
+            </a:pPr>
+            <a:r>
+              <a:rPr lang="en-US" sz="2000" dirty="0"/>
+              <a:t>Use Machine Learning to find out features that can lead to Breast Cancer</a:t>
+            </a:r>
+          </a:p>
+          <a:p>
+            <a:pPr>
+              <a:lnSpc>
+                <a:spcPct val="200000"/>
+              </a:lnSpc>
+            </a:pPr>
+            <a:r>
+              <a:rPr lang="en-US" sz="2000" dirty="0"/>
+              <a:t>Machine Learning techniques minimize human intervention</a:t>
+            </a:r>
+          </a:p>
+          <a:p>
+            <a:pPr>
+              <a:lnSpc>
+                <a:spcPct val="200000"/>
+              </a:lnSpc>
+            </a:pPr>
+            <a:r>
+              <a:rPr lang="en-US" sz="2000" dirty="0"/>
+              <a:t>Identify Women with Higher Risk at Breast Cancer</a:t>
+            </a:r>
+          </a:p>
+          <a:p>
+            <a:pPr>
+              <a:lnSpc>
+                <a:spcPct val="200000"/>
+              </a:lnSpc>
+            </a:pPr>
+            <a:r>
+              <a:rPr lang="en-US" sz="2000" dirty="0"/>
+              <a:t>High Risk Group can take precautions and do regular checkups</a:t>
+            </a:r>
+          </a:p>
+          <a:p>
+            <a:pPr marL="0" indent="0">
+              <a:buNone/>
+            </a:pPr>
+            <a:endParaRPr lang="en-US" sz="2000" b="1" dirty="0">
+              <a:solidFill>
+                <a:schemeClr val="accent2"/>
+              </a:solidFill>
+              <a:latin typeface="+mj-lt"/>
+            </a:endParaRPr>
+          </a:p>
+          <a:p>
+            <a:endParaRPr lang="en-US" dirty="0"/>
+          </a:p>
+        </p:txBody>
+      </p:sp>
+      <p:sp>
+        <p:nvSpPr>
+          <p:cNvPr id="5" name="Slide Number Placeholder 4">
+            <a:extLst>
+              <a:ext uri="{FF2B5EF4-FFF2-40B4-BE49-F238E27FC236}">
+                <a16:creationId xmlns:a16="http://schemas.microsoft.com/office/drawing/2014/main" id="{D3927B38-2109-4A32-9B61-7046301BA0E5}"/>
+              </a:ext>
+            </a:extLst>
+          </p:cNvPr>
+          <p:cNvSpPr>
+            <a:spLocks noGrp="1"/>
+          </p:cNvSpPr>
+          <p:nvPr>
+            <p:ph type="sldNum" sz="quarter" idx="11"/>
+          </p:nvPr>
+        </p:nvSpPr>
+        <p:spPr/>
+        <p:txBody>
+          <a:bodyPr/>
+          <a:lstStyle/>
+          <a:p>
+            <a:fld id="{EECC7194-A4D0-457B-9D3E-53681723AFF7}" type="slidenum">
+              <a:rPr lang="en-US" smtClean="0"/>
+              <a:pPr/>
+              <a:t>5</a:t>
+            </a:fld>
+            <a:endParaRPr lang="en-US" dirty="0"/>
+          </a:p>
+        </p:txBody>
+      </p:sp>
+      <p:sp>
+        <p:nvSpPr>
+          <p:cNvPr id="11" name="object 7" descr="Beige rectangle">
+            <a:extLst>
+              <a:ext uri="{FF2B5EF4-FFF2-40B4-BE49-F238E27FC236}">
+                <a16:creationId xmlns:a16="http://schemas.microsoft.com/office/drawing/2014/main" id="{0EF37AB9-30F5-41E6-9478-F4DEF99FA9B7}"/>
+              </a:ext>
+            </a:extLst>
+          </p:cNvPr>
+          <p:cNvSpPr/>
+          <p:nvPr/>
+        </p:nvSpPr>
+        <p:spPr bwMode="white">
+          <a:xfrm flipV="1">
+            <a:off x="722099" y="1277068"/>
+            <a:ext cx="3470764" cy="45719"/>
+          </a:xfrm>
+          <a:custGeom>
+            <a:avLst/>
+            <a:gdLst/>
+            <a:ahLst/>
+            <a:cxnLst/>
+            <a:rect l="l" t="t" r="r" b="b"/>
+            <a:pathLst>
+              <a:path w="3935729">
+                <a:moveTo>
+                  <a:pt x="0" y="0"/>
+                </a:moveTo>
+                <a:lnTo>
+                  <a:pt x="3935349" y="0"/>
+                </a:lnTo>
+              </a:path>
+            </a:pathLst>
+          </a:custGeom>
+          <a:ln w="54863">
+            <a:solidFill>
+              <a:schemeClr val="accent1"/>
+            </a:solidFill>
+          </a:ln>
+        </p:spPr>
+        <p:txBody>
+          <a:bodyPr wrap="square" lIns="0" tIns="0" rIns="0" bIns="0" rtlCol="0"/>
+          <a:lstStyle/>
+          <a:p>
+            <a:endParaRPr lang="en-US" dirty="0"/>
+          </a:p>
+        </p:txBody>
+      </p:sp>
+    </p:spTree>
+    <p:extLst>
+      <p:ext uri="{BB962C8B-B14F-4D97-AF65-F5344CB8AC3E}">
+        <p14:creationId xmlns:p14="http://schemas.microsoft.com/office/powerpoint/2010/main" val="2195287223"/>
+      </p:ext>
+    </p:extLst>
+  </p:cSld>
+  <p:clrMapOvr>
+    <a:masterClrMapping/>
+  </p:clrMapOvr>
+</p:sld>
+</file>
+
+<file path=ppt/slides/slide6.xml><?xml version="1.0" encoding="utf-8"?>
+<p:sld xmlns:a="http://schemas.openxmlformats.org/drawingml/2006/main" xmlns:r="http://schemas.openxmlformats.org/officeDocument/2006/relationships" xmlns:p="http://schemas.openxmlformats.org/presentationml/2006/main">
+  <p:cSld>
+    <p:spTree>
+      <p:nvGrpSpPr>
+        <p:cNvPr id="1" name=""/>
+        <p:cNvGrpSpPr/>
+        <p:nvPr/>
+      </p:nvGrpSpPr>
+      <p:grpSpPr>
+        <a:xfrm>
+          <a:off x="0" y="0"/>
+          <a:ext cx="0" cy="0"/>
+          <a:chOff x="0" y="0"/>
+          <a:chExt cx="0" cy="0"/>
+        </a:xfrm>
+      </p:grpSpPr>
+      <p:sp>
+        <p:nvSpPr>
+          <p:cNvPr id="3" name="Title 2">
+            <a:extLst>
+              <a:ext uri="{FF2B5EF4-FFF2-40B4-BE49-F238E27FC236}">
+                <a16:creationId xmlns:a16="http://schemas.microsoft.com/office/drawing/2014/main" id="{589FBC09-5A84-45A9-B63B-5DEAA4BE7605}"/>
+              </a:ext>
+            </a:extLst>
+          </p:cNvPr>
+          <p:cNvSpPr>
+            <a:spLocks noGrp="1"/>
+          </p:cNvSpPr>
+          <p:nvPr>
+            <p:ph type="title"/>
+          </p:nvPr>
+        </p:nvSpPr>
+        <p:spPr/>
+        <p:txBody>
+          <a:bodyPr/>
+          <a:lstStyle/>
+          <a:p>
+            <a:r>
+              <a:rPr lang="en-US" dirty="0"/>
+              <a:t>Process overview</a:t>
+            </a:r>
+          </a:p>
+        </p:txBody>
+      </p:sp>
+      <p:sp>
+        <p:nvSpPr>
+          <p:cNvPr id="9" name="Content Placeholder 8">
+            <a:extLst>
+              <a:ext uri="{FF2B5EF4-FFF2-40B4-BE49-F238E27FC236}">
+                <a16:creationId xmlns:a16="http://schemas.microsoft.com/office/drawing/2014/main" id="{741D6D94-B2BB-401E-AACC-F5CA79C890E0}"/>
+              </a:ext>
+            </a:extLst>
+          </p:cNvPr>
+          <p:cNvSpPr>
+            <a:spLocks noGrp="1"/>
+          </p:cNvSpPr>
+          <p:nvPr>
+            <p:ph idx="1"/>
+          </p:nvPr>
+        </p:nvSpPr>
+        <p:spPr/>
+        <p:txBody>
+          <a:bodyPr/>
+          <a:lstStyle/>
+          <a:p>
+            <a:pPr>
+              <a:lnSpc>
+                <a:spcPct val="200000"/>
+              </a:lnSpc>
+            </a:pPr>
+            <a:r>
+              <a:rPr lang="en-US" sz="2000" dirty="0"/>
+              <a:t>Gather Sample Data from Kaggle.</a:t>
+            </a:r>
+          </a:p>
+          <a:p>
+            <a:pPr>
+              <a:lnSpc>
+                <a:spcPct val="200000"/>
+              </a:lnSpc>
+            </a:pPr>
+            <a:r>
+              <a:rPr lang="en-US" sz="2000" dirty="0"/>
+              <a:t>Perform Basic Analysis on the Data.</a:t>
+            </a:r>
+          </a:p>
+          <a:p>
+            <a:pPr>
+              <a:lnSpc>
+                <a:spcPct val="200000"/>
+              </a:lnSpc>
+            </a:pPr>
+            <a:r>
+              <a:rPr lang="en-US" sz="2000" dirty="0"/>
+              <a:t>Split into Train &amp; Test.</a:t>
+            </a:r>
+          </a:p>
+          <a:p>
+            <a:pPr>
+              <a:lnSpc>
+                <a:spcPct val="200000"/>
+              </a:lnSpc>
+            </a:pPr>
+            <a:r>
+              <a:rPr lang="en-US" sz="2000" dirty="0"/>
+              <a:t>Carry Out Exploratory Data Analysis</a:t>
+            </a:r>
+          </a:p>
+          <a:p>
+            <a:pPr>
+              <a:lnSpc>
+                <a:spcPct val="200000"/>
+              </a:lnSpc>
+            </a:pPr>
+            <a:r>
+              <a:rPr lang="en-US" sz="2000" dirty="0"/>
+              <a:t>Data Cleaning</a:t>
+            </a:r>
+          </a:p>
+          <a:p>
+            <a:pPr>
+              <a:lnSpc>
+                <a:spcPct val="200000"/>
+              </a:lnSpc>
+            </a:pPr>
+            <a:r>
+              <a:rPr lang="en-US" sz="2000" dirty="0"/>
+              <a:t>Set up Pipeline for Model</a:t>
+            </a:r>
+          </a:p>
+          <a:p>
+            <a:pPr marL="0" indent="0">
+              <a:buNone/>
+            </a:pPr>
+            <a:endParaRPr lang="en-US" sz="2000" b="1" dirty="0">
+              <a:solidFill>
+                <a:schemeClr val="accent2"/>
+              </a:solidFill>
+              <a:latin typeface="+mj-lt"/>
+            </a:endParaRPr>
+          </a:p>
+          <a:p>
+            <a:endParaRPr lang="en-US" dirty="0"/>
+          </a:p>
+        </p:txBody>
+      </p:sp>
+      <p:sp>
+        <p:nvSpPr>
+          <p:cNvPr id="5" name="Slide Number Placeholder 4">
+            <a:extLst>
+              <a:ext uri="{FF2B5EF4-FFF2-40B4-BE49-F238E27FC236}">
+                <a16:creationId xmlns:a16="http://schemas.microsoft.com/office/drawing/2014/main" id="{D3927B38-2109-4A32-9B61-7046301BA0E5}"/>
+              </a:ext>
+            </a:extLst>
+          </p:cNvPr>
+          <p:cNvSpPr>
+            <a:spLocks noGrp="1"/>
+          </p:cNvSpPr>
+          <p:nvPr>
+            <p:ph type="sldNum" sz="quarter" idx="11"/>
+          </p:nvPr>
+        </p:nvSpPr>
+        <p:spPr/>
+        <p:txBody>
+          <a:bodyPr/>
+          <a:lstStyle/>
+          <a:p>
+            <a:fld id="{EECC7194-A4D0-457B-9D3E-53681723AFF7}" type="slidenum">
+              <a:rPr lang="en-US" smtClean="0"/>
+              <a:pPr/>
+              <a:t>6</a:t>
+            </a:fld>
+            <a:endParaRPr lang="en-US" dirty="0"/>
+          </a:p>
+        </p:txBody>
+      </p:sp>
+      <p:sp>
+        <p:nvSpPr>
+          <p:cNvPr id="11" name="object 7" descr="Beige rectangle">
+            <a:extLst>
+              <a:ext uri="{FF2B5EF4-FFF2-40B4-BE49-F238E27FC236}">
+                <a16:creationId xmlns:a16="http://schemas.microsoft.com/office/drawing/2014/main" id="{0EF37AB9-30F5-41E6-9478-F4DEF99FA9B7}"/>
+              </a:ext>
+            </a:extLst>
+          </p:cNvPr>
+          <p:cNvSpPr/>
+          <p:nvPr/>
+        </p:nvSpPr>
+        <p:spPr bwMode="white">
+          <a:xfrm flipV="1">
+            <a:off x="722099" y="1277068"/>
+            <a:ext cx="3470764" cy="45719"/>
+          </a:xfrm>
+          <a:custGeom>
+            <a:avLst/>
+            <a:gdLst/>
+            <a:ahLst/>
+            <a:cxnLst/>
+            <a:rect l="l" t="t" r="r" b="b"/>
+            <a:pathLst>
+              <a:path w="3935729">
+                <a:moveTo>
+                  <a:pt x="0" y="0"/>
+                </a:moveTo>
+                <a:lnTo>
+                  <a:pt x="3935349" y="0"/>
+                </a:lnTo>
+              </a:path>
+            </a:pathLst>
+          </a:custGeom>
+          <a:ln w="54863">
+            <a:solidFill>
+              <a:schemeClr val="accent1"/>
+            </a:solidFill>
+          </a:ln>
+        </p:spPr>
+        <p:txBody>
+          <a:bodyPr wrap="square" lIns="0" tIns="0" rIns="0" bIns="0" rtlCol="0"/>
+          <a:lstStyle/>
+          <a:p>
+            <a:endParaRPr lang="en-US" dirty="0"/>
+          </a:p>
+        </p:txBody>
+      </p:sp>
+    </p:spTree>
+    <p:extLst>
+      <p:ext uri="{BB962C8B-B14F-4D97-AF65-F5344CB8AC3E}">
+        <p14:creationId xmlns:p14="http://schemas.microsoft.com/office/powerpoint/2010/main" val="3490499334"/>
+      </p:ext>
+    </p:extLst>
+  </p:cSld>
+  <p:clrMapOvr>
+    <a:masterClrMapping/>
+  </p:clrMapOvr>
+</p:sld>
+</file>
+
+<file path=ppt/slides/slide7.xml><?xml version="1.0" encoding="utf-8"?>
+<p:sld xmlns:a="http://schemas.openxmlformats.org/drawingml/2006/main" xmlns:r="http://schemas.openxmlformats.org/officeDocument/2006/relationships" xmlns:p="http://schemas.openxmlformats.org/presentationml/2006/main">
+  <p:cSld>
+    <p:spTree>
+      <p:nvGrpSpPr>
+        <p:cNvPr id="1" name=""/>
+        <p:cNvGrpSpPr/>
+        <p:nvPr/>
+      </p:nvGrpSpPr>
+      <p:grpSpPr>
+        <a:xfrm>
+          <a:off x="0" y="0"/>
+          <a:ext cx="0" cy="0"/>
+          <a:chOff x="0" y="0"/>
+          <a:chExt cx="0" cy="0"/>
+        </a:xfrm>
+      </p:grpSpPr>
+      <p:sp>
+        <p:nvSpPr>
+          <p:cNvPr id="3" name="Title 2">
+            <a:extLst>
+              <a:ext uri="{FF2B5EF4-FFF2-40B4-BE49-F238E27FC236}">
+                <a16:creationId xmlns:a16="http://schemas.microsoft.com/office/drawing/2014/main" id="{589FBC09-5A84-45A9-B63B-5DEAA4BE7605}"/>
+              </a:ext>
+            </a:extLst>
+          </p:cNvPr>
+          <p:cNvSpPr>
+            <a:spLocks noGrp="1"/>
+          </p:cNvSpPr>
+          <p:nvPr>
+            <p:ph type="title"/>
+          </p:nvPr>
+        </p:nvSpPr>
+        <p:spPr/>
+        <p:txBody>
+          <a:bodyPr/>
+          <a:lstStyle/>
+          <a:p>
+            <a:r>
+              <a:rPr lang="en-US" dirty="0"/>
+              <a:t>Process overview</a:t>
+            </a:r>
+          </a:p>
+        </p:txBody>
+      </p:sp>
+      <p:sp>
+        <p:nvSpPr>
+          <p:cNvPr id="9" name="Content Placeholder 8">
+            <a:extLst>
+              <a:ext uri="{FF2B5EF4-FFF2-40B4-BE49-F238E27FC236}">
+                <a16:creationId xmlns:a16="http://schemas.microsoft.com/office/drawing/2014/main" id="{741D6D94-B2BB-401E-AACC-F5CA79C890E0}"/>
+              </a:ext>
+            </a:extLst>
+          </p:cNvPr>
+          <p:cNvSpPr>
+            <a:spLocks noGrp="1"/>
+          </p:cNvSpPr>
+          <p:nvPr>
+            <p:ph idx="1"/>
+          </p:nvPr>
+        </p:nvSpPr>
+        <p:spPr/>
+        <p:txBody>
+          <a:bodyPr/>
+          <a:lstStyle/>
+          <a:p>
+            <a:pPr>
+              <a:lnSpc>
+                <a:spcPct val="200000"/>
+              </a:lnSpc>
+            </a:pPr>
+            <a:r>
+              <a:rPr lang="en-US" sz="2000" dirty="0"/>
+              <a:t>Parameter Tuning and Train Models.</a:t>
+            </a:r>
+          </a:p>
+          <a:p>
+            <a:pPr>
+              <a:lnSpc>
+                <a:spcPct val="200000"/>
+              </a:lnSpc>
+            </a:pPr>
+            <a:r>
+              <a:rPr lang="en-US" sz="2000" dirty="0"/>
+              <a:t>Compare Cross Validation Matric.</a:t>
+            </a:r>
+          </a:p>
+          <a:p>
+            <a:pPr>
+              <a:lnSpc>
+                <a:spcPct val="200000"/>
+              </a:lnSpc>
+            </a:pPr>
+            <a:r>
+              <a:rPr lang="en-US" sz="2000" dirty="0"/>
+              <a:t>Test the Best Model.</a:t>
+            </a:r>
+          </a:p>
+          <a:p>
+            <a:pPr>
+              <a:lnSpc>
+                <a:spcPct val="200000"/>
+              </a:lnSpc>
+            </a:pPr>
+            <a:r>
+              <a:rPr lang="en-US" sz="2000" dirty="0"/>
+              <a:t>Set up Pipeline for Best Model</a:t>
+            </a:r>
+          </a:p>
+          <a:p>
+            <a:pPr>
+              <a:lnSpc>
+                <a:spcPct val="200000"/>
+              </a:lnSpc>
+            </a:pPr>
+            <a:r>
+              <a:rPr lang="en-US" sz="2000" dirty="0"/>
+              <a:t>Train on Entire Dataset.</a:t>
+            </a:r>
+          </a:p>
+          <a:p>
+            <a:pPr marL="0" indent="0">
+              <a:buNone/>
+            </a:pPr>
+            <a:endParaRPr lang="en-US" sz="2000" b="1" dirty="0">
+              <a:solidFill>
+                <a:schemeClr val="accent2"/>
+              </a:solidFill>
+              <a:latin typeface="+mj-lt"/>
+            </a:endParaRPr>
+          </a:p>
+          <a:p>
+            <a:endParaRPr lang="en-US" dirty="0"/>
+          </a:p>
+        </p:txBody>
+      </p:sp>
+      <p:sp>
+        <p:nvSpPr>
+          <p:cNvPr id="5" name="Slide Number Placeholder 4">
+            <a:extLst>
+              <a:ext uri="{FF2B5EF4-FFF2-40B4-BE49-F238E27FC236}">
+                <a16:creationId xmlns:a16="http://schemas.microsoft.com/office/drawing/2014/main" id="{D3927B38-2109-4A32-9B61-7046301BA0E5}"/>
+              </a:ext>
+            </a:extLst>
+          </p:cNvPr>
+          <p:cNvSpPr>
+            <a:spLocks noGrp="1"/>
+          </p:cNvSpPr>
+          <p:nvPr>
+            <p:ph type="sldNum" sz="quarter" idx="11"/>
+          </p:nvPr>
+        </p:nvSpPr>
+        <p:spPr/>
+        <p:txBody>
+          <a:bodyPr/>
+          <a:lstStyle/>
+          <a:p>
+            <a:fld id="{EECC7194-A4D0-457B-9D3E-53681723AFF7}" type="slidenum">
+              <a:rPr lang="en-US" smtClean="0"/>
+              <a:pPr/>
+              <a:t>7</a:t>
+            </a:fld>
+            <a:endParaRPr lang="en-US" dirty="0"/>
+          </a:p>
+        </p:txBody>
+      </p:sp>
+      <p:sp>
+        <p:nvSpPr>
+          <p:cNvPr id="11" name="object 7" descr="Beige rectangle">
+            <a:extLst>
+              <a:ext uri="{FF2B5EF4-FFF2-40B4-BE49-F238E27FC236}">
+                <a16:creationId xmlns:a16="http://schemas.microsoft.com/office/drawing/2014/main" id="{0EF37AB9-30F5-41E6-9478-F4DEF99FA9B7}"/>
+              </a:ext>
+            </a:extLst>
+          </p:cNvPr>
+          <p:cNvSpPr/>
+          <p:nvPr/>
+        </p:nvSpPr>
+        <p:spPr bwMode="white">
+          <a:xfrm flipV="1">
+            <a:off x="722099" y="1277068"/>
+            <a:ext cx="3470764" cy="45719"/>
+          </a:xfrm>
+          <a:custGeom>
+            <a:avLst/>
+            <a:gdLst/>
+            <a:ahLst/>
+            <a:cxnLst/>
+            <a:rect l="l" t="t" r="r" b="b"/>
+            <a:pathLst>
+              <a:path w="3935729">
+                <a:moveTo>
+                  <a:pt x="0" y="0"/>
+                </a:moveTo>
+                <a:lnTo>
+                  <a:pt x="3935349" y="0"/>
+                </a:lnTo>
+              </a:path>
+            </a:pathLst>
+          </a:custGeom>
+          <a:ln w="54863">
+            <a:solidFill>
+              <a:schemeClr val="accent1"/>
+            </a:solidFill>
+          </a:ln>
+        </p:spPr>
+        <p:txBody>
+          <a:bodyPr wrap="square" lIns="0" tIns="0" rIns="0" bIns="0" rtlCol="0"/>
+          <a:lstStyle/>
+          <a:p>
+            <a:endParaRPr lang="en-US" dirty="0"/>
+          </a:p>
+        </p:txBody>
+      </p:sp>
+    </p:spTree>
+    <p:extLst>
+      <p:ext uri="{BB962C8B-B14F-4D97-AF65-F5344CB8AC3E}">
+        <p14:creationId xmlns:p14="http://schemas.microsoft.com/office/powerpoint/2010/main" val="2696086248"/>
+      </p:ext>
+    </p:extLst>
+  </p:cSld>
+  <p:clrMapOvr>
+    <a:masterClrMapping/>
+  </p:clrMapOvr>
+</p:sld>
+</file>
+
+<file path=ppt/slides/slide8.xml><?xml version="1.0" encoding="utf-8"?>
+<p:sld xmlns:a="http://schemas.openxmlformats.org/drawingml/2006/main" xmlns:r="http://schemas.openxmlformats.org/officeDocument/2006/relationships" xmlns:p="http://schemas.openxmlformats.org/presentationml/2006/main">
+  <p:cSld>
+    <p:spTree>
+      <p:nvGrpSpPr>
+        <p:cNvPr id="1" name=""/>
+        <p:cNvGrpSpPr/>
+        <p:nvPr/>
+      </p:nvGrpSpPr>
+      <p:grpSpPr>
+        <a:xfrm>
+          <a:off x="0" y="0"/>
+          <a:ext cx="0" cy="0"/>
+          <a:chOff x="0" y="0"/>
+          <a:chExt cx="0" cy="0"/>
+        </a:xfrm>
+      </p:grpSpPr>
+      <p:sp>
+        <p:nvSpPr>
+          <p:cNvPr id="3" name="Title 2">
+            <a:extLst>
+              <a:ext uri="{FF2B5EF4-FFF2-40B4-BE49-F238E27FC236}">
+                <a16:creationId xmlns:a16="http://schemas.microsoft.com/office/drawing/2014/main" id="{589FBC09-5A84-45A9-B63B-5DEAA4BE7605}"/>
+              </a:ext>
+            </a:extLst>
+          </p:cNvPr>
+          <p:cNvSpPr>
+            <a:spLocks noGrp="1"/>
+          </p:cNvSpPr>
+          <p:nvPr>
+            <p:ph type="title"/>
+          </p:nvPr>
+        </p:nvSpPr>
+        <p:spPr/>
+        <p:txBody>
+          <a:bodyPr/>
+          <a:lstStyle/>
+          <a:p>
+            <a:r>
+              <a:rPr lang="en-US" dirty="0"/>
+              <a:t>data</a:t>
+            </a:r>
+          </a:p>
+        </p:txBody>
+      </p:sp>
+      <p:sp>
+        <p:nvSpPr>
+          <p:cNvPr id="9" name="Content Placeholder 8">
+            <a:extLst>
+              <a:ext uri="{FF2B5EF4-FFF2-40B4-BE49-F238E27FC236}">
+                <a16:creationId xmlns:a16="http://schemas.microsoft.com/office/drawing/2014/main" id="{741D6D94-B2BB-401E-AACC-F5CA79C890E0}"/>
+              </a:ext>
+            </a:extLst>
+          </p:cNvPr>
+          <p:cNvSpPr>
+            <a:spLocks noGrp="1"/>
+          </p:cNvSpPr>
+          <p:nvPr>
+            <p:ph idx="1"/>
+          </p:nvPr>
+        </p:nvSpPr>
+        <p:spPr>
+          <a:xfrm>
+            <a:off x="684000" y="1825624"/>
+            <a:ext cx="10147484" cy="4686613"/>
+          </a:xfrm>
+        </p:spPr>
+        <p:txBody>
+          <a:bodyPr/>
+          <a:lstStyle/>
+          <a:p>
+            <a:pPr>
+              <a:buFont typeface="Wingdings" panose="05000000000000000000" pitchFamily="2" charset="2"/>
+              <a:buChar char="Ø"/>
+            </a:pPr>
+            <a:r>
+              <a:rPr lang="en-GB" dirty="0"/>
+              <a:t>We are using the Wisconsin Breast Cancer dataset which was obtained from the University of Wisconsin Hospitals. </a:t>
+            </a:r>
+          </a:p>
+          <a:p>
+            <a:pPr>
+              <a:buFont typeface="Wingdings" panose="05000000000000000000" pitchFamily="2" charset="2"/>
+              <a:buChar char="Ø"/>
+            </a:pPr>
+            <a:r>
+              <a:rPr lang="en-GB" dirty="0"/>
+              <a:t>Diagnosis – Malignant (Cancer) &amp; Benign (No Cancer)</a:t>
+            </a:r>
+          </a:p>
+          <a:p>
+            <a:pPr>
+              <a:buFont typeface="Wingdings" panose="05000000000000000000" pitchFamily="2" charset="2"/>
+              <a:buChar char="Ø"/>
+            </a:pPr>
+            <a:r>
+              <a:rPr lang="en-GB" dirty="0"/>
+              <a:t>31 features were computed for each cell nucleus </a:t>
+            </a:r>
+          </a:p>
+          <a:p>
+            <a:pPr>
+              <a:buFont typeface="Wingdings" panose="05000000000000000000" pitchFamily="2" charset="2"/>
+              <a:buChar char="Ø"/>
+            </a:pPr>
+            <a:r>
+              <a:rPr lang="en-GB" dirty="0"/>
+              <a:t>Important features</a:t>
+            </a:r>
+          </a:p>
+          <a:p>
+            <a:pPr lvl="1"/>
+            <a:r>
+              <a:rPr lang="en-GB" sz="1200" dirty="0"/>
+              <a:t>radius (mean of distances from centre to points on the perimeter)</a:t>
+            </a:r>
+            <a:endParaRPr lang="en-US" sz="1200" dirty="0"/>
+          </a:p>
+          <a:p>
+            <a:pPr lvl="1"/>
+            <a:r>
+              <a:rPr lang="en-GB" sz="1200" dirty="0"/>
+              <a:t>Texture (standard deviation of grey-scale values)</a:t>
+            </a:r>
+            <a:endParaRPr lang="en-US" sz="1200" dirty="0"/>
+          </a:p>
+          <a:p>
+            <a:pPr lvl="1"/>
+            <a:r>
+              <a:rPr lang="en-GB" sz="1200" dirty="0"/>
+              <a:t>Perimeter</a:t>
+            </a:r>
+            <a:endParaRPr lang="en-US" sz="1200" dirty="0"/>
+          </a:p>
+          <a:p>
+            <a:pPr lvl="1"/>
+            <a:r>
+              <a:rPr lang="en-GB" sz="1200" dirty="0"/>
+              <a:t>Area</a:t>
+            </a:r>
+            <a:endParaRPr lang="en-US" sz="1200" dirty="0"/>
+          </a:p>
+          <a:p>
+            <a:pPr lvl="1"/>
+            <a:r>
+              <a:rPr lang="en-GB" sz="1200" dirty="0"/>
+              <a:t>Smoothness (local variation in radius lengths)</a:t>
+            </a:r>
+            <a:endParaRPr lang="en-US" sz="1200" dirty="0"/>
+          </a:p>
+          <a:p>
+            <a:pPr lvl="1"/>
+            <a:r>
+              <a:rPr lang="en-GB" sz="1200" dirty="0"/>
+              <a:t>Compactness (perimeter^2 / area - 1.0)</a:t>
+            </a:r>
+            <a:endParaRPr lang="en-US" sz="1200" dirty="0"/>
+          </a:p>
+          <a:p>
+            <a:pPr lvl="1"/>
+            <a:r>
+              <a:rPr lang="en-GB" sz="1200" dirty="0"/>
+              <a:t>Concavity (severity of concave portions of the contour)</a:t>
+            </a:r>
+            <a:endParaRPr lang="en-US" sz="1200" dirty="0"/>
+          </a:p>
+          <a:p>
+            <a:pPr lvl="1"/>
+            <a:r>
+              <a:rPr lang="en-GB" sz="1200" dirty="0"/>
+              <a:t>Concave points (number of concave portions of the contour)</a:t>
+            </a:r>
+            <a:endParaRPr lang="en-US" sz="1200" dirty="0"/>
+          </a:p>
+          <a:p>
+            <a:pPr lvl="1"/>
+            <a:r>
+              <a:rPr lang="en-GB" sz="1200" dirty="0"/>
+              <a:t>Symmetry</a:t>
+            </a:r>
+            <a:endParaRPr lang="en-US" sz="1200" dirty="0"/>
+          </a:p>
+          <a:p>
+            <a:pPr lvl="1"/>
+            <a:r>
+              <a:rPr lang="en-GB" sz="1200" dirty="0"/>
+              <a:t>Fractal dimension ("coastline approximation" - 1)</a:t>
+            </a:r>
+            <a:endParaRPr lang="en-US" sz="1200" dirty="0"/>
+          </a:p>
+          <a:p>
+            <a:pPr marL="0" indent="0">
+              <a:buNone/>
+            </a:pPr>
+            <a:endParaRPr lang="en-US" dirty="0"/>
+          </a:p>
+        </p:txBody>
+      </p:sp>
+      <p:sp>
+        <p:nvSpPr>
+          <p:cNvPr id="5" name="Slide Number Placeholder 4">
+            <a:extLst>
+              <a:ext uri="{FF2B5EF4-FFF2-40B4-BE49-F238E27FC236}">
+                <a16:creationId xmlns:a16="http://schemas.microsoft.com/office/drawing/2014/main" id="{D3927B38-2109-4A32-9B61-7046301BA0E5}"/>
+              </a:ext>
+            </a:extLst>
+          </p:cNvPr>
+          <p:cNvSpPr>
+            <a:spLocks noGrp="1"/>
+          </p:cNvSpPr>
+          <p:nvPr>
+            <p:ph type="sldNum" sz="quarter" idx="11"/>
+          </p:nvPr>
+        </p:nvSpPr>
+        <p:spPr/>
+        <p:txBody>
+          <a:bodyPr/>
+          <a:lstStyle/>
+          <a:p>
+            <a:fld id="{EECC7194-A4D0-457B-9D3E-53681723AFF7}" type="slidenum">
+              <a:rPr lang="en-US" smtClean="0"/>
+              <a:pPr/>
+              <a:t>8</a:t>
+            </a:fld>
+            <a:endParaRPr lang="en-US" dirty="0"/>
+          </a:p>
+        </p:txBody>
+      </p:sp>
+      <p:sp>
+        <p:nvSpPr>
+          <p:cNvPr id="11" name="object 7" descr="Beige rectangle">
+            <a:extLst>
+              <a:ext uri="{FF2B5EF4-FFF2-40B4-BE49-F238E27FC236}">
+                <a16:creationId xmlns:a16="http://schemas.microsoft.com/office/drawing/2014/main" id="{0EF37AB9-30F5-41E6-9478-F4DEF99FA9B7}"/>
+              </a:ext>
+            </a:extLst>
+          </p:cNvPr>
+          <p:cNvSpPr/>
+          <p:nvPr/>
+        </p:nvSpPr>
+        <p:spPr bwMode="white">
+          <a:xfrm flipV="1">
+            <a:off x="722099" y="1277068"/>
+            <a:ext cx="3470764" cy="45719"/>
+          </a:xfrm>
+          <a:custGeom>
+            <a:avLst/>
+            <a:gdLst/>
+            <a:ahLst/>
+            <a:cxnLst/>
+            <a:rect l="l" t="t" r="r" b="b"/>
+            <a:pathLst>
+              <a:path w="3935729">
+                <a:moveTo>
+                  <a:pt x="0" y="0"/>
+                </a:moveTo>
+                <a:lnTo>
+                  <a:pt x="3935349" y="0"/>
+                </a:lnTo>
+              </a:path>
+            </a:pathLst>
+          </a:custGeom>
+          <a:ln w="54863">
+            <a:solidFill>
+              <a:schemeClr val="accent1"/>
+            </a:solidFill>
+          </a:ln>
+        </p:spPr>
+        <p:txBody>
+          <a:bodyPr wrap="square" lIns="0" tIns="0" rIns="0" bIns="0" rtlCol="0"/>
+          <a:lstStyle/>
+          <a:p>
+            <a:endParaRPr lang="en-US" dirty="0"/>
+          </a:p>
+        </p:txBody>
+      </p:sp>
+      <p:pic>
+        <p:nvPicPr>
+          <p:cNvPr id="6" name="Picture 5"/>
+          <p:cNvPicPr/>
+          <p:nvPr/>
+        </p:nvPicPr>
+        <p:blipFill>
+          <a:blip r:embed="rId3"/>
+          <a:stretch>
+            <a:fillRect/>
+          </a:stretch>
+        </p:blipFill>
+        <p:spPr>
+          <a:xfrm>
+            <a:off x="6467302" y="2491529"/>
+            <a:ext cx="4364182" cy="3044749"/>
+          </a:xfrm>
+          <a:prstGeom prst="rect">
+            <a:avLst/>
+          </a:prstGeom>
+        </p:spPr>
+      </p:pic>
+    </p:spTree>
+    <p:extLst>
+      <p:ext uri="{BB962C8B-B14F-4D97-AF65-F5344CB8AC3E}">
+        <p14:creationId xmlns:p14="http://schemas.microsoft.com/office/powerpoint/2010/main" val="2497587768"/>
+      </p:ext>
+    </p:extLst>
+  </p:cSld>
+  <p:clrMapOvr>
+    <a:masterClrMapping/>
+  </p:clrMapOvr>
+</p:sld>
+</file>
+
+<file path=ppt/slides/slide9.xml><?xml version="1.0" encoding="utf-8"?>
+<p:sld xmlns:a="http://schemas.openxmlformats.org/drawingml/2006/main" xmlns:r="http://schemas.openxmlformats.org/officeDocument/2006/relationships" xmlns:p="http://schemas.openxmlformats.org/presentationml/2006/main">
+  <p:cSld>
+    <p:spTree>
+      <p:nvGrpSpPr>
+        <p:cNvPr id="1" name=""/>
+        <p:cNvGrpSpPr/>
+        <p:nvPr/>
+      </p:nvGrpSpPr>
+      <p:grpSpPr>
+        <a:xfrm>
+          <a:off x="0" y="0"/>
+          <a:ext cx="0" cy="0"/>
+          <a:chOff x="0" y="0"/>
+          <a:chExt cx="0" cy="0"/>
+        </a:xfrm>
+      </p:grpSpPr>
+      <p:sp>
+        <p:nvSpPr>
+          <p:cNvPr id="3" name="Title 2">
+            <a:extLst>
+              <a:ext uri="{FF2B5EF4-FFF2-40B4-BE49-F238E27FC236}">
+                <a16:creationId xmlns:a16="http://schemas.microsoft.com/office/drawing/2014/main" id="{589FBC09-5A84-45A9-B63B-5DEAA4BE7605}"/>
+              </a:ext>
+            </a:extLst>
+          </p:cNvPr>
+          <p:cNvSpPr>
+            <a:spLocks noGrp="1"/>
+          </p:cNvSpPr>
+          <p:nvPr>
+            <p:ph type="title"/>
+          </p:nvPr>
+        </p:nvSpPr>
+        <p:spPr>
+          <a:xfrm>
+            <a:off x="579863" y="808186"/>
+            <a:ext cx="7664137" cy="784910"/>
+          </a:xfrm>
+        </p:spPr>
+        <p:txBody>
+          <a:bodyPr/>
+          <a:lstStyle/>
+          <a:p>
+            <a:r>
+              <a:rPr lang="en-US" dirty="0"/>
+              <a:t>Data Cleaning &amp; Exploratory Data Analysis</a:t>
+            </a:r>
+          </a:p>
+        </p:txBody>
+      </p:sp>
+      <p:sp>
+        <p:nvSpPr>
+          <p:cNvPr id="9" name="Content Placeholder 8">
+            <a:extLst>
+              <a:ext uri="{FF2B5EF4-FFF2-40B4-BE49-F238E27FC236}">
+                <a16:creationId xmlns:a16="http://schemas.microsoft.com/office/drawing/2014/main" id="{741D6D94-B2BB-401E-AACC-F5CA79C890E0}"/>
+              </a:ext>
+            </a:extLst>
+          </p:cNvPr>
+          <p:cNvSpPr>
+            <a:spLocks noGrp="1"/>
+          </p:cNvSpPr>
+          <p:nvPr>
+            <p:ph idx="1"/>
+          </p:nvPr>
+        </p:nvSpPr>
+        <p:spPr>
+          <a:xfrm>
+            <a:off x="684000" y="1825624"/>
+            <a:ext cx="10147484" cy="4686613"/>
+          </a:xfrm>
+        </p:spPr>
+        <p:txBody>
+          <a:bodyPr/>
+          <a:lstStyle/>
+          <a:p>
+            <a:pPr lvl="1">
+              <a:lnSpc>
+                <a:spcPct val="150000"/>
+              </a:lnSpc>
+              <a:buFont typeface="Wingdings" pitchFamily="2" charset="2"/>
+              <a:buChar char="ü"/>
+            </a:pPr>
+            <a:r>
+              <a:rPr lang="en-US" sz="1600" dirty="0"/>
+              <a:t>No Null Value</a:t>
+            </a:r>
+          </a:p>
+          <a:p>
+            <a:pPr lvl="1">
+              <a:lnSpc>
+                <a:spcPct val="150000"/>
+              </a:lnSpc>
+              <a:buFont typeface="Wingdings" pitchFamily="2" charset="2"/>
+              <a:buChar char="ü"/>
+            </a:pPr>
+            <a:r>
+              <a:rPr lang="en-US" sz="1600" dirty="0"/>
+              <a:t>Dropped ‘id’ column</a:t>
+            </a:r>
+          </a:p>
+          <a:p>
+            <a:pPr lvl="1">
+              <a:lnSpc>
+                <a:spcPct val="150000"/>
+              </a:lnSpc>
+              <a:buFont typeface="Wingdings" pitchFamily="2" charset="2"/>
+              <a:buChar char="ü"/>
+            </a:pPr>
+            <a:r>
+              <a:rPr lang="en-US" sz="1600" dirty="0"/>
+              <a:t>Converted ‘diagnosis’ variable values from M/B to 1/0</a:t>
+            </a:r>
+          </a:p>
+          <a:p>
+            <a:pPr lvl="1">
+              <a:lnSpc>
+                <a:spcPct val="150000"/>
+              </a:lnSpc>
+              <a:buFont typeface="Wingdings" pitchFamily="2" charset="2"/>
+              <a:buChar char="ü"/>
+            </a:pPr>
+            <a:r>
+              <a:rPr lang="en-US" sz="1600" dirty="0" err="1"/>
+              <a:t>radius_mean</a:t>
+            </a:r>
+            <a:r>
+              <a:rPr lang="en-US" sz="1600" dirty="0"/>
+              <a:t>, </a:t>
+            </a:r>
+            <a:r>
+              <a:rPr lang="en-US" sz="1600" dirty="0" err="1"/>
+              <a:t>perimeter_mean</a:t>
+            </a:r>
+            <a:r>
+              <a:rPr lang="en-US" sz="1600" dirty="0"/>
+              <a:t> &amp; </a:t>
+            </a:r>
+            <a:r>
+              <a:rPr lang="en-US" sz="1600" dirty="0" err="1"/>
+              <a:t>area_mean</a:t>
+            </a:r>
+            <a:r>
+              <a:rPr lang="en-US" sz="1600" dirty="0"/>
+              <a:t> have higher correlation</a:t>
+            </a:r>
+          </a:p>
+          <a:p>
+            <a:pPr lvl="1">
+              <a:lnSpc>
+                <a:spcPct val="150000"/>
+              </a:lnSpc>
+              <a:buFont typeface="Wingdings" pitchFamily="2" charset="2"/>
+              <a:buChar char="ü"/>
+            </a:pPr>
+            <a:r>
+              <a:rPr lang="en-US" sz="1600" dirty="0" err="1"/>
+              <a:t>radius_worst</a:t>
+            </a:r>
+            <a:r>
+              <a:rPr lang="en-US" sz="1600" dirty="0"/>
+              <a:t>, </a:t>
+            </a:r>
+            <a:r>
+              <a:rPr lang="en-US" sz="1600" dirty="0" err="1"/>
+              <a:t>perimeter_worst</a:t>
+            </a:r>
+            <a:r>
+              <a:rPr lang="en-US" sz="1600" dirty="0"/>
+              <a:t> &amp; </a:t>
+            </a:r>
+            <a:r>
+              <a:rPr lang="en-US" sz="1600" dirty="0" err="1"/>
+              <a:t>area_worst</a:t>
+            </a:r>
+            <a:r>
+              <a:rPr lang="en-US" sz="1600" dirty="0"/>
+              <a:t> have higher correlation  </a:t>
+            </a:r>
+          </a:p>
+          <a:p>
+            <a:pPr lvl="1">
+              <a:lnSpc>
+                <a:spcPct val="150000"/>
+              </a:lnSpc>
+              <a:buFont typeface="Wingdings" pitchFamily="2" charset="2"/>
+              <a:buChar char="ü"/>
+            </a:pPr>
+            <a:r>
+              <a:rPr lang="en-US" sz="1600" dirty="0"/>
+              <a:t>Diagnosis has higher correlation with </a:t>
+            </a:r>
+            <a:r>
+              <a:rPr lang="en-US" sz="1600" dirty="0" err="1"/>
+              <a:t>perimeter_mean</a:t>
+            </a:r>
+            <a:r>
+              <a:rPr lang="en-US" sz="1600" dirty="0"/>
+              <a:t>, concave </a:t>
+            </a:r>
+            <a:r>
+              <a:rPr lang="en-US" sz="1600" dirty="0" err="1"/>
+              <a:t>points_mean</a:t>
+            </a:r>
+            <a:r>
+              <a:rPr lang="en-US" sz="1600" dirty="0"/>
+              <a:t>, </a:t>
+            </a:r>
+            <a:r>
+              <a:rPr lang="en-US" sz="1600" dirty="0" err="1"/>
+              <a:t>perimeter_worst</a:t>
+            </a:r>
+            <a:r>
+              <a:rPr lang="en-US" sz="1600" dirty="0"/>
+              <a:t>, concave </a:t>
+            </a:r>
+            <a:r>
+              <a:rPr lang="en-US" sz="1600" dirty="0" err="1"/>
+              <a:t>points_worst</a:t>
+            </a:r>
+            <a:endParaRPr lang="en-US" sz="1600" dirty="0"/>
+          </a:p>
+          <a:p>
+            <a:pPr lvl="1">
+              <a:lnSpc>
+                <a:spcPct val="150000"/>
+              </a:lnSpc>
+              <a:buFont typeface="Wingdings" pitchFamily="2" charset="2"/>
+              <a:buChar char="ü"/>
+            </a:pPr>
+            <a:r>
+              <a:rPr lang="en-US" sz="1600" dirty="0"/>
+              <a:t>Removed outliers for </a:t>
+            </a:r>
+            <a:r>
+              <a:rPr lang="en-US" sz="1600" dirty="0" err="1"/>
+              <a:t>perimeter_mean</a:t>
+            </a:r>
+            <a:r>
+              <a:rPr lang="en-US" sz="1600" dirty="0"/>
+              <a:t>, concave </a:t>
+            </a:r>
+            <a:r>
+              <a:rPr lang="en-US" sz="1600" dirty="0" err="1"/>
+              <a:t>points_mean</a:t>
+            </a:r>
+            <a:r>
+              <a:rPr lang="en-US" sz="1600" dirty="0"/>
+              <a:t>, </a:t>
+            </a:r>
+            <a:r>
+              <a:rPr lang="en-US" sz="1600" dirty="0" err="1"/>
+              <a:t>perimeter_worst</a:t>
+            </a:r>
+            <a:r>
+              <a:rPr lang="en-US" sz="1600" dirty="0"/>
+              <a:t>, concave </a:t>
+            </a:r>
+            <a:r>
+              <a:rPr lang="en-US" sz="1600" dirty="0" err="1"/>
+              <a:t>points_worst</a:t>
+            </a:r>
+            <a:r>
+              <a:rPr lang="en-US" sz="1600" dirty="0"/>
+              <a:t>  </a:t>
+            </a:r>
+          </a:p>
+        </p:txBody>
+      </p:sp>
+      <p:sp>
+        <p:nvSpPr>
+          <p:cNvPr id="5" name="Slide Number Placeholder 4">
+            <a:extLst>
+              <a:ext uri="{FF2B5EF4-FFF2-40B4-BE49-F238E27FC236}">
+                <a16:creationId xmlns:a16="http://schemas.microsoft.com/office/drawing/2014/main" id="{D3927B38-2109-4A32-9B61-7046301BA0E5}"/>
+              </a:ext>
+            </a:extLst>
+          </p:cNvPr>
+          <p:cNvSpPr>
+            <a:spLocks noGrp="1"/>
+          </p:cNvSpPr>
+          <p:nvPr>
+            <p:ph type="sldNum" sz="quarter" idx="11"/>
+          </p:nvPr>
+        </p:nvSpPr>
+        <p:spPr/>
+        <p:txBody>
+          <a:bodyPr/>
+          <a:lstStyle/>
+          <a:p>
+            <a:fld id="{EECC7194-A4D0-457B-9D3E-53681723AFF7}" type="slidenum">
+              <a:rPr lang="en-US" smtClean="0"/>
+              <a:pPr/>
+              <a:t>9</a:t>
+            </a:fld>
+            <a:endParaRPr lang="en-US" dirty="0"/>
+          </a:p>
+        </p:txBody>
+      </p:sp>
+      <p:sp>
+        <p:nvSpPr>
+          <p:cNvPr id="11" name="object 7" descr="Beige rectangle">
+            <a:extLst>
+              <a:ext uri="{FF2B5EF4-FFF2-40B4-BE49-F238E27FC236}">
+                <a16:creationId xmlns:a16="http://schemas.microsoft.com/office/drawing/2014/main" id="{0EF37AB9-30F5-41E6-9478-F4DEF99FA9B7}"/>
+              </a:ext>
+            </a:extLst>
+          </p:cNvPr>
+          <p:cNvSpPr/>
+          <p:nvPr/>
+        </p:nvSpPr>
+        <p:spPr bwMode="white">
+          <a:xfrm flipV="1">
+            <a:off x="639397" y="1681189"/>
+            <a:ext cx="3470764" cy="45719"/>
+          </a:xfrm>
+          <a:custGeom>
+            <a:avLst/>
+            <a:gdLst/>
+            <a:ahLst/>
+            <a:cxnLst/>
+            <a:rect l="l" t="t" r="r" b="b"/>
+            <a:pathLst>
+              <a:path w="3935729">
+                <a:moveTo>
+                  <a:pt x="0" y="0"/>
+                </a:moveTo>
+                <a:lnTo>
+                  <a:pt x="3935349" y="0"/>
+                </a:lnTo>
+              </a:path>
+            </a:pathLst>
+          </a:custGeom>
+          <a:ln w="54863">
+            <a:solidFill>
+              <a:schemeClr val="accent1"/>
+            </a:solidFill>
+          </a:ln>
+        </p:spPr>
+        <p:txBody>
+          <a:bodyPr wrap="square" lIns="0" tIns="0" rIns="0" bIns="0" rtlCol="0"/>
+          <a:lstStyle/>
+          <a:p>
+            <a:endParaRPr lang="en-US" dirty="0"/>
+          </a:p>
+        </p:txBody>
+      </p:sp>
+    </p:spTree>
+    <p:extLst>
+      <p:ext uri="{BB962C8B-B14F-4D97-AF65-F5344CB8AC3E}">
+        <p14:creationId xmlns:p14="http://schemas.microsoft.com/office/powerpoint/2010/main" val="802539683"/>
+      </p:ext>
+    </p:extLst>
+  </p:cSld>
+  <p:clrMapOvr>
+    <a:masterClrMapping/>
+  </p:clrMapOvr>
 </p:sld>
 </file>
 
